--- a/UBER SUPPLY DEMAND GAPS/Report/UBER Supply Demand Gap.pptx
+++ b/UBER SUPPLY DEMAND GAPS/Report/UBER Supply Demand Gap.pptx
@@ -17,17 +17,29 @@
     <p:sldId id="265" r:id="rId15"/>
     <p:sldId id="266" r:id="rId16"/>
     <p:sldId id="267" r:id="rId17"/>
+    <p:sldId id="268" r:id="rId18"/>
+    <p:sldId id="269" r:id="rId19"/>
+    <p:sldId id="270" r:id="rId20"/>
+    <p:sldId id="271" r:id="rId21"/>
+    <p:sldId id="272" r:id="rId22"/>
+    <p:sldId id="273" r:id="rId23"/>
+    <p:sldId id="274" r:id="rId24"/>
+    <p:sldId id="275" r:id="rId25"/>
+    <p:sldId id="276" r:id="rId26"/>
+    <p:sldId id="277" r:id="rId27"/>
+    <p:sldId id="278" r:id="rId28"/>
+    <p:sldId id="279" r:id="rId29"/>
   </p:sldIdLst>
   <p:sldSz cx="10693400" cy="7556500"/>
   <p:notesSz cx="6858000" cy="9144000"/>
   <p:embeddedFontLst>
     <p:embeddedFont>
       <p:font typeface="Canva Sans Bold" charset="1" panose="020B0803030501040103"/>
-      <p:regular r:id="rId18"/>
+      <p:regular r:id="rId30"/>
     </p:embeddedFont>
     <p:embeddedFont>
       <p:font typeface="Canva Sans" charset="1" panose="020B0503030501040103"/>
-      <p:regular r:id="rId19"/>
+      <p:regular r:id="rId31"/>
     </p:embeddedFont>
   </p:embeddedFontLst>
   <p:defaultTextStyle>
@@ -3471,14 +3483,55 @@
       </p:grpSpPr>
       <p:sp>
         <p:nvSpPr>
-          <p:cNvPr name="Freeform 2" id="2"/>
+          <p:cNvPr name="TextBox 2" id="2"/>
+          <p:cNvSpPr txBox="true"/>
+          <p:nvPr/>
+        </p:nvSpPr>
+        <p:spPr>
+          <a:xfrm rot="0">
+            <a:off x="7516256" y="6312238"/>
+            <a:ext cx="624408" cy="372745"/>
+          </a:xfrm>
+          <a:prstGeom prst="rect">
+            <a:avLst/>
+          </a:prstGeom>
+        </p:spPr>
+        <p:txBody>
+          <a:bodyPr anchor="t" rtlCol="false" tIns="0" lIns="0" bIns="0" rIns="0">
+            <a:spAutoFit/>
+          </a:bodyPr>
+          <a:lstStyle/>
+          <a:p>
+            <a:pPr algn="ctr">
+              <a:lnSpc>
+                <a:spcPts val="3079"/>
+              </a:lnSpc>
+            </a:pPr>
+            <a:r>
+              <a:rPr lang="en-US" sz="2199">
+                <a:solidFill>
+                  <a:srgbClr val="000000"/>
+                </a:solidFill>
+                <a:latin typeface="Canva Sans"/>
+                <a:ea typeface="Canva Sans"/>
+                <a:cs typeface="Canva Sans"/>
+                <a:sym typeface="Canva Sans"/>
+              </a:rPr>
+              <a:t>Fig 4</a:t>
+            </a:r>
+          </a:p>
+        </p:txBody>
+      </p:sp>
+      <p:sp>
+        <p:nvSpPr>
+          <p:cNvPr name="Freeform 3" id="3"/>
           <p:cNvSpPr/>
           <p:nvPr/>
         </p:nvSpPr>
         <p:spPr>
           <a:xfrm flipH="false" flipV="false" rot="0">
-            <a:off x="3961623" y="812795"/>
-            <a:ext cx="667426" cy="546455"/>
+            <a:off x="9394011" y="788109"/>
+            <a:ext cx="541989" cy="539033"/>
           </a:xfrm>
           <a:custGeom>
             <a:avLst/>
@@ -3487,18 +3540,18 @@
             <a:cxnLst/>
             <a:rect r="r" b="b" t="t" l="l"/>
             <a:pathLst>
-              <a:path h="546455" w="667426">
+              <a:path h="539033" w="541989">
                 <a:moveTo>
                   <a:pt x="0" y="0"/>
                 </a:moveTo>
                 <a:lnTo>
-                  <a:pt x="667426" y="0"/>
-                </a:lnTo>
-                <a:lnTo>
-                  <a:pt x="667426" y="546455"/>
-                </a:lnTo>
-                <a:lnTo>
-                  <a:pt x="0" y="546455"/>
+                  <a:pt x="541989" y="0"/>
+                </a:lnTo>
+                <a:lnTo>
+                  <a:pt x="541989" y="539032"/>
+                </a:lnTo>
+                <a:lnTo>
+                  <a:pt x="0" y="539032"/>
                 </a:lnTo>
                 <a:lnTo>
                   <a:pt x="0" y="0"/>
@@ -3508,7 +3561,13 @@
             </a:pathLst>
           </a:custGeom>
           <a:blipFill>
-            <a:blip r:embed="rId2"/>
+            <a:blip r:embed="rId2">
+              <a:extLst>
+                <a:ext uri="{96DAC541-7B7A-43D3-8B79-37D633B846F1}">
+                  <asvg:svgBlip xmlns:asvg="http://schemas.microsoft.com/office/drawing/2016/SVG/main" r:embed="rId3"/>
+                </a:ext>
+              </a:extLst>
+            </a:blip>
             <a:stretch>
               <a:fillRect l="0" t="0" r="0" b="0"/>
             </a:stretch>
@@ -3517,14 +3576,14 @@
       </p:sp>
       <p:sp>
         <p:nvSpPr>
-          <p:cNvPr name="Freeform 3" id="3"/>
+          <p:cNvPr name="Freeform 4" id="4"/>
           <p:cNvSpPr/>
           <p:nvPr/>
         </p:nvSpPr>
         <p:spPr>
           <a:xfrm flipH="false" flipV="false" rot="0">
-            <a:off x="151200" y="2603528"/>
-            <a:ext cx="6607232" cy="999344"/>
+            <a:off x="4878810" y="3150983"/>
+            <a:ext cx="5057190" cy="3653783"/>
           </a:xfrm>
           <a:custGeom>
             <a:avLst/>
@@ -3533,64 +3592,18 @@
             <a:cxnLst/>
             <a:rect r="r" b="b" t="t" l="l"/>
             <a:pathLst>
-              <a:path h="999344" w="6607232">
+              <a:path h="3653783" w="5057190">
                 <a:moveTo>
                   <a:pt x="0" y="0"/>
                 </a:moveTo>
                 <a:lnTo>
-                  <a:pt x="6607232" y="0"/>
-                </a:lnTo>
-                <a:lnTo>
-                  <a:pt x="6607232" y="999344"/>
-                </a:lnTo>
-                <a:lnTo>
-                  <a:pt x="0" y="999344"/>
-                </a:lnTo>
-                <a:lnTo>
-                  <a:pt x="0" y="0"/>
-                </a:lnTo>
-                <a:close/>
-              </a:path>
-            </a:pathLst>
-          </a:custGeom>
-          <a:blipFill>
-            <a:blip r:embed="rId3"/>
-            <a:stretch>
-              <a:fillRect l="0" t="0" r="0" b="0"/>
-            </a:stretch>
-          </a:blipFill>
-        </p:spPr>
-      </p:sp>
-      <p:sp>
-        <p:nvSpPr>
-          <p:cNvPr name="Freeform 4" id="4"/>
-          <p:cNvSpPr/>
-          <p:nvPr/>
-        </p:nvSpPr>
-        <p:spPr>
-          <a:xfrm flipH="false" flipV="false" rot="0">
-            <a:off x="6907768" y="2789040"/>
-            <a:ext cx="3616230" cy="628320"/>
-          </a:xfrm>
-          <a:custGeom>
-            <a:avLst/>
-            <a:gdLst/>
-            <a:ahLst/>
-            <a:cxnLst/>
-            <a:rect r="r" b="b" t="t" l="l"/>
-            <a:pathLst>
-              <a:path h="628320" w="3616230">
-                <a:moveTo>
-                  <a:pt x="0" y="0"/>
-                </a:moveTo>
-                <a:lnTo>
-                  <a:pt x="3616229" y="0"/>
-                </a:lnTo>
-                <a:lnTo>
-                  <a:pt x="3616229" y="628320"/>
-                </a:lnTo>
-                <a:lnTo>
-                  <a:pt x="0" y="628320"/>
+                  <a:pt x="5057190" y="0"/>
+                </a:lnTo>
+                <a:lnTo>
+                  <a:pt x="5057190" y="3653783"/>
+                </a:lnTo>
+                <a:lnTo>
+                  <a:pt x="0" y="3653783"/>
                 </a:lnTo>
                 <a:lnTo>
                   <a:pt x="0" y="0"/>
@@ -3602,7 +3615,7 @@
           <a:blipFill>
             <a:blip r:embed="rId4"/>
             <a:stretch>
-              <a:fillRect l="0" t="0" r="0" b="0"/>
+              <a:fillRect l="-763" t="-334" r="0" b="-334"/>
             </a:stretch>
           </a:blipFill>
         </p:spPr>
@@ -3615,8 +3628,8 @@
         </p:nvSpPr>
         <p:spPr>
           <a:xfrm flipH="false" flipV="false" rot="0">
-            <a:off x="151200" y="5414527"/>
-            <a:ext cx="6607232" cy="1527922"/>
+            <a:off x="760763" y="3487654"/>
+            <a:ext cx="3799243" cy="2980441"/>
           </a:xfrm>
           <a:custGeom>
             <a:avLst/>
@@ -3625,18 +3638,18 @@
             <a:cxnLst/>
             <a:rect r="r" b="b" t="t" l="l"/>
             <a:pathLst>
-              <a:path h="1527922" w="6607232">
+              <a:path h="2980441" w="3799243">
                 <a:moveTo>
                   <a:pt x="0" y="0"/>
                 </a:moveTo>
                 <a:lnTo>
-                  <a:pt x="6607232" y="0"/>
-                </a:lnTo>
-                <a:lnTo>
-                  <a:pt x="6607232" y="1527923"/>
-                </a:lnTo>
-                <a:lnTo>
-                  <a:pt x="0" y="1527923"/>
+                  <a:pt x="3799243" y="0"/>
+                </a:lnTo>
+                <a:lnTo>
+                  <a:pt x="3799243" y="2980441"/>
+                </a:lnTo>
+                <a:lnTo>
+                  <a:pt x="0" y="2980441"/>
                 </a:lnTo>
                 <a:lnTo>
                   <a:pt x="0" y="0"/>
@@ -3655,49 +3668,46 @@
       </p:sp>
       <p:sp>
         <p:nvSpPr>
-          <p:cNvPr name="Freeform 6" id="6"/>
-          <p:cNvSpPr/>
-          <p:nvPr/>
-        </p:nvSpPr>
-        <p:spPr>
-          <a:xfrm flipH="false" flipV="false" rot="0">
-            <a:off x="7180837" y="5414527"/>
-            <a:ext cx="2932459" cy="1449246"/>
-          </a:xfrm>
-          <a:custGeom>
-            <a:avLst/>
-            <a:gdLst/>
-            <a:ahLst/>
-            <a:cxnLst/>
-            <a:rect r="r" b="b" t="t" l="l"/>
-            <a:pathLst>
-              <a:path h="1449246" w="2932459">
-                <a:moveTo>
-                  <a:pt x="0" y="0"/>
-                </a:moveTo>
-                <a:lnTo>
-                  <a:pt x="2932459" y="0"/>
-                </a:lnTo>
-                <a:lnTo>
-                  <a:pt x="2932459" y="1449246"/>
-                </a:lnTo>
-                <a:lnTo>
-                  <a:pt x="0" y="1449246"/>
-                </a:lnTo>
-                <a:lnTo>
-                  <a:pt x="0" y="0"/>
-                </a:lnTo>
-                <a:close/>
-              </a:path>
-            </a:pathLst>
-          </a:custGeom>
-          <a:blipFill>
-            <a:blip r:embed="rId6"/>
-            <a:stretch>
-              <a:fillRect l="0" t="0" r="0" b="0"/>
-            </a:stretch>
-          </a:blipFill>
-        </p:spPr>
+          <p:cNvPr name="TextBox 6" id="6"/>
+          <p:cNvSpPr txBox="true"/>
+          <p:nvPr/>
+        </p:nvSpPr>
+        <p:spPr>
+          <a:xfrm rot="0">
+            <a:off x="760763" y="1608064"/>
+            <a:ext cx="4585237" cy="905510"/>
+          </a:xfrm>
+          <a:prstGeom prst="rect">
+            <a:avLst/>
+          </a:prstGeom>
+        </p:spPr>
+        <p:txBody>
+          <a:bodyPr anchor="t" rtlCol="false" tIns="0" lIns="0" bIns="0" rIns="0">
+            <a:spAutoFit/>
+          </a:bodyPr>
+          <a:lstStyle/>
+          <a:p>
+            <a:pPr algn="l" marL="561337" indent="-280669" lvl="1">
+              <a:lnSpc>
+                <a:spcPts val="3639"/>
+              </a:lnSpc>
+              <a:buFont typeface="Arial"/>
+              <a:buChar char="•"/>
+            </a:pPr>
+            <a:r>
+              <a:rPr lang="en-US" sz="2599">
+                <a:solidFill>
+                  <a:srgbClr val="000000"/>
+                </a:solidFill>
+                <a:latin typeface="Canva Sans"/>
+                <a:ea typeface="Canva Sans"/>
+                <a:cs typeface="Canva Sans"/>
+                <a:sym typeface="Canva Sans"/>
+              </a:rPr>
+              <a:t>Fig 10 shows supply and demand for uber drivers.</a:t>
+            </a:r>
+          </a:p>
+        </p:txBody>
       </p:sp>
       <p:sp>
         <p:nvSpPr>
@@ -3708,7 +3718,7 @@
         <p:spPr>
           <a:xfrm rot="0">
             <a:off x="756000" y="679800"/>
-            <a:ext cx="3128861" cy="679450"/>
+            <a:ext cx="8546400" cy="679450"/>
           </a:xfrm>
           <a:prstGeom prst="rect">
             <a:avLst/>
@@ -3735,7 +3745,7 @@
                 <a:cs typeface="Canva Sans Bold"/>
                 <a:sym typeface="Canva Sans Bold"/>
               </a:rPr>
-              <a:t>SQL Insights</a:t>
+              <a:t>Exploratory Data Analysis in Colab</a:t>
             </a:r>
           </a:p>
         </p:txBody>
@@ -3748,8 +3758,8 @@
         </p:nvSpPr>
         <p:spPr>
           <a:xfrm rot="0">
-            <a:off x="760763" y="1608064"/>
-            <a:ext cx="9175238" cy="905510"/>
+            <a:off x="5350763" y="1608064"/>
+            <a:ext cx="4887637" cy="1362710"/>
           </a:xfrm>
           <a:prstGeom prst="rect">
             <a:avLst/>
@@ -3778,7 +3788,7 @@
                 <a:cs typeface="Canva Sans"/>
                 <a:sym typeface="Canva Sans"/>
               </a:rPr>
-              <a:t>Fig 9 and 10 gives insight about the Trips completed and Trip completion percentage. </a:t>
+              <a:t>Fig 11 show the demand of uber drivers at airport and city wrt day category.  </a:t>
             </a:r>
           </a:p>
         </p:txBody>
@@ -3791,8 +3801,8 @@
         </p:nvSpPr>
         <p:spPr>
           <a:xfrm rot="0">
-            <a:off x="3137366" y="3831472"/>
-            <a:ext cx="634901" cy="372745"/>
+            <a:off x="2643085" y="6946875"/>
+            <a:ext cx="795040" cy="372745"/>
           </a:xfrm>
           <a:prstGeom prst="rect">
             <a:avLst/>
@@ -3819,7 +3829,7 @@
                 <a:cs typeface="Canva Sans"/>
                 <a:sym typeface="Canva Sans"/>
               </a:rPr>
-              <a:t>Fig 9</a:t>
+              <a:t>Fig 10</a:t>
             </a:r>
           </a:p>
         </p:txBody>
@@ -3832,8 +3842,8 @@
         </p:nvSpPr>
         <p:spPr>
           <a:xfrm rot="0">
-            <a:off x="8318363" y="3831472"/>
-            <a:ext cx="795040" cy="372745"/>
+            <a:off x="7139870" y="6946875"/>
+            <a:ext cx="752773" cy="372745"/>
           </a:xfrm>
           <a:prstGeom prst="rect">
             <a:avLst/>
@@ -3860,132 +3870,7 @@
                 <a:cs typeface="Canva Sans"/>
                 <a:sym typeface="Canva Sans"/>
               </a:rPr>
-              <a:t>Fig 10</a:t>
-            </a:r>
-          </a:p>
-        </p:txBody>
-      </p:sp>
-      <p:sp>
-        <p:nvSpPr>
-          <p:cNvPr name="TextBox 11" id="11"/>
-          <p:cNvSpPr txBox="true"/>
-          <p:nvPr/>
-        </p:nvSpPr>
-        <p:spPr>
-          <a:xfrm rot="0">
-            <a:off x="771545" y="4423292"/>
-            <a:ext cx="9175238" cy="905510"/>
-          </a:xfrm>
-          <a:prstGeom prst="rect">
-            <a:avLst/>
-          </a:prstGeom>
-        </p:spPr>
-        <p:txBody>
-          <a:bodyPr anchor="t" rtlCol="false" tIns="0" lIns="0" bIns="0" rIns="0">
-            <a:spAutoFit/>
-          </a:bodyPr>
-          <a:lstStyle/>
-          <a:p>
-            <a:pPr algn="l" marL="561337" indent="-280669" lvl="1">
-              <a:lnSpc>
-                <a:spcPts val="3639"/>
-              </a:lnSpc>
-              <a:buFont typeface="Arial"/>
-              <a:buChar char="•"/>
-            </a:pPr>
-            <a:r>
-              <a:rPr lang="en-US" sz="2599">
-                <a:solidFill>
-                  <a:srgbClr val="000000"/>
-                </a:solidFill>
-                <a:latin typeface="Canva Sans"/>
-                <a:ea typeface="Canva Sans"/>
-                <a:cs typeface="Canva Sans"/>
-                <a:sym typeface="Canva Sans"/>
-              </a:rPr>
-              <a:t>Fig 11 and 12 gives insight about the average travel time wrt categories of the day.</a:t>
-            </a:r>
-          </a:p>
-        </p:txBody>
-      </p:sp>
-      <p:sp>
-        <p:nvSpPr>
-          <p:cNvPr name="TextBox 12" id="12"/>
-          <p:cNvSpPr txBox="true"/>
-          <p:nvPr/>
-        </p:nvSpPr>
-        <p:spPr>
-          <a:xfrm rot="0">
-            <a:off x="3078430" y="6990075"/>
-            <a:ext cx="752773" cy="372745"/>
-          </a:xfrm>
-          <a:prstGeom prst="rect">
-            <a:avLst/>
-          </a:prstGeom>
-        </p:spPr>
-        <p:txBody>
-          <a:bodyPr anchor="t" rtlCol="false" tIns="0" lIns="0" bIns="0" rIns="0">
-            <a:spAutoFit/>
-          </a:bodyPr>
-          <a:lstStyle/>
-          <a:p>
-            <a:pPr algn="ctr">
-              <a:lnSpc>
-                <a:spcPts val="3079"/>
-              </a:lnSpc>
-            </a:pPr>
-            <a:r>
-              <a:rPr lang="en-US" sz="2199">
-                <a:solidFill>
-                  <a:srgbClr val="000000"/>
-                </a:solidFill>
-                <a:latin typeface="Canva Sans"/>
-                <a:ea typeface="Canva Sans"/>
-                <a:cs typeface="Canva Sans"/>
-                <a:sym typeface="Canva Sans"/>
-              </a:rPr>
               <a:t>Fig 11</a:t>
-            </a:r>
-          </a:p>
-        </p:txBody>
-      </p:sp>
-      <p:sp>
-        <p:nvSpPr>
-          <p:cNvPr name="TextBox 13" id="13"/>
-          <p:cNvSpPr txBox="true"/>
-          <p:nvPr/>
-        </p:nvSpPr>
-        <p:spPr>
-          <a:xfrm rot="0">
-            <a:off x="8347972" y="6990075"/>
-            <a:ext cx="757386" cy="372745"/>
-          </a:xfrm>
-          <a:prstGeom prst="rect">
-            <a:avLst/>
-          </a:prstGeom>
-        </p:spPr>
-        <p:txBody>
-          <a:bodyPr anchor="t" rtlCol="false" tIns="0" lIns="0" bIns="0" rIns="0">
-            <a:spAutoFit/>
-          </a:bodyPr>
-          <a:lstStyle/>
-          <a:p>
-            <a:pPr algn="ctr">
-              <a:lnSpc>
-                <a:spcPts val="3079"/>
-              </a:lnSpc>
-            </a:pPr>
-            <a:r>
-              <a:rPr lang="en-US" sz="2199">
-                <a:solidFill>
-                  <a:srgbClr val="000000"/>
-                </a:solidFill>
-                <a:latin typeface="Canva Sans"/>
-                <a:ea typeface="Canva Sans"/>
-                <a:cs typeface="Canva Sans"/>
-                <a:sym typeface="Canva Sans"/>
-              </a:rPr>
-              <a:t>Fig 12</a:t>
             </a:r>
           </a:p>
         </p:txBody>
@@ -3999,7 +3884,7 @@
 </file>
 
 <file path=ppt/slides/slide11.xml><?xml version="1.0" encoding="utf-8"?>
-<p:sld xmlns:p="http://schemas.openxmlformats.org/presentationml/2006/main" xmlns:a="http://schemas.openxmlformats.org/drawingml/2006/main">
+<p:sld xmlns:p="http://schemas.openxmlformats.org/presentationml/2006/main" xmlns:a="http://schemas.openxmlformats.org/drawingml/2006/main" xmlns:r="http://schemas.openxmlformats.org/officeDocument/2006/relationships">
   <p:cSld>
     <p:spTree>
       <p:nvGrpSpPr>
@@ -4017,14 +3902,201 @@
       </p:grpSpPr>
       <p:sp>
         <p:nvSpPr>
-          <p:cNvPr name="TextBox 2" id="2"/>
+          <p:cNvPr name="Freeform 2" id="2"/>
+          <p:cNvSpPr/>
+          <p:nvPr/>
+        </p:nvSpPr>
+        <p:spPr>
+          <a:xfrm flipH="false" flipV="false" rot="0">
+            <a:off x="9394011" y="788109"/>
+            <a:ext cx="541989" cy="539033"/>
+          </a:xfrm>
+          <a:custGeom>
+            <a:avLst/>
+            <a:gdLst/>
+            <a:ahLst/>
+            <a:cxnLst/>
+            <a:rect r="r" b="b" t="t" l="l"/>
+            <a:pathLst>
+              <a:path h="539033" w="541989">
+                <a:moveTo>
+                  <a:pt x="0" y="0"/>
+                </a:moveTo>
+                <a:lnTo>
+                  <a:pt x="541989" y="0"/>
+                </a:lnTo>
+                <a:lnTo>
+                  <a:pt x="541989" y="539032"/>
+                </a:lnTo>
+                <a:lnTo>
+                  <a:pt x="0" y="539032"/>
+                </a:lnTo>
+                <a:lnTo>
+                  <a:pt x="0" y="0"/>
+                </a:lnTo>
+                <a:close/>
+              </a:path>
+            </a:pathLst>
+          </a:custGeom>
+          <a:blipFill>
+            <a:blip r:embed="rId2">
+              <a:extLst>
+                <a:ext uri="{96DAC541-7B7A-43D3-8B79-37D633B846F1}">
+                  <asvg:svgBlip xmlns:asvg="http://schemas.microsoft.com/office/drawing/2016/SVG/main" r:embed="rId3"/>
+                </a:ext>
+              </a:extLst>
+            </a:blip>
+            <a:stretch>
+              <a:fillRect l="0" t="0" r="0" b="0"/>
+            </a:stretch>
+          </a:blipFill>
+        </p:spPr>
+      </p:sp>
+      <p:sp>
+        <p:nvSpPr>
+          <p:cNvPr name="Freeform 3" id="3"/>
+          <p:cNvSpPr/>
+          <p:nvPr/>
+        </p:nvSpPr>
+        <p:spPr>
+          <a:xfrm flipH="false" flipV="false" rot="0">
+            <a:off x="5604351" y="3300945"/>
+            <a:ext cx="4279225" cy="3353859"/>
+          </a:xfrm>
+          <a:custGeom>
+            <a:avLst/>
+            <a:gdLst/>
+            <a:ahLst/>
+            <a:cxnLst/>
+            <a:rect r="r" b="b" t="t" l="l"/>
+            <a:pathLst>
+              <a:path h="3353859" w="4279225">
+                <a:moveTo>
+                  <a:pt x="0" y="0"/>
+                </a:moveTo>
+                <a:lnTo>
+                  <a:pt x="4279224" y="0"/>
+                </a:lnTo>
+                <a:lnTo>
+                  <a:pt x="4279224" y="3353859"/>
+                </a:lnTo>
+                <a:lnTo>
+                  <a:pt x="0" y="3353859"/>
+                </a:lnTo>
+                <a:lnTo>
+                  <a:pt x="0" y="0"/>
+                </a:lnTo>
+                <a:close/>
+              </a:path>
+            </a:pathLst>
+          </a:custGeom>
+          <a:blipFill>
+            <a:blip r:embed="rId4"/>
+            <a:stretch>
+              <a:fillRect l="-325" t="-635" r="-325" b="0"/>
+            </a:stretch>
+          </a:blipFill>
+        </p:spPr>
+      </p:sp>
+      <p:sp>
+        <p:nvSpPr>
+          <p:cNvPr name="Freeform 4" id="4"/>
+          <p:cNvSpPr/>
+          <p:nvPr/>
+        </p:nvSpPr>
+        <p:spPr>
+          <a:xfrm flipH="false" flipV="false" rot="0">
+            <a:off x="756000" y="3394300"/>
+            <a:ext cx="4037246" cy="3167150"/>
+          </a:xfrm>
+          <a:custGeom>
+            <a:avLst/>
+            <a:gdLst/>
+            <a:ahLst/>
+            <a:cxnLst/>
+            <a:rect r="r" b="b" t="t" l="l"/>
+            <a:pathLst>
+              <a:path h="3167150" w="4037246">
+                <a:moveTo>
+                  <a:pt x="0" y="0"/>
+                </a:moveTo>
+                <a:lnTo>
+                  <a:pt x="4037246" y="0"/>
+                </a:lnTo>
+                <a:lnTo>
+                  <a:pt x="4037246" y="3167150"/>
+                </a:lnTo>
+                <a:lnTo>
+                  <a:pt x="0" y="3167150"/>
+                </a:lnTo>
+                <a:lnTo>
+                  <a:pt x="0" y="0"/>
+                </a:lnTo>
+                <a:close/>
+              </a:path>
+            </a:pathLst>
+          </a:custGeom>
+          <a:blipFill>
+            <a:blip r:embed="rId5"/>
+            <a:stretch>
+              <a:fillRect l="-54" t="0" r="-54" b="0"/>
+            </a:stretch>
+          </a:blipFill>
+        </p:spPr>
+      </p:sp>
+      <p:sp>
+        <p:nvSpPr>
+          <p:cNvPr name="TextBox 5" id="5"/>
+          <p:cNvSpPr txBox="true"/>
+          <p:nvPr/>
+        </p:nvSpPr>
+        <p:spPr>
+          <a:xfrm rot="0">
+            <a:off x="760763" y="1608064"/>
+            <a:ext cx="4585237" cy="1362710"/>
+          </a:xfrm>
+          <a:prstGeom prst="rect">
+            <a:avLst/>
+          </a:prstGeom>
+        </p:spPr>
+        <p:txBody>
+          <a:bodyPr anchor="t" rtlCol="false" tIns="0" lIns="0" bIns="0" rIns="0">
+            <a:spAutoFit/>
+          </a:bodyPr>
+          <a:lstStyle/>
+          <a:p>
+            <a:pPr algn="l" marL="561337" indent="-280669" lvl="1">
+              <a:lnSpc>
+                <a:spcPts val="3639"/>
+              </a:lnSpc>
+              <a:buFont typeface="Arial"/>
+              <a:buChar char="•"/>
+            </a:pPr>
+            <a:r>
+              <a:rPr lang="en-US" sz="2599">
+                <a:solidFill>
+                  <a:srgbClr val="000000"/>
+                </a:solidFill>
+                <a:latin typeface="Canva Sans"/>
+                <a:ea typeface="Canva Sans"/>
+                <a:cs typeface="Canva Sans"/>
+                <a:sym typeface="Canva Sans"/>
+              </a:rPr>
+              <a:t>Fig 12 shows the supply of uber drivers at airport and city. </a:t>
+            </a:r>
+          </a:p>
+        </p:txBody>
+      </p:sp>
+      <p:sp>
+        <p:nvSpPr>
+          <p:cNvPr name="TextBox 6" id="6"/>
           <p:cNvSpPr txBox="true"/>
           <p:nvPr/>
         </p:nvSpPr>
         <p:spPr>
           <a:xfrm rot="0">
             <a:off x="756000" y="679800"/>
-            <a:ext cx="2101602" cy="679450"/>
+            <a:ext cx="8546400" cy="679450"/>
           </a:xfrm>
           <a:prstGeom prst="rect">
             <a:avLst/>
@@ -4051,21 +4123,21 @@
                 <a:cs typeface="Canva Sans Bold"/>
                 <a:sym typeface="Canva Sans Bold"/>
               </a:rPr>
-              <a:t>Solution</a:t>
-            </a:r>
-          </a:p>
-        </p:txBody>
-      </p:sp>
-      <p:sp>
-        <p:nvSpPr>
-          <p:cNvPr name="TextBox 3" id="3"/>
+              <a:t>Exploratory Data Analysis in Colab</a:t>
+            </a:r>
+          </a:p>
+        </p:txBody>
+      </p:sp>
+      <p:sp>
+        <p:nvSpPr>
+          <p:cNvPr name="TextBox 7" id="7"/>
           <p:cNvSpPr txBox="true"/>
           <p:nvPr/>
         </p:nvSpPr>
         <p:spPr>
           <a:xfrm rot="0">
-            <a:off x="760763" y="1608064"/>
-            <a:ext cx="9180000" cy="4563110"/>
+            <a:off x="5350763" y="1608064"/>
+            <a:ext cx="4585237" cy="1362710"/>
           </a:xfrm>
           <a:prstGeom prst="rect">
             <a:avLst/>
@@ -4094,19 +4166,39 @@
                 <a:cs typeface="Canva Sans"/>
                 <a:sym typeface="Canva Sans"/>
               </a:rPr>
-              <a:t>Deploying more drivers at airport can reduce trip cancellation and increase the availability of cars.</a:t>
-            </a:r>
-          </a:p>
-          <a:p>
-            <a:pPr algn="l" marL="561337" indent="-280669" lvl="1">
-              <a:lnSpc>
-                <a:spcPts val="3639"/>
-              </a:lnSpc>
-              <a:buFont typeface="Arial"/>
-              <a:buChar char="•"/>
-            </a:pPr>
-            <a:r>
-              <a:rPr lang="en-US" sz="2599">
+              <a:t>Fig 13 shows the demand of drivers wrt day category.</a:t>
+            </a:r>
+          </a:p>
+        </p:txBody>
+      </p:sp>
+      <p:sp>
+        <p:nvSpPr>
+          <p:cNvPr name="TextBox 8" id="8"/>
+          <p:cNvSpPr txBox="true"/>
+          <p:nvPr/>
+        </p:nvSpPr>
+        <p:spPr>
+          <a:xfrm rot="0">
+            <a:off x="2661912" y="6946875"/>
+            <a:ext cx="757386" cy="372745"/>
+          </a:xfrm>
+          <a:prstGeom prst="rect">
+            <a:avLst/>
+          </a:prstGeom>
+        </p:spPr>
+        <p:txBody>
+          <a:bodyPr anchor="t" rtlCol="false" tIns="0" lIns="0" bIns="0" rIns="0">
+            <a:spAutoFit/>
+          </a:bodyPr>
+          <a:lstStyle/>
+          <a:p>
+            <a:pPr algn="ctr">
+              <a:lnSpc>
+                <a:spcPts val="3079"/>
+              </a:lnSpc>
+            </a:pPr>
+            <a:r>
+              <a:rPr lang="en-US" sz="2199">
                 <a:solidFill>
                   <a:srgbClr val="000000"/>
                 </a:solidFill>
@@ -4115,19 +4207,39 @@
                 <a:cs typeface="Canva Sans"/>
                 <a:sym typeface="Canva Sans"/>
               </a:rPr>
-              <a:t>Provide coupons for clients who travel more often and median of travel time.</a:t>
-            </a:r>
-          </a:p>
-          <a:p>
-            <a:pPr algn="l" marL="561337" indent="-280669" lvl="1">
-              <a:lnSpc>
-                <a:spcPts val="3639"/>
-              </a:lnSpc>
-              <a:buFont typeface="Arial"/>
-              <a:buChar char="•"/>
-            </a:pPr>
-            <a:r>
-              <a:rPr lang="en-US" sz="2599">
+              <a:t>Fig 12</a:t>
+            </a:r>
+          </a:p>
+        </p:txBody>
+      </p:sp>
+      <p:sp>
+        <p:nvSpPr>
+          <p:cNvPr name="TextBox 9" id="9"/>
+          <p:cNvSpPr txBox="true"/>
+          <p:nvPr/>
+        </p:nvSpPr>
+        <p:spPr>
+          <a:xfrm rot="0">
+            <a:off x="7133210" y="6946875"/>
+            <a:ext cx="766093" cy="372745"/>
+          </a:xfrm>
+          <a:prstGeom prst="rect">
+            <a:avLst/>
+          </a:prstGeom>
+        </p:spPr>
+        <p:txBody>
+          <a:bodyPr anchor="t" rtlCol="false" tIns="0" lIns="0" bIns="0" rIns="0">
+            <a:spAutoFit/>
+          </a:bodyPr>
+          <a:lstStyle/>
+          <a:p>
+            <a:pPr algn="ctr">
+              <a:lnSpc>
+                <a:spcPts val="3079"/>
+              </a:lnSpc>
+            </a:pPr>
+            <a:r>
+              <a:rPr lang="en-US" sz="2199">
                 <a:solidFill>
                   <a:srgbClr val="000000"/>
                 </a:solidFill>
@@ -4136,49 +4248,7 @@
                 <a:cs typeface="Canva Sans"/>
                 <a:sym typeface="Canva Sans"/>
               </a:rPr>
-              <a:t>Give incentive for drivers who are working during the peak hours.</a:t>
-            </a:r>
-          </a:p>
-          <a:p>
-            <a:pPr algn="l" marL="561337" indent="-280669" lvl="1">
-              <a:lnSpc>
-                <a:spcPts val="3639"/>
-              </a:lnSpc>
-              <a:buFont typeface="Arial"/>
-              <a:buChar char="•"/>
-            </a:pPr>
-            <a:r>
-              <a:rPr lang="en-US" sz="2599">
-                <a:solidFill>
-                  <a:srgbClr val="000000"/>
-                </a:solidFill>
-                <a:latin typeface="Canva Sans"/>
-                <a:ea typeface="Canva Sans"/>
-                <a:cs typeface="Canva Sans"/>
-                <a:sym typeface="Canva Sans"/>
-              </a:rPr>
-              <a:t>Implement cancellation charges(during peak hours) to reduce the number of cancellations.</a:t>
-            </a:r>
-          </a:p>
-          <a:p>
-            <a:pPr algn="l" marL="561337" indent="-280669" lvl="1">
-              <a:lnSpc>
-                <a:spcPts val="3639"/>
-              </a:lnSpc>
-              <a:buFont typeface="Arial"/>
-              <a:buChar char="•"/>
-            </a:pPr>
-            <a:r>
-              <a:rPr lang="en-US" sz="2599">
-                <a:solidFill>
-                  <a:srgbClr val="000000"/>
-                </a:solidFill>
-                <a:latin typeface="Canva Sans"/>
-                <a:ea typeface="Canva Sans"/>
-                <a:cs typeface="Canva Sans"/>
-                <a:sym typeface="Canva Sans"/>
-              </a:rPr>
-              <a:t>Providing incentive for night rides can likely increase number of drivers. </a:t>
+              <a:t>Fig 13</a:t>
             </a:r>
           </a:p>
         </p:txBody>
@@ -4192,7 +4262,7 @@
 </file>
 
 <file path=ppt/slides/slide12.xml><?xml version="1.0" encoding="utf-8"?>
-<p:sld xmlns:p="http://schemas.openxmlformats.org/presentationml/2006/main" xmlns:a="http://schemas.openxmlformats.org/drawingml/2006/main">
+<p:sld xmlns:p="http://schemas.openxmlformats.org/presentationml/2006/main" xmlns:a="http://schemas.openxmlformats.org/drawingml/2006/main" xmlns:r="http://schemas.openxmlformats.org/officeDocument/2006/relationships">
   <p:cSld>
     <p:spTree>
       <p:nvGrpSpPr>
@@ -4210,14 +4280,201 @@
       </p:grpSpPr>
       <p:sp>
         <p:nvSpPr>
-          <p:cNvPr name="TextBox 2" id="2"/>
+          <p:cNvPr name="Freeform 2" id="2"/>
+          <p:cNvSpPr/>
+          <p:nvPr/>
+        </p:nvSpPr>
+        <p:spPr>
+          <a:xfrm flipH="false" flipV="false" rot="0">
+            <a:off x="9394011" y="788109"/>
+            <a:ext cx="541989" cy="539033"/>
+          </a:xfrm>
+          <a:custGeom>
+            <a:avLst/>
+            <a:gdLst/>
+            <a:ahLst/>
+            <a:cxnLst/>
+            <a:rect r="r" b="b" t="t" l="l"/>
+            <a:pathLst>
+              <a:path h="539033" w="541989">
+                <a:moveTo>
+                  <a:pt x="0" y="0"/>
+                </a:moveTo>
+                <a:lnTo>
+                  <a:pt x="541989" y="0"/>
+                </a:lnTo>
+                <a:lnTo>
+                  <a:pt x="541989" y="539032"/>
+                </a:lnTo>
+                <a:lnTo>
+                  <a:pt x="0" y="539032"/>
+                </a:lnTo>
+                <a:lnTo>
+                  <a:pt x="0" y="0"/>
+                </a:lnTo>
+                <a:close/>
+              </a:path>
+            </a:pathLst>
+          </a:custGeom>
+          <a:blipFill>
+            <a:blip r:embed="rId2">
+              <a:extLst>
+                <a:ext uri="{96DAC541-7B7A-43D3-8B79-37D633B846F1}">
+                  <asvg:svgBlip xmlns:asvg="http://schemas.microsoft.com/office/drawing/2016/SVG/main" r:embed="rId3"/>
+                </a:ext>
+              </a:extLst>
+            </a:blip>
+            <a:stretch>
+              <a:fillRect l="0" t="0" r="0" b="0"/>
+            </a:stretch>
+          </a:blipFill>
+        </p:spPr>
+      </p:sp>
+      <p:sp>
+        <p:nvSpPr>
+          <p:cNvPr name="Freeform 3" id="3"/>
+          <p:cNvSpPr/>
+          <p:nvPr/>
+        </p:nvSpPr>
+        <p:spPr>
+          <a:xfrm flipH="false" flipV="false" rot="0">
+            <a:off x="5816172" y="3227949"/>
+            <a:ext cx="4036661" cy="3499851"/>
+          </a:xfrm>
+          <a:custGeom>
+            <a:avLst/>
+            <a:gdLst/>
+            <a:ahLst/>
+            <a:cxnLst/>
+            <a:rect r="r" b="b" t="t" l="l"/>
+            <a:pathLst>
+              <a:path h="3499851" w="4036661">
+                <a:moveTo>
+                  <a:pt x="0" y="0"/>
+                </a:moveTo>
+                <a:lnTo>
+                  <a:pt x="4036661" y="0"/>
+                </a:lnTo>
+                <a:lnTo>
+                  <a:pt x="4036661" y="3499851"/>
+                </a:lnTo>
+                <a:lnTo>
+                  <a:pt x="0" y="3499851"/>
+                </a:lnTo>
+                <a:lnTo>
+                  <a:pt x="0" y="0"/>
+                </a:lnTo>
+                <a:close/>
+              </a:path>
+            </a:pathLst>
+          </a:custGeom>
+          <a:blipFill>
+            <a:blip r:embed="rId4"/>
+            <a:stretch>
+              <a:fillRect l="-2" t="0" r="-3213" b="0"/>
+            </a:stretch>
+          </a:blipFill>
+        </p:spPr>
+      </p:sp>
+      <p:sp>
+        <p:nvSpPr>
+          <p:cNvPr name="Freeform 4" id="4"/>
+          <p:cNvSpPr/>
+          <p:nvPr/>
+        </p:nvSpPr>
+        <p:spPr>
+          <a:xfrm flipH="false" flipV="false" rot="0">
+            <a:off x="756000" y="3394300"/>
+            <a:ext cx="4037246" cy="3167150"/>
+          </a:xfrm>
+          <a:custGeom>
+            <a:avLst/>
+            <a:gdLst/>
+            <a:ahLst/>
+            <a:cxnLst/>
+            <a:rect r="r" b="b" t="t" l="l"/>
+            <a:pathLst>
+              <a:path h="3167150" w="4037246">
+                <a:moveTo>
+                  <a:pt x="0" y="0"/>
+                </a:moveTo>
+                <a:lnTo>
+                  <a:pt x="4037246" y="0"/>
+                </a:lnTo>
+                <a:lnTo>
+                  <a:pt x="4037246" y="3167150"/>
+                </a:lnTo>
+                <a:lnTo>
+                  <a:pt x="0" y="3167150"/>
+                </a:lnTo>
+                <a:lnTo>
+                  <a:pt x="0" y="0"/>
+                </a:lnTo>
+                <a:close/>
+              </a:path>
+            </a:pathLst>
+          </a:custGeom>
+          <a:blipFill>
+            <a:blip r:embed="rId5"/>
+            <a:stretch>
+              <a:fillRect l="-54" t="0" r="-54" b="0"/>
+            </a:stretch>
+          </a:blipFill>
+        </p:spPr>
+      </p:sp>
+      <p:sp>
+        <p:nvSpPr>
+          <p:cNvPr name="TextBox 5" id="5"/>
           <p:cNvSpPr txBox="true"/>
           <p:nvPr/>
         </p:nvSpPr>
         <p:spPr>
           <a:xfrm rot="0">
-            <a:off x="760763" y="679800"/>
-            <a:ext cx="2787923" cy="679450"/>
+            <a:off x="760763" y="1608064"/>
+            <a:ext cx="4585237" cy="1362710"/>
+          </a:xfrm>
+          <a:prstGeom prst="rect">
+            <a:avLst/>
+          </a:prstGeom>
+        </p:spPr>
+        <p:txBody>
+          <a:bodyPr anchor="t" rtlCol="false" tIns="0" lIns="0" bIns="0" rIns="0">
+            <a:spAutoFit/>
+          </a:bodyPr>
+          <a:lstStyle/>
+          <a:p>
+            <a:pPr algn="l" marL="561337" indent="-280669" lvl="1">
+              <a:lnSpc>
+                <a:spcPts val="3639"/>
+              </a:lnSpc>
+              <a:buFont typeface="Arial"/>
+              <a:buChar char="•"/>
+            </a:pPr>
+            <a:r>
+              <a:rPr lang="en-US" sz="2599">
+                <a:solidFill>
+                  <a:srgbClr val="000000"/>
+                </a:solidFill>
+                <a:latin typeface="Canva Sans"/>
+                <a:ea typeface="Canva Sans"/>
+                <a:cs typeface="Canva Sans"/>
+                <a:sym typeface="Canva Sans"/>
+              </a:rPr>
+              <a:t>Fig 14 shows the supply of uber drivers for various distances.</a:t>
+            </a:r>
+          </a:p>
+        </p:txBody>
+      </p:sp>
+      <p:sp>
+        <p:nvSpPr>
+          <p:cNvPr name="TextBox 6" id="6"/>
+          <p:cNvSpPr txBox="true"/>
+          <p:nvPr/>
+        </p:nvSpPr>
+        <p:spPr>
+          <a:xfrm rot="0">
+            <a:off x="756000" y="679800"/>
+            <a:ext cx="8546400" cy="679450"/>
           </a:xfrm>
           <a:prstGeom prst="rect">
             <a:avLst/>
@@ -4244,21 +4501,21 @@
                 <a:cs typeface="Canva Sans Bold"/>
                 <a:sym typeface="Canva Sans Bold"/>
               </a:rPr>
-              <a:t>Conclusion</a:t>
-            </a:r>
-          </a:p>
-        </p:txBody>
-      </p:sp>
-      <p:sp>
-        <p:nvSpPr>
-          <p:cNvPr name="TextBox 3" id="3"/>
+              <a:t>Exploratory Data Analysis in Colab</a:t>
+            </a:r>
+          </a:p>
+        </p:txBody>
+      </p:sp>
+      <p:sp>
+        <p:nvSpPr>
+          <p:cNvPr name="TextBox 7" id="7"/>
           <p:cNvSpPr txBox="true"/>
           <p:nvPr/>
         </p:nvSpPr>
         <p:spPr>
           <a:xfrm rot="0">
-            <a:off x="760763" y="1608064"/>
-            <a:ext cx="9180000" cy="4105910"/>
+            <a:off x="5350763" y="1608064"/>
+            <a:ext cx="4585237" cy="1362710"/>
           </a:xfrm>
           <a:prstGeom prst="rect">
             <a:avLst/>
@@ -4287,19 +4544,39 @@
                 <a:cs typeface="Canva Sans"/>
                 <a:sym typeface="Canva Sans"/>
               </a:rPr>
-              <a:t>The goal was to understand Uber ride pattern using real time data.</a:t>
-            </a:r>
-          </a:p>
-          <a:p>
-            <a:pPr algn="l" marL="561337" indent="-280669" lvl="1">
-              <a:lnSpc>
-                <a:spcPts val="3639"/>
-              </a:lnSpc>
-              <a:buFont typeface="Arial"/>
-              <a:buChar char="•"/>
-            </a:pPr>
-            <a:r>
-              <a:rPr lang="en-US" sz="2599">
+              <a:t>Fig 15 shows the demand of uber at airport and city.</a:t>
+            </a:r>
+          </a:p>
+        </p:txBody>
+      </p:sp>
+      <p:sp>
+        <p:nvSpPr>
+          <p:cNvPr name="TextBox 8" id="8"/>
+          <p:cNvSpPr txBox="true"/>
+          <p:nvPr/>
+        </p:nvSpPr>
+        <p:spPr>
+          <a:xfrm rot="0">
+            <a:off x="2654061" y="6946875"/>
+            <a:ext cx="773088" cy="372745"/>
+          </a:xfrm>
+          <a:prstGeom prst="rect">
+            <a:avLst/>
+          </a:prstGeom>
+        </p:spPr>
+        <p:txBody>
+          <a:bodyPr anchor="t" rtlCol="false" tIns="0" lIns="0" bIns="0" rIns="0">
+            <a:spAutoFit/>
+          </a:bodyPr>
+          <a:lstStyle/>
+          <a:p>
+            <a:pPr algn="ctr">
+              <a:lnSpc>
+                <a:spcPts val="3079"/>
+              </a:lnSpc>
+            </a:pPr>
+            <a:r>
+              <a:rPr lang="en-US" sz="2199">
                 <a:solidFill>
                   <a:srgbClr val="000000"/>
                 </a:solidFill>
@@ -4308,19 +4585,39 @@
                 <a:cs typeface="Canva Sans"/>
                 <a:sym typeface="Canva Sans"/>
               </a:rPr>
-              <a:t>Cleaned and transformed data using Excel.</a:t>
-            </a:r>
-          </a:p>
-          <a:p>
-            <a:pPr algn="l" marL="561337" indent="-280669" lvl="1">
-              <a:lnSpc>
-                <a:spcPts val="3639"/>
-              </a:lnSpc>
-              <a:buFont typeface="Arial"/>
-              <a:buChar char="•"/>
-            </a:pPr>
-            <a:r>
-              <a:rPr lang="en-US" sz="2599">
+              <a:t>Fig 14</a:t>
+            </a:r>
+          </a:p>
+        </p:txBody>
+      </p:sp>
+      <p:sp>
+        <p:nvSpPr>
+          <p:cNvPr name="TextBox 9" id="9"/>
+          <p:cNvSpPr txBox="true"/>
+          <p:nvPr/>
+        </p:nvSpPr>
+        <p:spPr>
+          <a:xfrm rot="0">
+            <a:off x="7131684" y="6946875"/>
+            <a:ext cx="769144" cy="372745"/>
+          </a:xfrm>
+          <a:prstGeom prst="rect">
+            <a:avLst/>
+          </a:prstGeom>
+        </p:spPr>
+        <p:txBody>
+          <a:bodyPr anchor="t" rtlCol="false" tIns="0" lIns="0" bIns="0" rIns="0">
+            <a:spAutoFit/>
+          </a:bodyPr>
+          <a:lstStyle/>
+          <a:p>
+            <a:pPr algn="ctr">
+              <a:lnSpc>
+                <a:spcPts val="3079"/>
+              </a:lnSpc>
+            </a:pPr>
+            <a:r>
+              <a:rPr lang="en-US" sz="2199">
                 <a:solidFill>
                   <a:srgbClr val="000000"/>
                 </a:solidFill>
@@ -4329,19 +4626,64 @@
                 <a:cs typeface="Canva Sans"/>
                 <a:sym typeface="Canva Sans"/>
               </a:rPr>
-              <a:t>Performed EDA in Colab.</a:t>
-            </a:r>
-          </a:p>
-          <a:p>
-            <a:pPr algn="l" marL="561337" indent="-280669" lvl="1">
-              <a:lnSpc>
-                <a:spcPts val="3639"/>
-              </a:lnSpc>
-              <a:buFont typeface="Arial"/>
-              <a:buChar char="•"/>
-            </a:pPr>
-            <a:r>
-              <a:rPr lang="en-US" sz="2599">
+              <a:t>Fig 15</a:t>
+            </a:r>
+          </a:p>
+        </p:txBody>
+      </p:sp>
+    </p:spTree>
+  </p:cSld>
+  <p:clrMapOvr>
+    <a:masterClrMapping/>
+  </p:clrMapOvr>
+</p:sld>
+</file>
+
+<file path=ppt/slides/slide13.xml><?xml version="1.0" encoding="utf-8"?>
+<p:sld xmlns:p="http://schemas.openxmlformats.org/presentationml/2006/main" xmlns:a="http://schemas.openxmlformats.org/drawingml/2006/main" xmlns:r="http://schemas.openxmlformats.org/officeDocument/2006/relationships">
+  <p:cSld>
+    <p:spTree>
+      <p:nvGrpSpPr>
+        <p:cNvPr id="1" name=""/>
+        <p:cNvGrpSpPr/>
+        <p:nvPr/>
+      </p:nvGrpSpPr>
+      <p:grpSpPr>
+        <a:xfrm>
+          <a:off x="0" y="0"/>
+          <a:ext cx="0" cy="0"/>
+          <a:chOff x="0" y="0"/>
+          <a:chExt cx="0" cy="0"/>
+        </a:xfrm>
+      </p:grpSpPr>
+      <p:sp>
+        <p:nvSpPr>
+          <p:cNvPr name="TextBox 2" id="2"/>
+          <p:cNvSpPr txBox="true"/>
+          <p:nvPr/>
+        </p:nvSpPr>
+        <p:spPr>
+          <a:xfrm rot="0">
+            <a:off x="7516256" y="6312238"/>
+            <a:ext cx="624408" cy="372745"/>
+          </a:xfrm>
+          <a:prstGeom prst="rect">
+            <a:avLst/>
+          </a:prstGeom>
+        </p:spPr>
+        <p:txBody>
+          <a:bodyPr anchor="t" rtlCol="false" tIns="0" lIns="0" bIns="0" rIns="0">
+            <a:spAutoFit/>
+          </a:bodyPr>
+          <a:lstStyle/>
+          <a:p>
+            <a:pPr algn="ctr">
+              <a:lnSpc>
+                <a:spcPts val="3079"/>
+              </a:lnSpc>
+            </a:pPr>
+            <a:r>
+              <a:rPr lang="en-US" sz="2199">
                 <a:solidFill>
                   <a:srgbClr val="000000"/>
                 </a:solidFill>
@@ -4350,9 +4692,175 @@
                 <a:cs typeface="Canva Sans"/>
                 <a:sym typeface="Canva Sans"/>
               </a:rPr>
-              <a:t>Found insights using SQL via VS Code.</a:t>
-            </a:r>
-          </a:p>
+              <a:t>Fig 4</a:t>
+            </a:r>
+          </a:p>
+        </p:txBody>
+      </p:sp>
+      <p:sp>
+        <p:nvSpPr>
+          <p:cNvPr name="Freeform 3" id="3"/>
+          <p:cNvSpPr/>
+          <p:nvPr/>
+        </p:nvSpPr>
+        <p:spPr>
+          <a:xfrm flipH="false" flipV="false" rot="0">
+            <a:off x="9394011" y="788109"/>
+            <a:ext cx="541989" cy="539033"/>
+          </a:xfrm>
+          <a:custGeom>
+            <a:avLst/>
+            <a:gdLst/>
+            <a:ahLst/>
+            <a:cxnLst/>
+            <a:rect r="r" b="b" t="t" l="l"/>
+            <a:pathLst>
+              <a:path h="539033" w="541989">
+                <a:moveTo>
+                  <a:pt x="0" y="0"/>
+                </a:moveTo>
+                <a:lnTo>
+                  <a:pt x="541989" y="0"/>
+                </a:lnTo>
+                <a:lnTo>
+                  <a:pt x="541989" y="539032"/>
+                </a:lnTo>
+                <a:lnTo>
+                  <a:pt x="0" y="539032"/>
+                </a:lnTo>
+                <a:lnTo>
+                  <a:pt x="0" y="0"/>
+                </a:lnTo>
+                <a:close/>
+              </a:path>
+            </a:pathLst>
+          </a:custGeom>
+          <a:blipFill>
+            <a:blip r:embed="rId2">
+              <a:extLst>
+                <a:ext uri="{96DAC541-7B7A-43D3-8B79-37D633B846F1}">
+                  <asvg:svgBlip xmlns:asvg="http://schemas.microsoft.com/office/drawing/2016/SVG/main" r:embed="rId3"/>
+                </a:ext>
+              </a:extLst>
+            </a:blip>
+            <a:stretch>
+              <a:fillRect l="0" t="0" r="0" b="0"/>
+            </a:stretch>
+          </a:blipFill>
+        </p:spPr>
+      </p:sp>
+      <p:sp>
+        <p:nvSpPr>
+          <p:cNvPr name="Freeform 4" id="4"/>
+          <p:cNvSpPr/>
+          <p:nvPr/>
+        </p:nvSpPr>
+        <p:spPr>
+          <a:xfrm flipH="false" flipV="false" rot="0">
+            <a:off x="4878810" y="3150983"/>
+            <a:ext cx="5057190" cy="3653783"/>
+          </a:xfrm>
+          <a:custGeom>
+            <a:avLst/>
+            <a:gdLst/>
+            <a:ahLst/>
+            <a:cxnLst/>
+            <a:rect r="r" b="b" t="t" l="l"/>
+            <a:pathLst>
+              <a:path h="3653783" w="5057190">
+                <a:moveTo>
+                  <a:pt x="0" y="0"/>
+                </a:moveTo>
+                <a:lnTo>
+                  <a:pt x="5057190" y="0"/>
+                </a:lnTo>
+                <a:lnTo>
+                  <a:pt x="5057190" y="3653783"/>
+                </a:lnTo>
+                <a:lnTo>
+                  <a:pt x="0" y="3653783"/>
+                </a:lnTo>
+                <a:lnTo>
+                  <a:pt x="0" y="0"/>
+                </a:lnTo>
+                <a:close/>
+              </a:path>
+            </a:pathLst>
+          </a:custGeom>
+          <a:blipFill>
+            <a:blip r:embed="rId4"/>
+            <a:stretch>
+              <a:fillRect l="-763" t="-334" r="0" b="-334"/>
+            </a:stretch>
+          </a:blipFill>
+        </p:spPr>
+      </p:sp>
+      <p:sp>
+        <p:nvSpPr>
+          <p:cNvPr name="Freeform 5" id="5"/>
+          <p:cNvSpPr/>
+          <p:nvPr/>
+        </p:nvSpPr>
+        <p:spPr>
+          <a:xfrm flipH="false" flipV="false" rot="0">
+            <a:off x="368593" y="3411457"/>
+            <a:ext cx="4510218" cy="2938881"/>
+          </a:xfrm>
+          <a:custGeom>
+            <a:avLst/>
+            <a:gdLst/>
+            <a:ahLst/>
+            <a:cxnLst/>
+            <a:rect r="r" b="b" t="t" l="l"/>
+            <a:pathLst>
+              <a:path h="2938881" w="4510218">
+                <a:moveTo>
+                  <a:pt x="0" y="0"/>
+                </a:moveTo>
+                <a:lnTo>
+                  <a:pt x="4510217" y="0"/>
+                </a:lnTo>
+                <a:lnTo>
+                  <a:pt x="4510217" y="2938881"/>
+                </a:lnTo>
+                <a:lnTo>
+                  <a:pt x="0" y="2938881"/>
+                </a:lnTo>
+                <a:lnTo>
+                  <a:pt x="0" y="0"/>
+                </a:lnTo>
+                <a:close/>
+              </a:path>
+            </a:pathLst>
+          </a:custGeom>
+          <a:blipFill>
+            <a:blip r:embed="rId5"/>
+            <a:stretch>
+              <a:fillRect l="0" t="0" r="0" b="0"/>
+            </a:stretch>
+          </a:blipFill>
+        </p:spPr>
+      </p:sp>
+      <p:sp>
+        <p:nvSpPr>
+          <p:cNvPr name="TextBox 6" id="6"/>
+          <p:cNvSpPr txBox="true"/>
+          <p:nvPr/>
+        </p:nvSpPr>
+        <p:spPr>
+          <a:xfrm rot="0">
+            <a:off x="760763" y="1608064"/>
+            <a:ext cx="4585237" cy="1362710"/>
+          </a:xfrm>
+          <a:prstGeom prst="rect">
+            <a:avLst/>
+          </a:prstGeom>
+        </p:spPr>
+        <p:txBody>
+          <a:bodyPr anchor="t" rtlCol="false" tIns="0" lIns="0" bIns="0" rIns="0">
+            <a:spAutoFit/>
+          </a:bodyPr>
+          <a:lstStyle/>
           <a:p>
             <a:pPr algn="l" marL="561337" indent="-280669" lvl="1">
               <a:lnSpc>
@@ -4371,9 +4879,72 @@
                 <a:cs typeface="Canva Sans"/>
                 <a:sym typeface="Canva Sans"/>
               </a:rPr>
-              <a:t>Built pivot tables, dashboards in Excel and visualizations in Colab.</a:t>
-            </a:r>
-          </a:p>
+              <a:t>Fig 16 shows demand of drivers for avg travel time wrt day category.</a:t>
+            </a:r>
+          </a:p>
+        </p:txBody>
+      </p:sp>
+      <p:sp>
+        <p:nvSpPr>
+          <p:cNvPr name="TextBox 7" id="7"/>
+          <p:cNvSpPr txBox="true"/>
+          <p:nvPr/>
+        </p:nvSpPr>
+        <p:spPr>
+          <a:xfrm rot="0">
+            <a:off x="756000" y="679800"/>
+            <a:ext cx="8546400" cy="679450"/>
+          </a:xfrm>
+          <a:prstGeom prst="rect">
+            <a:avLst/>
+          </a:prstGeom>
+        </p:spPr>
+        <p:txBody>
+          <a:bodyPr anchor="t" rtlCol="false" tIns="0" lIns="0" bIns="0" rIns="0">
+            <a:spAutoFit/>
+          </a:bodyPr>
+          <a:lstStyle/>
+          <a:p>
+            <a:pPr algn="ctr">
+              <a:lnSpc>
+                <a:spcPts val="5599"/>
+              </a:lnSpc>
+            </a:pPr>
+            <a:r>
+              <a:rPr lang="en-US" sz="3999" b="true">
+                <a:solidFill>
+                  <a:srgbClr val="000000"/>
+                </a:solidFill>
+                <a:latin typeface="Canva Sans Bold"/>
+                <a:ea typeface="Canva Sans Bold"/>
+                <a:cs typeface="Canva Sans Bold"/>
+                <a:sym typeface="Canva Sans Bold"/>
+              </a:rPr>
+              <a:t>Exploratory Data Analysis in Colab</a:t>
+            </a:r>
+          </a:p>
+        </p:txBody>
+      </p:sp>
+      <p:sp>
+        <p:nvSpPr>
+          <p:cNvPr name="TextBox 8" id="8"/>
+          <p:cNvSpPr txBox="true"/>
+          <p:nvPr/>
+        </p:nvSpPr>
+        <p:spPr>
+          <a:xfrm rot="0">
+            <a:off x="5350763" y="1608064"/>
+            <a:ext cx="4585237" cy="1362710"/>
+          </a:xfrm>
+          <a:prstGeom prst="rect">
+            <a:avLst/>
+          </a:prstGeom>
+        </p:spPr>
+        <p:txBody>
+          <a:bodyPr anchor="t" rtlCol="false" tIns="0" lIns="0" bIns="0" rIns="0">
+            <a:spAutoFit/>
+          </a:bodyPr>
+          <a:lstStyle/>
           <a:p>
             <a:pPr algn="l" marL="561337" indent="-280669" lvl="1">
               <a:lnSpc>
@@ -4392,7 +4963,2563 @@
                 <a:cs typeface="Canva Sans"/>
                 <a:sym typeface="Canva Sans"/>
               </a:rPr>
-              <a:t>Delivered key solutions which will help Uber to increase business.</a:t>
+              <a:t>Fig 17 shows demand comarison btw all day categories at pickup.</a:t>
+            </a:r>
+          </a:p>
+        </p:txBody>
+      </p:sp>
+      <p:sp>
+        <p:nvSpPr>
+          <p:cNvPr name="TextBox 9" id="9"/>
+          <p:cNvSpPr txBox="true"/>
+          <p:nvPr/>
+        </p:nvSpPr>
+        <p:spPr>
+          <a:xfrm rot="0">
+            <a:off x="2651345" y="6946875"/>
+            <a:ext cx="778520" cy="372745"/>
+          </a:xfrm>
+          <a:prstGeom prst="rect">
+            <a:avLst/>
+          </a:prstGeom>
+        </p:spPr>
+        <p:txBody>
+          <a:bodyPr anchor="t" rtlCol="false" tIns="0" lIns="0" bIns="0" rIns="0">
+            <a:spAutoFit/>
+          </a:bodyPr>
+          <a:lstStyle/>
+          <a:p>
+            <a:pPr algn="ctr">
+              <a:lnSpc>
+                <a:spcPts val="3079"/>
+              </a:lnSpc>
+            </a:pPr>
+            <a:r>
+              <a:rPr lang="en-US" sz="2199">
+                <a:solidFill>
+                  <a:srgbClr val="000000"/>
+                </a:solidFill>
+                <a:latin typeface="Canva Sans"/>
+                <a:ea typeface="Canva Sans"/>
+                <a:cs typeface="Canva Sans"/>
+                <a:sym typeface="Canva Sans"/>
+              </a:rPr>
+              <a:t>Fig 16</a:t>
+            </a:r>
+          </a:p>
+        </p:txBody>
+      </p:sp>
+      <p:sp>
+        <p:nvSpPr>
+          <p:cNvPr name="TextBox 10" id="10"/>
+          <p:cNvSpPr txBox="true"/>
+          <p:nvPr/>
+        </p:nvSpPr>
+        <p:spPr>
+          <a:xfrm rot="0">
+            <a:off x="7150437" y="6946875"/>
+            <a:ext cx="731639" cy="372745"/>
+          </a:xfrm>
+          <a:prstGeom prst="rect">
+            <a:avLst/>
+          </a:prstGeom>
+        </p:spPr>
+        <p:txBody>
+          <a:bodyPr anchor="t" rtlCol="false" tIns="0" lIns="0" bIns="0" rIns="0">
+            <a:spAutoFit/>
+          </a:bodyPr>
+          <a:lstStyle/>
+          <a:p>
+            <a:pPr algn="ctr">
+              <a:lnSpc>
+                <a:spcPts val="3079"/>
+              </a:lnSpc>
+            </a:pPr>
+            <a:r>
+              <a:rPr lang="en-US" sz="2199">
+                <a:solidFill>
+                  <a:srgbClr val="000000"/>
+                </a:solidFill>
+                <a:latin typeface="Canva Sans"/>
+                <a:ea typeface="Canva Sans"/>
+                <a:cs typeface="Canva Sans"/>
+                <a:sym typeface="Canva Sans"/>
+              </a:rPr>
+              <a:t>Fig 17</a:t>
+            </a:r>
+          </a:p>
+        </p:txBody>
+      </p:sp>
+    </p:spTree>
+  </p:cSld>
+  <p:clrMapOvr>
+    <a:masterClrMapping/>
+  </p:clrMapOvr>
+</p:sld>
+</file>
+
+<file path=ppt/slides/slide14.xml><?xml version="1.0" encoding="utf-8"?>
+<p:sld xmlns:p="http://schemas.openxmlformats.org/presentationml/2006/main" xmlns:a="http://schemas.openxmlformats.org/drawingml/2006/main" xmlns:r="http://schemas.openxmlformats.org/officeDocument/2006/relationships">
+  <p:cSld>
+    <p:spTree>
+      <p:nvGrpSpPr>
+        <p:cNvPr id="1" name=""/>
+        <p:cNvGrpSpPr/>
+        <p:nvPr/>
+      </p:nvGrpSpPr>
+      <p:grpSpPr>
+        <a:xfrm>
+          <a:off x="0" y="0"/>
+          <a:ext cx="0" cy="0"/>
+          <a:chOff x="0" y="0"/>
+          <a:chExt cx="0" cy="0"/>
+        </a:xfrm>
+      </p:grpSpPr>
+      <p:sp>
+        <p:nvSpPr>
+          <p:cNvPr name="Freeform 2" id="2"/>
+          <p:cNvSpPr/>
+          <p:nvPr/>
+        </p:nvSpPr>
+        <p:spPr>
+          <a:xfrm flipH="false" flipV="false" rot="0">
+            <a:off x="9394011" y="788109"/>
+            <a:ext cx="541989" cy="539033"/>
+          </a:xfrm>
+          <a:custGeom>
+            <a:avLst/>
+            <a:gdLst/>
+            <a:ahLst/>
+            <a:cxnLst/>
+            <a:rect r="r" b="b" t="t" l="l"/>
+            <a:pathLst>
+              <a:path h="539033" w="541989">
+                <a:moveTo>
+                  <a:pt x="0" y="0"/>
+                </a:moveTo>
+                <a:lnTo>
+                  <a:pt x="541989" y="0"/>
+                </a:lnTo>
+                <a:lnTo>
+                  <a:pt x="541989" y="539032"/>
+                </a:lnTo>
+                <a:lnTo>
+                  <a:pt x="0" y="539032"/>
+                </a:lnTo>
+                <a:lnTo>
+                  <a:pt x="0" y="0"/>
+                </a:lnTo>
+                <a:close/>
+              </a:path>
+            </a:pathLst>
+          </a:custGeom>
+          <a:blipFill>
+            <a:blip r:embed="rId2">
+              <a:extLst>
+                <a:ext uri="{96DAC541-7B7A-43D3-8B79-37D633B846F1}">
+                  <asvg:svgBlip xmlns:asvg="http://schemas.microsoft.com/office/drawing/2016/SVG/main" r:embed="rId3"/>
+                </a:ext>
+              </a:extLst>
+            </a:blip>
+            <a:stretch>
+              <a:fillRect l="0" t="0" r="0" b="0"/>
+            </a:stretch>
+          </a:blipFill>
+        </p:spPr>
+      </p:sp>
+      <p:sp>
+        <p:nvSpPr>
+          <p:cNvPr name="Freeform 3" id="3"/>
+          <p:cNvSpPr/>
+          <p:nvPr/>
+        </p:nvSpPr>
+        <p:spPr>
+          <a:xfrm flipH="false" flipV="false" rot="0">
+            <a:off x="5666728" y="3304149"/>
+            <a:ext cx="3998278" cy="3391186"/>
+          </a:xfrm>
+          <a:custGeom>
+            <a:avLst/>
+            <a:gdLst/>
+            <a:ahLst/>
+            <a:cxnLst/>
+            <a:rect r="r" b="b" t="t" l="l"/>
+            <a:pathLst>
+              <a:path h="3391186" w="3998278">
+                <a:moveTo>
+                  <a:pt x="0" y="0"/>
+                </a:moveTo>
+                <a:lnTo>
+                  <a:pt x="3998277" y="0"/>
+                </a:lnTo>
+                <a:lnTo>
+                  <a:pt x="3998277" y="3391186"/>
+                </a:lnTo>
+                <a:lnTo>
+                  <a:pt x="0" y="3391186"/>
+                </a:lnTo>
+                <a:lnTo>
+                  <a:pt x="0" y="0"/>
+                </a:lnTo>
+                <a:close/>
+              </a:path>
+            </a:pathLst>
+          </a:custGeom>
+          <a:blipFill>
+            <a:blip r:embed="rId4"/>
+            <a:stretch>
+              <a:fillRect l="-637" t="-301" r="-637" b="0"/>
+            </a:stretch>
+          </a:blipFill>
+        </p:spPr>
+      </p:sp>
+      <p:sp>
+        <p:nvSpPr>
+          <p:cNvPr name="Freeform 4" id="4"/>
+          <p:cNvSpPr/>
+          <p:nvPr/>
+        </p:nvSpPr>
+        <p:spPr>
+          <a:xfrm flipH="false" flipV="false" rot="0">
+            <a:off x="755566" y="3551306"/>
+            <a:ext cx="4273634" cy="2853137"/>
+          </a:xfrm>
+          <a:custGeom>
+            <a:avLst/>
+            <a:gdLst/>
+            <a:ahLst/>
+            <a:cxnLst/>
+            <a:rect r="r" b="b" t="t" l="l"/>
+            <a:pathLst>
+              <a:path h="2853137" w="4273634">
+                <a:moveTo>
+                  <a:pt x="0" y="0"/>
+                </a:moveTo>
+                <a:lnTo>
+                  <a:pt x="4273634" y="0"/>
+                </a:lnTo>
+                <a:lnTo>
+                  <a:pt x="4273634" y="2853137"/>
+                </a:lnTo>
+                <a:lnTo>
+                  <a:pt x="0" y="2853137"/>
+                </a:lnTo>
+                <a:lnTo>
+                  <a:pt x="0" y="0"/>
+                </a:lnTo>
+                <a:close/>
+              </a:path>
+            </a:pathLst>
+          </a:custGeom>
+          <a:blipFill>
+            <a:blip r:embed="rId5"/>
+            <a:stretch>
+              <a:fillRect l="0" t="0" r="0" b="0"/>
+            </a:stretch>
+          </a:blipFill>
+        </p:spPr>
+      </p:sp>
+      <p:sp>
+        <p:nvSpPr>
+          <p:cNvPr name="TextBox 5" id="5"/>
+          <p:cNvSpPr txBox="true"/>
+          <p:nvPr/>
+        </p:nvSpPr>
+        <p:spPr>
+          <a:xfrm rot="0">
+            <a:off x="760763" y="1608064"/>
+            <a:ext cx="4585237" cy="1362710"/>
+          </a:xfrm>
+          <a:prstGeom prst="rect">
+            <a:avLst/>
+          </a:prstGeom>
+        </p:spPr>
+        <p:txBody>
+          <a:bodyPr anchor="t" rtlCol="false" tIns="0" lIns="0" bIns="0" rIns="0">
+            <a:spAutoFit/>
+          </a:bodyPr>
+          <a:lstStyle/>
+          <a:p>
+            <a:pPr algn="l" marL="561337" indent="-280669" lvl="1">
+              <a:lnSpc>
+                <a:spcPts val="3639"/>
+              </a:lnSpc>
+              <a:buFont typeface="Arial"/>
+              <a:buChar char="•"/>
+            </a:pPr>
+            <a:r>
+              <a:rPr lang="en-US" sz="2599">
+                <a:solidFill>
+                  <a:srgbClr val="000000"/>
+                </a:solidFill>
+                <a:latin typeface="Canva Sans"/>
+                <a:ea typeface="Canva Sans"/>
+                <a:cs typeface="Canva Sans"/>
+                <a:sym typeface="Canva Sans"/>
+              </a:rPr>
+              <a:t>Fig 18 shows demand of Uber for drivers wrt day category.</a:t>
+            </a:r>
+          </a:p>
+        </p:txBody>
+      </p:sp>
+      <p:sp>
+        <p:nvSpPr>
+          <p:cNvPr name="TextBox 6" id="6"/>
+          <p:cNvSpPr txBox="true"/>
+          <p:nvPr/>
+        </p:nvSpPr>
+        <p:spPr>
+          <a:xfrm rot="0">
+            <a:off x="756000" y="679800"/>
+            <a:ext cx="8546400" cy="679450"/>
+          </a:xfrm>
+          <a:prstGeom prst="rect">
+            <a:avLst/>
+          </a:prstGeom>
+        </p:spPr>
+        <p:txBody>
+          <a:bodyPr anchor="t" rtlCol="false" tIns="0" lIns="0" bIns="0" rIns="0">
+            <a:spAutoFit/>
+          </a:bodyPr>
+          <a:lstStyle/>
+          <a:p>
+            <a:pPr algn="ctr">
+              <a:lnSpc>
+                <a:spcPts val="5599"/>
+              </a:lnSpc>
+            </a:pPr>
+            <a:r>
+              <a:rPr lang="en-US" sz="3999" b="true">
+                <a:solidFill>
+                  <a:srgbClr val="000000"/>
+                </a:solidFill>
+                <a:latin typeface="Canva Sans Bold"/>
+                <a:ea typeface="Canva Sans Bold"/>
+                <a:cs typeface="Canva Sans Bold"/>
+                <a:sym typeface="Canva Sans Bold"/>
+              </a:rPr>
+              <a:t>Exploratory Data Analysis in Colab</a:t>
+            </a:r>
+          </a:p>
+        </p:txBody>
+      </p:sp>
+      <p:sp>
+        <p:nvSpPr>
+          <p:cNvPr name="TextBox 7" id="7"/>
+          <p:cNvSpPr txBox="true"/>
+          <p:nvPr/>
+        </p:nvSpPr>
+        <p:spPr>
+          <a:xfrm rot="0">
+            <a:off x="5350763" y="1608064"/>
+            <a:ext cx="4585237" cy="1362710"/>
+          </a:xfrm>
+          <a:prstGeom prst="rect">
+            <a:avLst/>
+          </a:prstGeom>
+        </p:spPr>
+        <p:txBody>
+          <a:bodyPr anchor="t" rtlCol="false" tIns="0" lIns="0" bIns="0" rIns="0">
+            <a:spAutoFit/>
+          </a:bodyPr>
+          <a:lstStyle/>
+          <a:p>
+            <a:pPr algn="l" marL="561337" indent="-280669" lvl="1">
+              <a:lnSpc>
+                <a:spcPts val="3639"/>
+              </a:lnSpc>
+              <a:buFont typeface="Arial"/>
+              <a:buChar char="•"/>
+            </a:pPr>
+            <a:r>
+              <a:rPr lang="en-US" sz="2599">
+                <a:solidFill>
+                  <a:srgbClr val="000000"/>
+                </a:solidFill>
+                <a:latin typeface="Canva Sans"/>
+                <a:ea typeface="Canva Sans"/>
+                <a:cs typeface="Canva Sans"/>
+                <a:sym typeface="Canva Sans"/>
+              </a:rPr>
+              <a:t>Fig 19 shows demand of uber drivers at pickup wrt day category.</a:t>
+            </a:r>
+          </a:p>
+        </p:txBody>
+      </p:sp>
+      <p:sp>
+        <p:nvSpPr>
+          <p:cNvPr name="TextBox 8" id="8"/>
+          <p:cNvSpPr txBox="true"/>
+          <p:nvPr/>
+        </p:nvSpPr>
+        <p:spPr>
+          <a:xfrm rot="0">
+            <a:off x="2654210" y="6946875"/>
+            <a:ext cx="772790" cy="372745"/>
+          </a:xfrm>
+          <a:prstGeom prst="rect">
+            <a:avLst/>
+          </a:prstGeom>
+        </p:spPr>
+        <p:txBody>
+          <a:bodyPr anchor="t" rtlCol="false" tIns="0" lIns="0" bIns="0" rIns="0">
+            <a:spAutoFit/>
+          </a:bodyPr>
+          <a:lstStyle/>
+          <a:p>
+            <a:pPr algn="ctr">
+              <a:lnSpc>
+                <a:spcPts val="3079"/>
+              </a:lnSpc>
+            </a:pPr>
+            <a:r>
+              <a:rPr lang="en-US" sz="2199">
+                <a:solidFill>
+                  <a:srgbClr val="000000"/>
+                </a:solidFill>
+                <a:latin typeface="Canva Sans"/>
+                <a:ea typeface="Canva Sans"/>
+                <a:cs typeface="Canva Sans"/>
+                <a:sym typeface="Canva Sans"/>
+              </a:rPr>
+              <a:t>Fig 18</a:t>
+            </a:r>
+          </a:p>
+        </p:txBody>
+      </p:sp>
+      <p:sp>
+        <p:nvSpPr>
+          <p:cNvPr name="TextBox 9" id="9"/>
+          <p:cNvSpPr txBox="true"/>
+          <p:nvPr/>
+        </p:nvSpPr>
+        <p:spPr>
+          <a:xfrm rot="0">
+            <a:off x="7127889" y="6946875"/>
+            <a:ext cx="776734" cy="372745"/>
+          </a:xfrm>
+          <a:prstGeom prst="rect">
+            <a:avLst/>
+          </a:prstGeom>
+        </p:spPr>
+        <p:txBody>
+          <a:bodyPr anchor="t" rtlCol="false" tIns="0" lIns="0" bIns="0" rIns="0">
+            <a:spAutoFit/>
+          </a:bodyPr>
+          <a:lstStyle/>
+          <a:p>
+            <a:pPr algn="ctr">
+              <a:lnSpc>
+                <a:spcPts val="3079"/>
+              </a:lnSpc>
+            </a:pPr>
+            <a:r>
+              <a:rPr lang="en-US" sz="2199">
+                <a:solidFill>
+                  <a:srgbClr val="000000"/>
+                </a:solidFill>
+                <a:latin typeface="Canva Sans"/>
+                <a:ea typeface="Canva Sans"/>
+                <a:cs typeface="Canva Sans"/>
+                <a:sym typeface="Canva Sans"/>
+              </a:rPr>
+              <a:t>Fig 19</a:t>
+            </a:r>
+          </a:p>
+        </p:txBody>
+      </p:sp>
+    </p:spTree>
+  </p:cSld>
+  <p:clrMapOvr>
+    <a:masterClrMapping/>
+  </p:clrMapOvr>
+</p:sld>
+</file>
+
+<file path=ppt/slides/slide15.xml><?xml version="1.0" encoding="utf-8"?>
+<p:sld xmlns:p="http://schemas.openxmlformats.org/presentationml/2006/main" xmlns:a="http://schemas.openxmlformats.org/drawingml/2006/main" xmlns:r="http://schemas.openxmlformats.org/officeDocument/2006/relationships">
+  <p:cSld>
+    <p:spTree>
+      <p:nvGrpSpPr>
+        <p:cNvPr id="1" name=""/>
+        <p:cNvGrpSpPr/>
+        <p:nvPr/>
+      </p:nvGrpSpPr>
+      <p:grpSpPr>
+        <a:xfrm>
+          <a:off x="0" y="0"/>
+          <a:ext cx="0" cy="0"/>
+          <a:chOff x="0" y="0"/>
+          <a:chExt cx="0" cy="0"/>
+        </a:xfrm>
+      </p:grpSpPr>
+      <p:sp>
+        <p:nvSpPr>
+          <p:cNvPr name="Freeform 2" id="2"/>
+          <p:cNvSpPr/>
+          <p:nvPr/>
+        </p:nvSpPr>
+        <p:spPr>
+          <a:xfrm flipH="false" flipV="false" rot="0">
+            <a:off x="9394011" y="788109"/>
+            <a:ext cx="541989" cy="539033"/>
+          </a:xfrm>
+          <a:custGeom>
+            <a:avLst/>
+            <a:gdLst/>
+            <a:ahLst/>
+            <a:cxnLst/>
+            <a:rect r="r" b="b" t="t" l="l"/>
+            <a:pathLst>
+              <a:path h="539033" w="541989">
+                <a:moveTo>
+                  <a:pt x="0" y="0"/>
+                </a:moveTo>
+                <a:lnTo>
+                  <a:pt x="541989" y="0"/>
+                </a:lnTo>
+                <a:lnTo>
+                  <a:pt x="541989" y="539032"/>
+                </a:lnTo>
+                <a:lnTo>
+                  <a:pt x="0" y="539032"/>
+                </a:lnTo>
+                <a:lnTo>
+                  <a:pt x="0" y="0"/>
+                </a:lnTo>
+                <a:close/>
+              </a:path>
+            </a:pathLst>
+          </a:custGeom>
+          <a:blipFill>
+            <a:blip r:embed="rId2">
+              <a:extLst>
+                <a:ext uri="{96DAC541-7B7A-43D3-8B79-37D633B846F1}">
+                  <asvg:svgBlip xmlns:asvg="http://schemas.microsoft.com/office/drawing/2016/SVG/main" r:embed="rId3"/>
+                </a:ext>
+              </a:extLst>
+            </a:blip>
+            <a:stretch>
+              <a:fillRect l="0" t="0" r="0" b="0"/>
+            </a:stretch>
+          </a:blipFill>
+        </p:spPr>
+      </p:sp>
+      <p:sp>
+        <p:nvSpPr>
+          <p:cNvPr name="Freeform 3" id="3"/>
+          <p:cNvSpPr/>
+          <p:nvPr/>
+        </p:nvSpPr>
+        <p:spPr>
+          <a:xfrm flipH="false" flipV="false" rot="0">
+            <a:off x="5350763" y="3304149"/>
+            <a:ext cx="4789443" cy="3391186"/>
+          </a:xfrm>
+          <a:custGeom>
+            <a:avLst/>
+            <a:gdLst/>
+            <a:ahLst/>
+            <a:cxnLst/>
+            <a:rect r="r" b="b" t="t" l="l"/>
+            <a:pathLst>
+              <a:path h="3391186" w="4789443">
+                <a:moveTo>
+                  <a:pt x="0" y="0"/>
+                </a:moveTo>
+                <a:lnTo>
+                  <a:pt x="4789442" y="0"/>
+                </a:lnTo>
+                <a:lnTo>
+                  <a:pt x="4789442" y="3391186"/>
+                </a:lnTo>
+                <a:lnTo>
+                  <a:pt x="0" y="3391186"/>
+                </a:lnTo>
+                <a:lnTo>
+                  <a:pt x="0" y="0"/>
+                </a:lnTo>
+                <a:close/>
+              </a:path>
+            </a:pathLst>
+          </a:custGeom>
+          <a:blipFill>
+            <a:blip r:embed="rId4"/>
+            <a:stretch>
+              <a:fillRect l="-3311" t="-6" r="0" b="-6"/>
+            </a:stretch>
+          </a:blipFill>
+        </p:spPr>
+      </p:sp>
+      <p:sp>
+        <p:nvSpPr>
+          <p:cNvPr name="Freeform 4" id="4"/>
+          <p:cNvSpPr/>
+          <p:nvPr/>
+        </p:nvSpPr>
+        <p:spPr>
+          <a:xfrm flipH="false" flipV="false" rot="0">
+            <a:off x="755566" y="3551306"/>
+            <a:ext cx="4273634" cy="2853137"/>
+          </a:xfrm>
+          <a:custGeom>
+            <a:avLst/>
+            <a:gdLst/>
+            <a:ahLst/>
+            <a:cxnLst/>
+            <a:rect r="r" b="b" t="t" l="l"/>
+            <a:pathLst>
+              <a:path h="2853137" w="4273634">
+                <a:moveTo>
+                  <a:pt x="0" y="0"/>
+                </a:moveTo>
+                <a:lnTo>
+                  <a:pt x="4273634" y="0"/>
+                </a:lnTo>
+                <a:lnTo>
+                  <a:pt x="4273634" y="2853137"/>
+                </a:lnTo>
+                <a:lnTo>
+                  <a:pt x="0" y="2853137"/>
+                </a:lnTo>
+                <a:lnTo>
+                  <a:pt x="0" y="0"/>
+                </a:lnTo>
+                <a:close/>
+              </a:path>
+            </a:pathLst>
+          </a:custGeom>
+          <a:blipFill>
+            <a:blip r:embed="rId5"/>
+            <a:stretch>
+              <a:fillRect l="0" t="0" r="0" b="0"/>
+            </a:stretch>
+          </a:blipFill>
+        </p:spPr>
+      </p:sp>
+      <p:sp>
+        <p:nvSpPr>
+          <p:cNvPr name="TextBox 5" id="5"/>
+          <p:cNvSpPr txBox="true"/>
+          <p:nvPr/>
+        </p:nvSpPr>
+        <p:spPr>
+          <a:xfrm rot="0">
+            <a:off x="760763" y="1608064"/>
+            <a:ext cx="4585237" cy="1362710"/>
+          </a:xfrm>
+          <a:prstGeom prst="rect">
+            <a:avLst/>
+          </a:prstGeom>
+        </p:spPr>
+        <p:txBody>
+          <a:bodyPr anchor="t" rtlCol="false" tIns="0" lIns="0" bIns="0" rIns="0">
+            <a:spAutoFit/>
+          </a:bodyPr>
+          <a:lstStyle/>
+          <a:p>
+            <a:pPr algn="l" marL="561337" indent="-280669" lvl="1">
+              <a:lnSpc>
+                <a:spcPts val="3639"/>
+              </a:lnSpc>
+              <a:buFont typeface="Arial"/>
+              <a:buChar char="•"/>
+            </a:pPr>
+            <a:r>
+              <a:rPr lang="en-US" sz="2599">
+                <a:solidFill>
+                  <a:srgbClr val="000000"/>
+                </a:solidFill>
+                <a:latin typeface="Canva Sans"/>
+                <a:ea typeface="Canva Sans"/>
+                <a:cs typeface="Canva Sans"/>
+                <a:sym typeface="Canva Sans"/>
+              </a:rPr>
+              <a:t>Fig 18 shows demand of Uber for drivers wrt day category.</a:t>
+            </a:r>
+          </a:p>
+        </p:txBody>
+      </p:sp>
+      <p:sp>
+        <p:nvSpPr>
+          <p:cNvPr name="TextBox 6" id="6"/>
+          <p:cNvSpPr txBox="true"/>
+          <p:nvPr/>
+        </p:nvSpPr>
+        <p:spPr>
+          <a:xfrm rot="0">
+            <a:off x="756000" y="679800"/>
+            <a:ext cx="8546400" cy="679450"/>
+          </a:xfrm>
+          <a:prstGeom prst="rect">
+            <a:avLst/>
+          </a:prstGeom>
+        </p:spPr>
+        <p:txBody>
+          <a:bodyPr anchor="t" rtlCol="false" tIns="0" lIns="0" bIns="0" rIns="0">
+            <a:spAutoFit/>
+          </a:bodyPr>
+          <a:lstStyle/>
+          <a:p>
+            <a:pPr algn="ctr">
+              <a:lnSpc>
+                <a:spcPts val="5599"/>
+              </a:lnSpc>
+            </a:pPr>
+            <a:r>
+              <a:rPr lang="en-US" sz="3999" b="true">
+                <a:solidFill>
+                  <a:srgbClr val="000000"/>
+                </a:solidFill>
+                <a:latin typeface="Canva Sans Bold"/>
+                <a:ea typeface="Canva Sans Bold"/>
+                <a:cs typeface="Canva Sans Bold"/>
+                <a:sym typeface="Canva Sans Bold"/>
+              </a:rPr>
+              <a:t>Exploratory Data Analysis in Colab</a:t>
+            </a:r>
+          </a:p>
+        </p:txBody>
+      </p:sp>
+      <p:sp>
+        <p:nvSpPr>
+          <p:cNvPr name="TextBox 7" id="7"/>
+          <p:cNvSpPr txBox="true"/>
+          <p:nvPr/>
+        </p:nvSpPr>
+        <p:spPr>
+          <a:xfrm rot="0">
+            <a:off x="5350763" y="1608064"/>
+            <a:ext cx="5077443" cy="1362710"/>
+          </a:xfrm>
+          <a:prstGeom prst="rect">
+            <a:avLst/>
+          </a:prstGeom>
+        </p:spPr>
+        <p:txBody>
+          <a:bodyPr anchor="t" rtlCol="false" tIns="0" lIns="0" bIns="0" rIns="0">
+            <a:spAutoFit/>
+          </a:bodyPr>
+          <a:lstStyle/>
+          <a:p>
+            <a:pPr algn="l" marL="561337" indent="-280669" lvl="1">
+              <a:lnSpc>
+                <a:spcPts val="3639"/>
+              </a:lnSpc>
+              <a:buFont typeface="Arial"/>
+              <a:buChar char="•"/>
+            </a:pPr>
+            <a:r>
+              <a:rPr lang="en-US" sz="2599">
+                <a:solidFill>
+                  <a:srgbClr val="000000"/>
+                </a:solidFill>
+                <a:latin typeface="Canva Sans"/>
+                <a:ea typeface="Canva Sans"/>
+                <a:cs typeface="Canva Sans"/>
+                <a:sym typeface="Canva Sans"/>
+              </a:rPr>
+              <a:t>Fig 19 shows supply and demand of uber drivers for distance wrt day category.</a:t>
+            </a:r>
+          </a:p>
+        </p:txBody>
+      </p:sp>
+      <p:sp>
+        <p:nvSpPr>
+          <p:cNvPr name="TextBox 8" id="8"/>
+          <p:cNvSpPr txBox="true"/>
+          <p:nvPr/>
+        </p:nvSpPr>
+        <p:spPr>
+          <a:xfrm rot="0">
+            <a:off x="2654210" y="6946875"/>
+            <a:ext cx="772790" cy="372745"/>
+          </a:xfrm>
+          <a:prstGeom prst="rect">
+            <a:avLst/>
+          </a:prstGeom>
+        </p:spPr>
+        <p:txBody>
+          <a:bodyPr anchor="t" rtlCol="false" tIns="0" lIns="0" bIns="0" rIns="0">
+            <a:spAutoFit/>
+          </a:bodyPr>
+          <a:lstStyle/>
+          <a:p>
+            <a:pPr algn="ctr">
+              <a:lnSpc>
+                <a:spcPts val="3079"/>
+              </a:lnSpc>
+            </a:pPr>
+            <a:r>
+              <a:rPr lang="en-US" sz="2199">
+                <a:solidFill>
+                  <a:srgbClr val="000000"/>
+                </a:solidFill>
+                <a:latin typeface="Canva Sans"/>
+                <a:ea typeface="Canva Sans"/>
+                <a:cs typeface="Canva Sans"/>
+                <a:sym typeface="Canva Sans"/>
+              </a:rPr>
+              <a:t>Fig 18</a:t>
+            </a:r>
+          </a:p>
+        </p:txBody>
+      </p:sp>
+      <p:sp>
+        <p:nvSpPr>
+          <p:cNvPr name="TextBox 9" id="9"/>
+          <p:cNvSpPr txBox="true"/>
+          <p:nvPr/>
+        </p:nvSpPr>
+        <p:spPr>
+          <a:xfrm rot="0">
+            <a:off x="7127889" y="6946875"/>
+            <a:ext cx="776734" cy="372745"/>
+          </a:xfrm>
+          <a:prstGeom prst="rect">
+            <a:avLst/>
+          </a:prstGeom>
+        </p:spPr>
+        <p:txBody>
+          <a:bodyPr anchor="t" rtlCol="false" tIns="0" lIns="0" bIns="0" rIns="0">
+            <a:spAutoFit/>
+          </a:bodyPr>
+          <a:lstStyle/>
+          <a:p>
+            <a:pPr algn="ctr">
+              <a:lnSpc>
+                <a:spcPts val="3079"/>
+              </a:lnSpc>
+            </a:pPr>
+            <a:r>
+              <a:rPr lang="en-US" sz="2199">
+                <a:solidFill>
+                  <a:srgbClr val="000000"/>
+                </a:solidFill>
+                <a:latin typeface="Canva Sans"/>
+                <a:ea typeface="Canva Sans"/>
+                <a:cs typeface="Canva Sans"/>
+                <a:sym typeface="Canva Sans"/>
+              </a:rPr>
+              <a:t>Fig 19</a:t>
+            </a:r>
+          </a:p>
+        </p:txBody>
+      </p:sp>
+    </p:spTree>
+  </p:cSld>
+  <p:clrMapOvr>
+    <a:masterClrMapping/>
+  </p:clrMapOvr>
+</p:sld>
+</file>
+
+<file path=ppt/slides/slide16.xml><?xml version="1.0" encoding="utf-8"?>
+<p:sld xmlns:p="http://schemas.openxmlformats.org/presentationml/2006/main" xmlns:a="http://schemas.openxmlformats.org/drawingml/2006/main" xmlns:r="http://schemas.openxmlformats.org/officeDocument/2006/relationships">
+  <p:cSld>
+    <p:spTree>
+      <p:nvGrpSpPr>
+        <p:cNvPr id="1" name=""/>
+        <p:cNvGrpSpPr/>
+        <p:nvPr/>
+      </p:nvGrpSpPr>
+      <p:grpSpPr>
+        <a:xfrm>
+          <a:off x="0" y="0"/>
+          <a:ext cx="0" cy="0"/>
+          <a:chOff x="0" y="0"/>
+          <a:chExt cx="0" cy="0"/>
+        </a:xfrm>
+      </p:grpSpPr>
+      <p:sp>
+        <p:nvSpPr>
+          <p:cNvPr name="Freeform 2" id="2"/>
+          <p:cNvSpPr/>
+          <p:nvPr/>
+        </p:nvSpPr>
+        <p:spPr>
+          <a:xfrm flipH="false" flipV="false" rot="0">
+            <a:off x="9394011" y="788109"/>
+            <a:ext cx="541989" cy="539033"/>
+          </a:xfrm>
+          <a:custGeom>
+            <a:avLst/>
+            <a:gdLst/>
+            <a:ahLst/>
+            <a:cxnLst/>
+            <a:rect r="r" b="b" t="t" l="l"/>
+            <a:pathLst>
+              <a:path h="539033" w="541989">
+                <a:moveTo>
+                  <a:pt x="0" y="0"/>
+                </a:moveTo>
+                <a:lnTo>
+                  <a:pt x="541989" y="0"/>
+                </a:lnTo>
+                <a:lnTo>
+                  <a:pt x="541989" y="539032"/>
+                </a:lnTo>
+                <a:lnTo>
+                  <a:pt x="0" y="539032"/>
+                </a:lnTo>
+                <a:lnTo>
+                  <a:pt x="0" y="0"/>
+                </a:lnTo>
+                <a:close/>
+              </a:path>
+            </a:pathLst>
+          </a:custGeom>
+          <a:blipFill>
+            <a:blip r:embed="rId2">
+              <a:extLst>
+                <a:ext uri="{96DAC541-7B7A-43D3-8B79-37D633B846F1}">
+                  <asvg:svgBlip xmlns:asvg="http://schemas.microsoft.com/office/drawing/2016/SVG/main" r:embed="rId3"/>
+                </a:ext>
+              </a:extLst>
+            </a:blip>
+            <a:stretch>
+              <a:fillRect l="0" t="0" r="0" b="0"/>
+            </a:stretch>
+          </a:blipFill>
+        </p:spPr>
+      </p:sp>
+      <p:sp>
+        <p:nvSpPr>
+          <p:cNvPr name="Freeform 3" id="3"/>
+          <p:cNvSpPr/>
+          <p:nvPr/>
+        </p:nvSpPr>
+        <p:spPr>
+          <a:xfrm flipH="false" flipV="false" rot="0">
+            <a:off x="755566" y="3551306"/>
+            <a:ext cx="4273634" cy="2853137"/>
+          </a:xfrm>
+          <a:custGeom>
+            <a:avLst/>
+            <a:gdLst/>
+            <a:ahLst/>
+            <a:cxnLst/>
+            <a:rect r="r" b="b" t="t" l="l"/>
+            <a:pathLst>
+              <a:path h="2853137" w="4273634">
+                <a:moveTo>
+                  <a:pt x="0" y="0"/>
+                </a:moveTo>
+                <a:lnTo>
+                  <a:pt x="4273634" y="0"/>
+                </a:lnTo>
+                <a:lnTo>
+                  <a:pt x="4273634" y="2853137"/>
+                </a:lnTo>
+                <a:lnTo>
+                  <a:pt x="0" y="2853137"/>
+                </a:lnTo>
+                <a:lnTo>
+                  <a:pt x="0" y="0"/>
+                </a:lnTo>
+                <a:close/>
+              </a:path>
+            </a:pathLst>
+          </a:custGeom>
+          <a:blipFill>
+            <a:blip r:embed="rId4"/>
+            <a:stretch>
+              <a:fillRect l="-25" t="0" r="-25" b="0"/>
+            </a:stretch>
+          </a:blipFill>
+        </p:spPr>
+      </p:sp>
+      <p:sp>
+        <p:nvSpPr>
+          <p:cNvPr name="Freeform 4" id="4"/>
+          <p:cNvSpPr/>
+          <p:nvPr/>
+        </p:nvSpPr>
+        <p:spPr>
+          <a:xfrm flipH="false" flipV="false" rot="0">
+            <a:off x="5794515" y="3178126"/>
+            <a:ext cx="3599496" cy="3599496"/>
+          </a:xfrm>
+          <a:custGeom>
+            <a:avLst/>
+            <a:gdLst/>
+            <a:ahLst/>
+            <a:cxnLst/>
+            <a:rect r="r" b="b" t="t" l="l"/>
+            <a:pathLst>
+              <a:path h="3599496" w="3599496">
+                <a:moveTo>
+                  <a:pt x="0" y="0"/>
+                </a:moveTo>
+                <a:lnTo>
+                  <a:pt x="3599496" y="0"/>
+                </a:lnTo>
+                <a:lnTo>
+                  <a:pt x="3599496" y="3599497"/>
+                </a:lnTo>
+                <a:lnTo>
+                  <a:pt x="0" y="3599497"/>
+                </a:lnTo>
+                <a:lnTo>
+                  <a:pt x="0" y="0"/>
+                </a:lnTo>
+                <a:close/>
+              </a:path>
+            </a:pathLst>
+          </a:custGeom>
+          <a:blipFill>
+            <a:blip r:embed="rId5"/>
+            <a:stretch>
+              <a:fillRect l="0" t="0" r="0" b="0"/>
+            </a:stretch>
+          </a:blipFill>
+        </p:spPr>
+      </p:sp>
+      <p:sp>
+        <p:nvSpPr>
+          <p:cNvPr name="TextBox 5" id="5"/>
+          <p:cNvSpPr txBox="true"/>
+          <p:nvPr/>
+        </p:nvSpPr>
+        <p:spPr>
+          <a:xfrm rot="0">
+            <a:off x="760763" y="1608064"/>
+            <a:ext cx="4585237" cy="1362710"/>
+          </a:xfrm>
+          <a:prstGeom prst="rect">
+            <a:avLst/>
+          </a:prstGeom>
+        </p:spPr>
+        <p:txBody>
+          <a:bodyPr anchor="t" rtlCol="false" tIns="0" lIns="0" bIns="0" rIns="0">
+            <a:spAutoFit/>
+          </a:bodyPr>
+          <a:lstStyle/>
+          <a:p>
+            <a:pPr algn="l" marL="561337" indent="-280669" lvl="1">
+              <a:lnSpc>
+                <a:spcPts val="3639"/>
+              </a:lnSpc>
+              <a:buFont typeface="Arial"/>
+              <a:buChar char="•"/>
+            </a:pPr>
+            <a:r>
+              <a:rPr lang="en-US" sz="2599">
+                <a:solidFill>
+                  <a:srgbClr val="000000"/>
+                </a:solidFill>
+                <a:latin typeface="Canva Sans"/>
+                <a:ea typeface="Canva Sans"/>
+                <a:cs typeface="Canva Sans"/>
+                <a:sym typeface="Canva Sans"/>
+              </a:rPr>
+              <a:t>Fig 20 shows demand of Uber for drivers from pickup wrt day category</a:t>
+            </a:r>
+          </a:p>
+        </p:txBody>
+      </p:sp>
+      <p:sp>
+        <p:nvSpPr>
+          <p:cNvPr name="TextBox 6" id="6"/>
+          <p:cNvSpPr txBox="true"/>
+          <p:nvPr/>
+        </p:nvSpPr>
+        <p:spPr>
+          <a:xfrm rot="0">
+            <a:off x="756000" y="679800"/>
+            <a:ext cx="8546400" cy="679450"/>
+          </a:xfrm>
+          <a:prstGeom prst="rect">
+            <a:avLst/>
+          </a:prstGeom>
+        </p:spPr>
+        <p:txBody>
+          <a:bodyPr anchor="t" rtlCol="false" tIns="0" lIns="0" bIns="0" rIns="0">
+            <a:spAutoFit/>
+          </a:bodyPr>
+          <a:lstStyle/>
+          <a:p>
+            <a:pPr algn="ctr">
+              <a:lnSpc>
+                <a:spcPts val="5599"/>
+              </a:lnSpc>
+            </a:pPr>
+            <a:r>
+              <a:rPr lang="en-US" sz="3999" b="true">
+                <a:solidFill>
+                  <a:srgbClr val="000000"/>
+                </a:solidFill>
+                <a:latin typeface="Canva Sans Bold"/>
+                <a:ea typeface="Canva Sans Bold"/>
+                <a:cs typeface="Canva Sans Bold"/>
+                <a:sym typeface="Canva Sans Bold"/>
+              </a:rPr>
+              <a:t>Exploratory Data Analysis in Colab</a:t>
+            </a:r>
+          </a:p>
+        </p:txBody>
+      </p:sp>
+      <p:sp>
+        <p:nvSpPr>
+          <p:cNvPr name="TextBox 7" id="7"/>
+          <p:cNvSpPr txBox="true"/>
+          <p:nvPr/>
+        </p:nvSpPr>
+        <p:spPr>
+          <a:xfrm rot="0">
+            <a:off x="5350763" y="1608064"/>
+            <a:ext cx="4585237" cy="1362710"/>
+          </a:xfrm>
+          <a:prstGeom prst="rect">
+            <a:avLst/>
+          </a:prstGeom>
+        </p:spPr>
+        <p:txBody>
+          <a:bodyPr anchor="t" rtlCol="false" tIns="0" lIns="0" bIns="0" rIns="0">
+            <a:spAutoFit/>
+          </a:bodyPr>
+          <a:lstStyle/>
+          <a:p>
+            <a:pPr algn="l" marL="561337" indent="-280669" lvl="1">
+              <a:lnSpc>
+                <a:spcPts val="3639"/>
+              </a:lnSpc>
+              <a:buFont typeface="Arial"/>
+              <a:buChar char="•"/>
+            </a:pPr>
+            <a:r>
+              <a:rPr lang="en-US" sz="2599">
+                <a:solidFill>
+                  <a:srgbClr val="000000"/>
+                </a:solidFill>
+                <a:latin typeface="Canva Sans"/>
+                <a:ea typeface="Canva Sans"/>
+                <a:cs typeface="Canva Sans"/>
+                <a:sym typeface="Canva Sans"/>
+              </a:rPr>
+              <a:t>Fig 21 shows demand of uber drivers at pickup wrt day travel time.</a:t>
+            </a:r>
+          </a:p>
+        </p:txBody>
+      </p:sp>
+      <p:sp>
+        <p:nvSpPr>
+          <p:cNvPr name="TextBox 8" id="8"/>
+          <p:cNvSpPr txBox="true"/>
+          <p:nvPr/>
+        </p:nvSpPr>
+        <p:spPr>
+          <a:xfrm rot="0">
+            <a:off x="2638174" y="6946875"/>
+            <a:ext cx="804862" cy="372745"/>
+          </a:xfrm>
+          <a:prstGeom prst="rect">
+            <a:avLst/>
+          </a:prstGeom>
+        </p:spPr>
+        <p:txBody>
+          <a:bodyPr anchor="t" rtlCol="false" tIns="0" lIns="0" bIns="0" rIns="0">
+            <a:spAutoFit/>
+          </a:bodyPr>
+          <a:lstStyle/>
+          <a:p>
+            <a:pPr algn="ctr">
+              <a:lnSpc>
+                <a:spcPts val="3079"/>
+              </a:lnSpc>
+            </a:pPr>
+            <a:r>
+              <a:rPr lang="en-US" sz="2199">
+                <a:solidFill>
+                  <a:srgbClr val="000000"/>
+                </a:solidFill>
+                <a:latin typeface="Canva Sans"/>
+                <a:ea typeface="Canva Sans"/>
+                <a:cs typeface="Canva Sans"/>
+                <a:sym typeface="Canva Sans"/>
+              </a:rPr>
+              <a:t>Fig 20</a:t>
+            </a:r>
+          </a:p>
+        </p:txBody>
+      </p:sp>
+      <p:sp>
+        <p:nvSpPr>
+          <p:cNvPr name="TextBox 9" id="9"/>
+          <p:cNvSpPr txBox="true"/>
+          <p:nvPr/>
+        </p:nvSpPr>
+        <p:spPr>
+          <a:xfrm rot="0">
+            <a:off x="7137563" y="6946875"/>
+            <a:ext cx="757386" cy="372745"/>
+          </a:xfrm>
+          <a:prstGeom prst="rect">
+            <a:avLst/>
+          </a:prstGeom>
+        </p:spPr>
+        <p:txBody>
+          <a:bodyPr anchor="t" rtlCol="false" tIns="0" lIns="0" bIns="0" rIns="0">
+            <a:spAutoFit/>
+          </a:bodyPr>
+          <a:lstStyle/>
+          <a:p>
+            <a:pPr algn="ctr">
+              <a:lnSpc>
+                <a:spcPts val="3079"/>
+              </a:lnSpc>
+            </a:pPr>
+            <a:r>
+              <a:rPr lang="en-US" sz="2199">
+                <a:solidFill>
+                  <a:srgbClr val="000000"/>
+                </a:solidFill>
+                <a:latin typeface="Canva Sans"/>
+                <a:ea typeface="Canva Sans"/>
+                <a:cs typeface="Canva Sans"/>
+                <a:sym typeface="Canva Sans"/>
+              </a:rPr>
+              <a:t>Fig 21</a:t>
+            </a:r>
+          </a:p>
+        </p:txBody>
+      </p:sp>
+    </p:spTree>
+  </p:cSld>
+  <p:clrMapOvr>
+    <a:masterClrMapping/>
+  </p:clrMapOvr>
+</p:sld>
+</file>
+
+<file path=ppt/slides/slide17.xml><?xml version="1.0" encoding="utf-8"?>
+<p:sld xmlns:p="http://schemas.openxmlformats.org/presentationml/2006/main" xmlns:a="http://schemas.openxmlformats.org/drawingml/2006/main" xmlns:r="http://schemas.openxmlformats.org/officeDocument/2006/relationships">
+  <p:cSld>
+    <p:spTree>
+      <p:nvGrpSpPr>
+        <p:cNvPr id="1" name=""/>
+        <p:cNvGrpSpPr/>
+        <p:nvPr/>
+      </p:nvGrpSpPr>
+      <p:grpSpPr>
+        <a:xfrm>
+          <a:off x="0" y="0"/>
+          <a:ext cx="0" cy="0"/>
+          <a:chOff x="0" y="0"/>
+          <a:chExt cx="0" cy="0"/>
+        </a:xfrm>
+      </p:grpSpPr>
+      <p:sp>
+        <p:nvSpPr>
+          <p:cNvPr name="TextBox 2" id="2"/>
+          <p:cNvSpPr txBox="true"/>
+          <p:nvPr/>
+        </p:nvSpPr>
+        <p:spPr>
+          <a:xfrm rot="0">
+            <a:off x="756000" y="679800"/>
+            <a:ext cx="8546400" cy="679450"/>
+          </a:xfrm>
+          <a:prstGeom prst="rect">
+            <a:avLst/>
+          </a:prstGeom>
+        </p:spPr>
+        <p:txBody>
+          <a:bodyPr anchor="t" rtlCol="false" tIns="0" lIns="0" bIns="0" rIns="0">
+            <a:spAutoFit/>
+          </a:bodyPr>
+          <a:lstStyle/>
+          <a:p>
+            <a:pPr algn="ctr">
+              <a:lnSpc>
+                <a:spcPts val="5599"/>
+              </a:lnSpc>
+            </a:pPr>
+            <a:r>
+              <a:rPr lang="en-US" sz="3999" b="true">
+                <a:solidFill>
+                  <a:srgbClr val="000000"/>
+                </a:solidFill>
+                <a:latin typeface="Canva Sans Bold"/>
+                <a:ea typeface="Canva Sans Bold"/>
+                <a:cs typeface="Canva Sans Bold"/>
+                <a:sym typeface="Canva Sans Bold"/>
+              </a:rPr>
+              <a:t>Exploratory Data Analysis in Colab</a:t>
+            </a:r>
+          </a:p>
+        </p:txBody>
+      </p:sp>
+      <p:sp>
+        <p:nvSpPr>
+          <p:cNvPr name="Freeform 3" id="3"/>
+          <p:cNvSpPr/>
+          <p:nvPr/>
+        </p:nvSpPr>
+        <p:spPr>
+          <a:xfrm flipH="false" flipV="false" rot="0">
+            <a:off x="9394011" y="788109"/>
+            <a:ext cx="541989" cy="539033"/>
+          </a:xfrm>
+          <a:custGeom>
+            <a:avLst/>
+            <a:gdLst/>
+            <a:ahLst/>
+            <a:cxnLst/>
+            <a:rect r="r" b="b" t="t" l="l"/>
+            <a:pathLst>
+              <a:path h="539033" w="541989">
+                <a:moveTo>
+                  <a:pt x="0" y="0"/>
+                </a:moveTo>
+                <a:lnTo>
+                  <a:pt x="541989" y="0"/>
+                </a:lnTo>
+                <a:lnTo>
+                  <a:pt x="541989" y="539032"/>
+                </a:lnTo>
+                <a:lnTo>
+                  <a:pt x="0" y="539032"/>
+                </a:lnTo>
+                <a:lnTo>
+                  <a:pt x="0" y="0"/>
+                </a:lnTo>
+                <a:close/>
+              </a:path>
+            </a:pathLst>
+          </a:custGeom>
+          <a:blipFill>
+            <a:blip r:embed="rId2">
+              <a:extLst>
+                <a:ext uri="{96DAC541-7B7A-43D3-8B79-37D633B846F1}">
+                  <asvg:svgBlip xmlns:asvg="http://schemas.microsoft.com/office/drawing/2016/SVG/main" r:embed="rId3"/>
+                </a:ext>
+              </a:extLst>
+            </a:blip>
+            <a:stretch>
+              <a:fillRect l="0" t="0" r="0" b="0"/>
+            </a:stretch>
+          </a:blipFill>
+        </p:spPr>
+      </p:sp>
+      <p:sp>
+        <p:nvSpPr>
+          <p:cNvPr name="Freeform 4" id="4"/>
+          <p:cNvSpPr/>
+          <p:nvPr/>
+        </p:nvSpPr>
+        <p:spPr>
+          <a:xfrm flipH="false" flipV="false" rot="0">
+            <a:off x="0" y="1813515"/>
+            <a:ext cx="10692000" cy="5746245"/>
+          </a:xfrm>
+          <a:custGeom>
+            <a:avLst/>
+            <a:gdLst/>
+            <a:ahLst/>
+            <a:cxnLst/>
+            <a:rect r="r" b="b" t="t" l="l"/>
+            <a:pathLst>
+              <a:path h="5746245" w="10692000">
+                <a:moveTo>
+                  <a:pt x="0" y="0"/>
+                </a:moveTo>
+                <a:lnTo>
+                  <a:pt x="10692000" y="0"/>
+                </a:lnTo>
+                <a:lnTo>
+                  <a:pt x="10692000" y="5746244"/>
+                </a:lnTo>
+                <a:lnTo>
+                  <a:pt x="0" y="5746244"/>
+                </a:lnTo>
+                <a:lnTo>
+                  <a:pt x="0" y="0"/>
+                </a:lnTo>
+                <a:close/>
+              </a:path>
+            </a:pathLst>
+          </a:custGeom>
+          <a:blipFill>
+            <a:blip r:embed="rId4"/>
+            <a:stretch>
+              <a:fillRect l="-5220" t="0" r="-5220" b="-3121"/>
+            </a:stretch>
+          </a:blipFill>
+        </p:spPr>
+      </p:sp>
+      <p:sp>
+        <p:nvSpPr>
+          <p:cNvPr name="TextBox 5" id="5"/>
+          <p:cNvSpPr txBox="true"/>
+          <p:nvPr/>
+        </p:nvSpPr>
+        <p:spPr>
+          <a:xfrm rot="0">
+            <a:off x="760763" y="1608064"/>
+            <a:ext cx="9175238" cy="905510"/>
+          </a:xfrm>
+          <a:prstGeom prst="rect">
+            <a:avLst/>
+          </a:prstGeom>
+        </p:spPr>
+        <p:txBody>
+          <a:bodyPr anchor="t" rtlCol="false" tIns="0" lIns="0" bIns="0" rIns="0">
+            <a:spAutoFit/>
+          </a:bodyPr>
+          <a:lstStyle/>
+          <a:p>
+            <a:pPr algn="l" marL="561337" indent="-280669" lvl="1">
+              <a:lnSpc>
+                <a:spcPts val="3639"/>
+              </a:lnSpc>
+              <a:buFont typeface="Arial"/>
+              <a:buChar char="•"/>
+            </a:pPr>
+            <a:r>
+              <a:rPr lang="en-US" sz="2599">
+                <a:solidFill>
+                  <a:srgbClr val="000000"/>
+                </a:solidFill>
+                <a:latin typeface="Canva Sans"/>
+                <a:ea typeface="Canva Sans"/>
+                <a:cs typeface="Canva Sans"/>
+                <a:sym typeface="Canva Sans"/>
+              </a:rPr>
+              <a:t>Fig 22 shows the treemap of the relationship between the bookings from pickup location wrt each other.</a:t>
+            </a:r>
+          </a:p>
+        </p:txBody>
+      </p:sp>
+      <p:sp>
+        <p:nvSpPr>
+          <p:cNvPr name="TextBox 6" id="6"/>
+          <p:cNvSpPr txBox="true"/>
+          <p:nvPr/>
+        </p:nvSpPr>
+        <p:spPr>
+          <a:xfrm rot="0">
+            <a:off x="4967381" y="6924300"/>
+            <a:ext cx="762000" cy="372745"/>
+          </a:xfrm>
+          <a:prstGeom prst="rect">
+            <a:avLst/>
+          </a:prstGeom>
+        </p:spPr>
+        <p:txBody>
+          <a:bodyPr anchor="t" rtlCol="false" tIns="0" lIns="0" bIns="0" rIns="0">
+            <a:spAutoFit/>
+          </a:bodyPr>
+          <a:lstStyle/>
+          <a:p>
+            <a:pPr algn="ctr">
+              <a:lnSpc>
+                <a:spcPts val="3079"/>
+              </a:lnSpc>
+            </a:pPr>
+            <a:r>
+              <a:rPr lang="en-US" sz="2199">
+                <a:solidFill>
+                  <a:srgbClr val="000000"/>
+                </a:solidFill>
+                <a:latin typeface="Canva Sans"/>
+                <a:ea typeface="Canva Sans"/>
+                <a:cs typeface="Canva Sans"/>
+                <a:sym typeface="Canva Sans"/>
+              </a:rPr>
+              <a:t>Fig 22</a:t>
+            </a:r>
+          </a:p>
+        </p:txBody>
+      </p:sp>
+    </p:spTree>
+  </p:cSld>
+  <p:clrMapOvr>
+    <a:masterClrMapping/>
+  </p:clrMapOvr>
+</p:sld>
+</file>
+
+<file path=ppt/slides/slide18.xml><?xml version="1.0" encoding="utf-8"?>
+<p:sld xmlns:p="http://schemas.openxmlformats.org/presentationml/2006/main" xmlns:a="http://schemas.openxmlformats.org/drawingml/2006/main" xmlns:r="http://schemas.openxmlformats.org/officeDocument/2006/relationships">
+  <p:cSld>
+    <p:spTree>
+      <p:nvGrpSpPr>
+        <p:cNvPr id="1" name=""/>
+        <p:cNvGrpSpPr/>
+        <p:nvPr/>
+      </p:nvGrpSpPr>
+      <p:grpSpPr>
+        <a:xfrm>
+          <a:off x="0" y="0"/>
+          <a:ext cx="0" cy="0"/>
+          <a:chOff x="0" y="0"/>
+          <a:chExt cx="0" cy="0"/>
+        </a:xfrm>
+      </p:grpSpPr>
+      <p:sp>
+        <p:nvSpPr>
+          <p:cNvPr name="Freeform 2" id="2"/>
+          <p:cNvSpPr/>
+          <p:nvPr/>
+        </p:nvSpPr>
+        <p:spPr>
+          <a:xfrm flipH="false" flipV="false" rot="0">
+            <a:off x="3961623" y="812795"/>
+            <a:ext cx="667426" cy="546455"/>
+          </a:xfrm>
+          <a:custGeom>
+            <a:avLst/>
+            <a:gdLst/>
+            <a:ahLst/>
+            <a:cxnLst/>
+            <a:rect r="r" b="b" t="t" l="l"/>
+            <a:pathLst>
+              <a:path h="546455" w="667426">
+                <a:moveTo>
+                  <a:pt x="0" y="0"/>
+                </a:moveTo>
+                <a:lnTo>
+                  <a:pt x="667426" y="0"/>
+                </a:lnTo>
+                <a:lnTo>
+                  <a:pt x="667426" y="546455"/>
+                </a:lnTo>
+                <a:lnTo>
+                  <a:pt x="0" y="546455"/>
+                </a:lnTo>
+                <a:lnTo>
+                  <a:pt x="0" y="0"/>
+                </a:lnTo>
+                <a:close/>
+              </a:path>
+            </a:pathLst>
+          </a:custGeom>
+          <a:blipFill>
+            <a:blip r:embed="rId2"/>
+            <a:stretch>
+              <a:fillRect l="0" t="0" r="0" b="0"/>
+            </a:stretch>
+          </a:blipFill>
+        </p:spPr>
+      </p:sp>
+      <p:sp>
+        <p:nvSpPr>
+          <p:cNvPr name="Freeform 3" id="3"/>
+          <p:cNvSpPr/>
+          <p:nvPr/>
+        </p:nvSpPr>
+        <p:spPr>
+          <a:xfrm flipH="false" flipV="false" rot="0">
+            <a:off x="151200" y="2603528"/>
+            <a:ext cx="6607232" cy="999344"/>
+          </a:xfrm>
+          <a:custGeom>
+            <a:avLst/>
+            <a:gdLst/>
+            <a:ahLst/>
+            <a:cxnLst/>
+            <a:rect r="r" b="b" t="t" l="l"/>
+            <a:pathLst>
+              <a:path h="999344" w="6607232">
+                <a:moveTo>
+                  <a:pt x="0" y="0"/>
+                </a:moveTo>
+                <a:lnTo>
+                  <a:pt x="6607232" y="0"/>
+                </a:lnTo>
+                <a:lnTo>
+                  <a:pt x="6607232" y="999344"/>
+                </a:lnTo>
+                <a:lnTo>
+                  <a:pt x="0" y="999344"/>
+                </a:lnTo>
+                <a:lnTo>
+                  <a:pt x="0" y="0"/>
+                </a:lnTo>
+                <a:close/>
+              </a:path>
+            </a:pathLst>
+          </a:custGeom>
+          <a:blipFill>
+            <a:blip r:embed="rId3"/>
+            <a:stretch>
+              <a:fillRect l="0" t="0" r="0" b="0"/>
+            </a:stretch>
+          </a:blipFill>
+        </p:spPr>
+      </p:sp>
+      <p:sp>
+        <p:nvSpPr>
+          <p:cNvPr name="Freeform 4" id="4"/>
+          <p:cNvSpPr/>
+          <p:nvPr/>
+        </p:nvSpPr>
+        <p:spPr>
+          <a:xfrm flipH="false" flipV="false" rot="0">
+            <a:off x="6907768" y="2789040"/>
+            <a:ext cx="3616230" cy="628320"/>
+          </a:xfrm>
+          <a:custGeom>
+            <a:avLst/>
+            <a:gdLst/>
+            <a:ahLst/>
+            <a:cxnLst/>
+            <a:rect r="r" b="b" t="t" l="l"/>
+            <a:pathLst>
+              <a:path h="628320" w="3616230">
+                <a:moveTo>
+                  <a:pt x="0" y="0"/>
+                </a:moveTo>
+                <a:lnTo>
+                  <a:pt x="3616229" y="0"/>
+                </a:lnTo>
+                <a:lnTo>
+                  <a:pt x="3616229" y="628320"/>
+                </a:lnTo>
+                <a:lnTo>
+                  <a:pt x="0" y="628320"/>
+                </a:lnTo>
+                <a:lnTo>
+                  <a:pt x="0" y="0"/>
+                </a:lnTo>
+                <a:close/>
+              </a:path>
+            </a:pathLst>
+          </a:custGeom>
+          <a:blipFill>
+            <a:blip r:embed="rId4"/>
+            <a:stretch>
+              <a:fillRect l="0" t="0" r="0" b="0"/>
+            </a:stretch>
+          </a:blipFill>
+        </p:spPr>
+      </p:sp>
+      <p:sp>
+        <p:nvSpPr>
+          <p:cNvPr name="Freeform 5" id="5"/>
+          <p:cNvSpPr/>
+          <p:nvPr/>
+        </p:nvSpPr>
+        <p:spPr>
+          <a:xfrm flipH="false" flipV="false" rot="0">
+            <a:off x="151200" y="5414527"/>
+            <a:ext cx="6607232" cy="1527922"/>
+          </a:xfrm>
+          <a:custGeom>
+            <a:avLst/>
+            <a:gdLst/>
+            <a:ahLst/>
+            <a:cxnLst/>
+            <a:rect r="r" b="b" t="t" l="l"/>
+            <a:pathLst>
+              <a:path h="1527922" w="6607232">
+                <a:moveTo>
+                  <a:pt x="0" y="0"/>
+                </a:moveTo>
+                <a:lnTo>
+                  <a:pt x="6607232" y="0"/>
+                </a:lnTo>
+                <a:lnTo>
+                  <a:pt x="6607232" y="1527923"/>
+                </a:lnTo>
+                <a:lnTo>
+                  <a:pt x="0" y="1527923"/>
+                </a:lnTo>
+                <a:lnTo>
+                  <a:pt x="0" y="0"/>
+                </a:lnTo>
+                <a:close/>
+              </a:path>
+            </a:pathLst>
+          </a:custGeom>
+          <a:blipFill>
+            <a:blip r:embed="rId5"/>
+            <a:stretch>
+              <a:fillRect l="0" t="0" r="0" b="0"/>
+            </a:stretch>
+          </a:blipFill>
+        </p:spPr>
+      </p:sp>
+      <p:sp>
+        <p:nvSpPr>
+          <p:cNvPr name="Freeform 6" id="6"/>
+          <p:cNvSpPr/>
+          <p:nvPr/>
+        </p:nvSpPr>
+        <p:spPr>
+          <a:xfrm flipH="false" flipV="false" rot="0">
+            <a:off x="7180837" y="5414527"/>
+            <a:ext cx="2932459" cy="1449246"/>
+          </a:xfrm>
+          <a:custGeom>
+            <a:avLst/>
+            <a:gdLst/>
+            <a:ahLst/>
+            <a:cxnLst/>
+            <a:rect r="r" b="b" t="t" l="l"/>
+            <a:pathLst>
+              <a:path h="1449246" w="2932459">
+                <a:moveTo>
+                  <a:pt x="0" y="0"/>
+                </a:moveTo>
+                <a:lnTo>
+                  <a:pt x="2932459" y="0"/>
+                </a:lnTo>
+                <a:lnTo>
+                  <a:pt x="2932459" y="1449246"/>
+                </a:lnTo>
+                <a:lnTo>
+                  <a:pt x="0" y="1449246"/>
+                </a:lnTo>
+                <a:lnTo>
+                  <a:pt x="0" y="0"/>
+                </a:lnTo>
+                <a:close/>
+              </a:path>
+            </a:pathLst>
+          </a:custGeom>
+          <a:blipFill>
+            <a:blip r:embed="rId6"/>
+            <a:stretch>
+              <a:fillRect l="0" t="0" r="0" b="0"/>
+            </a:stretch>
+          </a:blipFill>
+        </p:spPr>
+      </p:sp>
+      <p:sp>
+        <p:nvSpPr>
+          <p:cNvPr name="TextBox 7" id="7"/>
+          <p:cNvSpPr txBox="true"/>
+          <p:nvPr/>
+        </p:nvSpPr>
+        <p:spPr>
+          <a:xfrm rot="0">
+            <a:off x="756000" y="679800"/>
+            <a:ext cx="3128861" cy="679450"/>
+          </a:xfrm>
+          <a:prstGeom prst="rect">
+            <a:avLst/>
+          </a:prstGeom>
+        </p:spPr>
+        <p:txBody>
+          <a:bodyPr anchor="t" rtlCol="false" tIns="0" lIns="0" bIns="0" rIns="0">
+            <a:spAutoFit/>
+          </a:bodyPr>
+          <a:lstStyle/>
+          <a:p>
+            <a:pPr algn="ctr">
+              <a:lnSpc>
+                <a:spcPts val="5599"/>
+              </a:lnSpc>
+            </a:pPr>
+            <a:r>
+              <a:rPr lang="en-US" sz="3999" b="true">
+                <a:solidFill>
+                  <a:srgbClr val="000000"/>
+                </a:solidFill>
+                <a:latin typeface="Canva Sans Bold"/>
+                <a:ea typeface="Canva Sans Bold"/>
+                <a:cs typeface="Canva Sans Bold"/>
+                <a:sym typeface="Canva Sans Bold"/>
+              </a:rPr>
+              <a:t>SQL Insights</a:t>
+            </a:r>
+          </a:p>
+        </p:txBody>
+      </p:sp>
+      <p:sp>
+        <p:nvSpPr>
+          <p:cNvPr name="TextBox 8" id="8"/>
+          <p:cNvSpPr txBox="true"/>
+          <p:nvPr/>
+        </p:nvSpPr>
+        <p:spPr>
+          <a:xfrm rot="0">
+            <a:off x="760763" y="1608064"/>
+            <a:ext cx="9175238" cy="905510"/>
+          </a:xfrm>
+          <a:prstGeom prst="rect">
+            <a:avLst/>
+          </a:prstGeom>
+        </p:spPr>
+        <p:txBody>
+          <a:bodyPr anchor="t" rtlCol="false" tIns="0" lIns="0" bIns="0" rIns="0">
+            <a:spAutoFit/>
+          </a:bodyPr>
+          <a:lstStyle/>
+          <a:p>
+            <a:pPr algn="l" marL="561337" indent="-280669" lvl="1">
+              <a:lnSpc>
+                <a:spcPts val="3639"/>
+              </a:lnSpc>
+              <a:buFont typeface="Arial"/>
+              <a:buChar char="•"/>
+            </a:pPr>
+            <a:r>
+              <a:rPr lang="en-US" sz="2599">
+                <a:solidFill>
+                  <a:srgbClr val="000000"/>
+                </a:solidFill>
+                <a:latin typeface="Canva Sans"/>
+                <a:ea typeface="Canva Sans"/>
+                <a:cs typeface="Canva Sans"/>
+                <a:sym typeface="Canva Sans"/>
+              </a:rPr>
+              <a:t>Fig 22 and 23 gives insight about supply of Uber drivers to complete trips. </a:t>
+            </a:r>
+          </a:p>
+        </p:txBody>
+      </p:sp>
+      <p:sp>
+        <p:nvSpPr>
+          <p:cNvPr name="TextBox 9" id="9"/>
+          <p:cNvSpPr txBox="true"/>
+          <p:nvPr/>
+        </p:nvSpPr>
+        <p:spPr>
+          <a:xfrm rot="0">
+            <a:off x="3073816" y="3831472"/>
+            <a:ext cx="762000" cy="372745"/>
+          </a:xfrm>
+          <a:prstGeom prst="rect">
+            <a:avLst/>
+          </a:prstGeom>
+        </p:spPr>
+        <p:txBody>
+          <a:bodyPr anchor="t" rtlCol="false" tIns="0" lIns="0" bIns="0" rIns="0">
+            <a:spAutoFit/>
+          </a:bodyPr>
+          <a:lstStyle/>
+          <a:p>
+            <a:pPr algn="ctr">
+              <a:lnSpc>
+                <a:spcPts val="3079"/>
+              </a:lnSpc>
+            </a:pPr>
+            <a:r>
+              <a:rPr lang="en-US" sz="2199">
+                <a:solidFill>
+                  <a:srgbClr val="000000"/>
+                </a:solidFill>
+                <a:latin typeface="Canva Sans"/>
+                <a:ea typeface="Canva Sans"/>
+                <a:cs typeface="Canva Sans"/>
+                <a:sym typeface="Canva Sans"/>
+              </a:rPr>
+              <a:t>Fig 22</a:t>
+            </a:r>
+          </a:p>
+        </p:txBody>
+      </p:sp>
+      <p:sp>
+        <p:nvSpPr>
+          <p:cNvPr name="TextBox 10" id="10"/>
+          <p:cNvSpPr txBox="true"/>
+          <p:nvPr/>
+        </p:nvSpPr>
+        <p:spPr>
+          <a:xfrm rot="0">
+            <a:off x="8330492" y="3831472"/>
+            <a:ext cx="770781" cy="372745"/>
+          </a:xfrm>
+          <a:prstGeom prst="rect">
+            <a:avLst/>
+          </a:prstGeom>
+        </p:spPr>
+        <p:txBody>
+          <a:bodyPr anchor="t" rtlCol="false" tIns="0" lIns="0" bIns="0" rIns="0">
+            <a:spAutoFit/>
+          </a:bodyPr>
+          <a:lstStyle/>
+          <a:p>
+            <a:pPr algn="ctr">
+              <a:lnSpc>
+                <a:spcPts val="3079"/>
+              </a:lnSpc>
+            </a:pPr>
+            <a:r>
+              <a:rPr lang="en-US" sz="2199">
+                <a:solidFill>
+                  <a:srgbClr val="000000"/>
+                </a:solidFill>
+                <a:latin typeface="Canva Sans"/>
+                <a:ea typeface="Canva Sans"/>
+                <a:cs typeface="Canva Sans"/>
+                <a:sym typeface="Canva Sans"/>
+              </a:rPr>
+              <a:t>Fig 23</a:t>
+            </a:r>
+          </a:p>
+        </p:txBody>
+      </p:sp>
+      <p:sp>
+        <p:nvSpPr>
+          <p:cNvPr name="TextBox 11" id="11"/>
+          <p:cNvSpPr txBox="true"/>
+          <p:nvPr/>
+        </p:nvSpPr>
+        <p:spPr>
+          <a:xfrm rot="0">
+            <a:off x="771545" y="4423292"/>
+            <a:ext cx="9175238" cy="905510"/>
+          </a:xfrm>
+          <a:prstGeom prst="rect">
+            <a:avLst/>
+          </a:prstGeom>
+        </p:spPr>
+        <p:txBody>
+          <a:bodyPr anchor="t" rtlCol="false" tIns="0" lIns="0" bIns="0" rIns="0">
+            <a:spAutoFit/>
+          </a:bodyPr>
+          <a:lstStyle/>
+          <a:p>
+            <a:pPr algn="l" marL="561337" indent="-280669" lvl="1">
+              <a:lnSpc>
+                <a:spcPts val="3639"/>
+              </a:lnSpc>
+              <a:buFont typeface="Arial"/>
+              <a:buChar char="•"/>
+            </a:pPr>
+            <a:r>
+              <a:rPr lang="en-US" sz="2599">
+                <a:solidFill>
+                  <a:srgbClr val="000000"/>
+                </a:solidFill>
+                <a:latin typeface="Canva Sans"/>
+                <a:ea typeface="Canva Sans"/>
+                <a:cs typeface="Canva Sans"/>
+                <a:sym typeface="Canva Sans"/>
+              </a:rPr>
+              <a:t>Fig 24 and 25 gives insight about the average travel time wrt categories of the day.</a:t>
+            </a:r>
+          </a:p>
+        </p:txBody>
+      </p:sp>
+      <p:sp>
+        <p:nvSpPr>
+          <p:cNvPr name="TextBox 12" id="12"/>
+          <p:cNvSpPr txBox="true"/>
+          <p:nvPr/>
+        </p:nvSpPr>
+        <p:spPr>
+          <a:xfrm rot="0">
+            <a:off x="3068570" y="6990075"/>
+            <a:ext cx="772492" cy="372745"/>
+          </a:xfrm>
+          <a:prstGeom prst="rect">
+            <a:avLst/>
+          </a:prstGeom>
+        </p:spPr>
+        <p:txBody>
+          <a:bodyPr anchor="t" rtlCol="false" tIns="0" lIns="0" bIns="0" rIns="0">
+            <a:spAutoFit/>
+          </a:bodyPr>
+          <a:lstStyle/>
+          <a:p>
+            <a:pPr algn="ctr">
+              <a:lnSpc>
+                <a:spcPts val="3079"/>
+              </a:lnSpc>
+            </a:pPr>
+            <a:r>
+              <a:rPr lang="en-US" sz="2199">
+                <a:solidFill>
+                  <a:srgbClr val="000000"/>
+                </a:solidFill>
+                <a:latin typeface="Canva Sans"/>
+                <a:ea typeface="Canva Sans"/>
+                <a:cs typeface="Canva Sans"/>
+                <a:sym typeface="Canva Sans"/>
+              </a:rPr>
+              <a:t>Fig 24</a:t>
+            </a:r>
+          </a:p>
+        </p:txBody>
+      </p:sp>
+      <p:sp>
+        <p:nvSpPr>
+          <p:cNvPr name="TextBox 13" id="13"/>
+          <p:cNvSpPr txBox="true"/>
+          <p:nvPr/>
+        </p:nvSpPr>
+        <p:spPr>
+          <a:xfrm rot="0">
+            <a:off x="8339786" y="6990075"/>
+            <a:ext cx="773757" cy="372745"/>
+          </a:xfrm>
+          <a:prstGeom prst="rect">
+            <a:avLst/>
+          </a:prstGeom>
+        </p:spPr>
+        <p:txBody>
+          <a:bodyPr anchor="t" rtlCol="false" tIns="0" lIns="0" bIns="0" rIns="0">
+            <a:spAutoFit/>
+          </a:bodyPr>
+          <a:lstStyle/>
+          <a:p>
+            <a:pPr algn="ctr">
+              <a:lnSpc>
+                <a:spcPts val="3079"/>
+              </a:lnSpc>
+            </a:pPr>
+            <a:r>
+              <a:rPr lang="en-US" sz="2199">
+                <a:solidFill>
+                  <a:srgbClr val="000000"/>
+                </a:solidFill>
+                <a:latin typeface="Canva Sans"/>
+                <a:ea typeface="Canva Sans"/>
+                <a:cs typeface="Canva Sans"/>
+                <a:sym typeface="Canva Sans"/>
+              </a:rPr>
+              <a:t>Fig 25</a:t>
+            </a:r>
+          </a:p>
+        </p:txBody>
+      </p:sp>
+    </p:spTree>
+  </p:cSld>
+  <p:clrMapOvr>
+    <a:masterClrMapping/>
+  </p:clrMapOvr>
+</p:sld>
+</file>
+
+<file path=ppt/slides/slide19.xml><?xml version="1.0" encoding="utf-8"?>
+<p:sld xmlns:p="http://schemas.openxmlformats.org/presentationml/2006/main" xmlns:a="http://schemas.openxmlformats.org/drawingml/2006/main" xmlns:r="http://schemas.openxmlformats.org/officeDocument/2006/relationships">
+  <p:cSld>
+    <p:spTree>
+      <p:nvGrpSpPr>
+        <p:cNvPr id="1" name=""/>
+        <p:cNvGrpSpPr/>
+        <p:nvPr/>
+      </p:nvGrpSpPr>
+      <p:grpSpPr>
+        <a:xfrm>
+          <a:off x="0" y="0"/>
+          <a:ext cx="0" cy="0"/>
+          <a:chOff x="0" y="0"/>
+          <a:chExt cx="0" cy="0"/>
+        </a:xfrm>
+      </p:grpSpPr>
+      <p:sp>
+        <p:nvSpPr>
+          <p:cNvPr name="Freeform 2" id="2"/>
+          <p:cNvSpPr/>
+          <p:nvPr/>
+        </p:nvSpPr>
+        <p:spPr>
+          <a:xfrm flipH="false" flipV="false" rot="0">
+            <a:off x="3961623" y="812795"/>
+            <a:ext cx="667426" cy="546455"/>
+          </a:xfrm>
+          <a:custGeom>
+            <a:avLst/>
+            <a:gdLst/>
+            <a:ahLst/>
+            <a:cxnLst/>
+            <a:rect r="r" b="b" t="t" l="l"/>
+            <a:pathLst>
+              <a:path h="546455" w="667426">
+                <a:moveTo>
+                  <a:pt x="0" y="0"/>
+                </a:moveTo>
+                <a:lnTo>
+                  <a:pt x="667426" y="0"/>
+                </a:lnTo>
+                <a:lnTo>
+                  <a:pt x="667426" y="546455"/>
+                </a:lnTo>
+                <a:lnTo>
+                  <a:pt x="0" y="546455"/>
+                </a:lnTo>
+                <a:lnTo>
+                  <a:pt x="0" y="0"/>
+                </a:lnTo>
+                <a:close/>
+              </a:path>
+            </a:pathLst>
+          </a:custGeom>
+          <a:blipFill>
+            <a:blip r:embed="rId2"/>
+            <a:stretch>
+              <a:fillRect l="0" t="0" r="0" b="0"/>
+            </a:stretch>
+          </a:blipFill>
+        </p:spPr>
+      </p:sp>
+      <p:sp>
+        <p:nvSpPr>
+          <p:cNvPr name="Freeform 3" id="3"/>
+          <p:cNvSpPr/>
+          <p:nvPr/>
+        </p:nvSpPr>
+        <p:spPr>
+          <a:xfrm flipH="false" flipV="false" rot="0">
+            <a:off x="1241314" y="2629528"/>
+            <a:ext cx="3665004" cy="1124091"/>
+          </a:xfrm>
+          <a:custGeom>
+            <a:avLst/>
+            <a:gdLst/>
+            <a:ahLst/>
+            <a:cxnLst/>
+            <a:rect r="r" b="b" t="t" l="l"/>
+            <a:pathLst>
+              <a:path h="1124091" w="3665004">
+                <a:moveTo>
+                  <a:pt x="0" y="0"/>
+                </a:moveTo>
+                <a:lnTo>
+                  <a:pt x="3665004" y="0"/>
+                </a:lnTo>
+                <a:lnTo>
+                  <a:pt x="3665004" y="1124090"/>
+                </a:lnTo>
+                <a:lnTo>
+                  <a:pt x="0" y="1124090"/>
+                </a:lnTo>
+                <a:lnTo>
+                  <a:pt x="0" y="0"/>
+                </a:lnTo>
+                <a:close/>
+              </a:path>
+            </a:pathLst>
+          </a:custGeom>
+          <a:blipFill>
+            <a:blip r:embed="rId3"/>
+            <a:stretch>
+              <a:fillRect l="0" t="0" r="0" b="0"/>
+            </a:stretch>
+          </a:blipFill>
+        </p:spPr>
+      </p:sp>
+      <p:sp>
+        <p:nvSpPr>
+          <p:cNvPr name="Freeform 4" id="4"/>
+          <p:cNvSpPr/>
+          <p:nvPr/>
+        </p:nvSpPr>
+        <p:spPr>
+          <a:xfrm flipH="false" flipV="false" rot="0">
+            <a:off x="6270996" y="2629528"/>
+            <a:ext cx="3665004" cy="1124091"/>
+          </a:xfrm>
+          <a:custGeom>
+            <a:avLst/>
+            <a:gdLst/>
+            <a:ahLst/>
+            <a:cxnLst/>
+            <a:rect r="r" b="b" t="t" l="l"/>
+            <a:pathLst>
+              <a:path h="1124091" w="3665004">
+                <a:moveTo>
+                  <a:pt x="0" y="0"/>
+                </a:moveTo>
+                <a:lnTo>
+                  <a:pt x="3665004" y="0"/>
+                </a:lnTo>
+                <a:lnTo>
+                  <a:pt x="3665004" y="1124090"/>
+                </a:lnTo>
+                <a:lnTo>
+                  <a:pt x="0" y="1124090"/>
+                </a:lnTo>
+                <a:lnTo>
+                  <a:pt x="0" y="0"/>
+                </a:lnTo>
+                <a:close/>
+              </a:path>
+            </a:pathLst>
+          </a:custGeom>
+          <a:blipFill>
+            <a:blip r:embed="rId4"/>
+            <a:stretch>
+              <a:fillRect l="0" t="0" r="0" b="0"/>
+            </a:stretch>
+          </a:blipFill>
+        </p:spPr>
+      </p:sp>
+      <p:sp>
+        <p:nvSpPr>
+          <p:cNvPr name="Freeform 5" id="5"/>
+          <p:cNvSpPr/>
+          <p:nvPr/>
+        </p:nvSpPr>
+        <p:spPr>
+          <a:xfrm flipH="false" flipV="false" rot="0">
+            <a:off x="2320430" y="5414527"/>
+            <a:ext cx="2463584" cy="1613647"/>
+          </a:xfrm>
+          <a:custGeom>
+            <a:avLst/>
+            <a:gdLst/>
+            <a:ahLst/>
+            <a:cxnLst/>
+            <a:rect r="r" b="b" t="t" l="l"/>
+            <a:pathLst>
+              <a:path h="1613647" w="2463584">
+                <a:moveTo>
+                  <a:pt x="0" y="0"/>
+                </a:moveTo>
+                <a:lnTo>
+                  <a:pt x="2463584" y="0"/>
+                </a:lnTo>
+                <a:lnTo>
+                  <a:pt x="2463584" y="1613648"/>
+                </a:lnTo>
+                <a:lnTo>
+                  <a:pt x="0" y="1613648"/>
+                </a:lnTo>
+                <a:lnTo>
+                  <a:pt x="0" y="0"/>
+                </a:lnTo>
+                <a:close/>
+              </a:path>
+            </a:pathLst>
+          </a:custGeom>
+          <a:blipFill>
+            <a:blip r:embed="rId5"/>
+            <a:stretch>
+              <a:fillRect l="0" t="0" r="0" b="0"/>
+            </a:stretch>
+          </a:blipFill>
+        </p:spPr>
+      </p:sp>
+      <p:sp>
+        <p:nvSpPr>
+          <p:cNvPr name="Freeform 6" id="6"/>
+          <p:cNvSpPr/>
+          <p:nvPr/>
+        </p:nvSpPr>
+        <p:spPr>
+          <a:xfrm flipH="false" flipV="false" rot="0">
+            <a:off x="6724500" y="5414527"/>
+            <a:ext cx="2757996" cy="1564409"/>
+          </a:xfrm>
+          <a:custGeom>
+            <a:avLst/>
+            <a:gdLst/>
+            <a:ahLst/>
+            <a:cxnLst/>
+            <a:rect r="r" b="b" t="t" l="l"/>
+            <a:pathLst>
+              <a:path h="1564409" w="2757996">
+                <a:moveTo>
+                  <a:pt x="0" y="0"/>
+                </a:moveTo>
+                <a:lnTo>
+                  <a:pt x="2757996" y="0"/>
+                </a:lnTo>
+                <a:lnTo>
+                  <a:pt x="2757996" y="1564410"/>
+                </a:lnTo>
+                <a:lnTo>
+                  <a:pt x="0" y="1564410"/>
+                </a:lnTo>
+                <a:lnTo>
+                  <a:pt x="0" y="0"/>
+                </a:lnTo>
+                <a:close/>
+              </a:path>
+            </a:pathLst>
+          </a:custGeom>
+          <a:blipFill>
+            <a:blip r:embed="rId6"/>
+            <a:stretch>
+              <a:fillRect l="0" t="0" r="0" b="0"/>
+            </a:stretch>
+          </a:blipFill>
+        </p:spPr>
+      </p:sp>
+      <p:sp>
+        <p:nvSpPr>
+          <p:cNvPr name="TextBox 7" id="7"/>
+          <p:cNvSpPr txBox="true"/>
+          <p:nvPr/>
+        </p:nvSpPr>
+        <p:spPr>
+          <a:xfrm rot="0">
+            <a:off x="756000" y="679800"/>
+            <a:ext cx="3128861" cy="679450"/>
+          </a:xfrm>
+          <a:prstGeom prst="rect">
+            <a:avLst/>
+          </a:prstGeom>
+        </p:spPr>
+        <p:txBody>
+          <a:bodyPr anchor="t" rtlCol="false" tIns="0" lIns="0" bIns="0" rIns="0">
+            <a:spAutoFit/>
+          </a:bodyPr>
+          <a:lstStyle/>
+          <a:p>
+            <a:pPr algn="ctr">
+              <a:lnSpc>
+                <a:spcPts val="5599"/>
+              </a:lnSpc>
+            </a:pPr>
+            <a:r>
+              <a:rPr lang="en-US" sz="3999" b="true">
+                <a:solidFill>
+                  <a:srgbClr val="000000"/>
+                </a:solidFill>
+                <a:latin typeface="Canva Sans Bold"/>
+                <a:ea typeface="Canva Sans Bold"/>
+                <a:cs typeface="Canva Sans Bold"/>
+                <a:sym typeface="Canva Sans Bold"/>
+              </a:rPr>
+              <a:t>SQL Insights</a:t>
+            </a:r>
+          </a:p>
+        </p:txBody>
+      </p:sp>
+      <p:sp>
+        <p:nvSpPr>
+          <p:cNvPr name="TextBox 8" id="8"/>
+          <p:cNvSpPr txBox="true"/>
+          <p:nvPr/>
+        </p:nvSpPr>
+        <p:spPr>
+          <a:xfrm rot="0">
+            <a:off x="760763" y="1608064"/>
+            <a:ext cx="9175238" cy="905510"/>
+          </a:xfrm>
+          <a:prstGeom prst="rect">
+            <a:avLst/>
+          </a:prstGeom>
+        </p:spPr>
+        <p:txBody>
+          <a:bodyPr anchor="t" rtlCol="false" tIns="0" lIns="0" bIns="0" rIns="0">
+            <a:spAutoFit/>
+          </a:bodyPr>
+          <a:lstStyle/>
+          <a:p>
+            <a:pPr algn="l" marL="561337" indent="-280669" lvl="1">
+              <a:lnSpc>
+                <a:spcPts val="3639"/>
+              </a:lnSpc>
+              <a:buFont typeface="Arial"/>
+              <a:buChar char="•"/>
+            </a:pPr>
+            <a:r>
+              <a:rPr lang="en-US" sz="2599">
+                <a:solidFill>
+                  <a:srgbClr val="000000"/>
+                </a:solidFill>
+                <a:latin typeface="Canva Sans"/>
+                <a:ea typeface="Canva Sans"/>
+                <a:cs typeface="Canva Sans"/>
+                <a:sym typeface="Canva Sans"/>
+              </a:rPr>
+              <a:t>Fig 26 and 27 gives insight about the supply of Uber drivers from airport and city.</a:t>
+            </a:r>
+          </a:p>
+        </p:txBody>
+      </p:sp>
+      <p:sp>
+        <p:nvSpPr>
+          <p:cNvPr name="TextBox 9" id="9"/>
+          <p:cNvSpPr txBox="true"/>
+          <p:nvPr/>
+        </p:nvSpPr>
+        <p:spPr>
+          <a:xfrm rot="0">
+            <a:off x="3060645" y="3831472"/>
+            <a:ext cx="788343" cy="372745"/>
+          </a:xfrm>
+          <a:prstGeom prst="rect">
+            <a:avLst/>
+          </a:prstGeom>
+        </p:spPr>
+        <p:txBody>
+          <a:bodyPr anchor="t" rtlCol="false" tIns="0" lIns="0" bIns="0" rIns="0">
+            <a:spAutoFit/>
+          </a:bodyPr>
+          <a:lstStyle/>
+          <a:p>
+            <a:pPr algn="ctr">
+              <a:lnSpc>
+                <a:spcPts val="3079"/>
+              </a:lnSpc>
+            </a:pPr>
+            <a:r>
+              <a:rPr lang="en-US" sz="2199">
+                <a:solidFill>
+                  <a:srgbClr val="000000"/>
+                </a:solidFill>
+                <a:latin typeface="Canva Sans"/>
+                <a:ea typeface="Canva Sans"/>
+                <a:cs typeface="Canva Sans"/>
+                <a:sym typeface="Canva Sans"/>
+              </a:rPr>
+              <a:t>Fig 26</a:t>
+            </a:r>
+          </a:p>
+        </p:txBody>
+      </p:sp>
+      <p:sp>
+        <p:nvSpPr>
+          <p:cNvPr name="TextBox 10" id="10"/>
+          <p:cNvSpPr txBox="true"/>
+          <p:nvPr/>
+        </p:nvSpPr>
+        <p:spPr>
+          <a:xfrm rot="0">
+            <a:off x="7730274" y="3831472"/>
+            <a:ext cx="746447" cy="372745"/>
+          </a:xfrm>
+          <a:prstGeom prst="rect">
+            <a:avLst/>
+          </a:prstGeom>
+        </p:spPr>
+        <p:txBody>
+          <a:bodyPr anchor="t" rtlCol="false" tIns="0" lIns="0" bIns="0" rIns="0">
+            <a:spAutoFit/>
+          </a:bodyPr>
+          <a:lstStyle/>
+          <a:p>
+            <a:pPr algn="ctr">
+              <a:lnSpc>
+                <a:spcPts val="3079"/>
+              </a:lnSpc>
+            </a:pPr>
+            <a:r>
+              <a:rPr lang="en-US" sz="2199">
+                <a:solidFill>
+                  <a:srgbClr val="000000"/>
+                </a:solidFill>
+                <a:latin typeface="Canva Sans"/>
+                <a:ea typeface="Canva Sans"/>
+                <a:cs typeface="Canva Sans"/>
+                <a:sym typeface="Canva Sans"/>
+              </a:rPr>
+              <a:t>Fig 27</a:t>
+            </a:r>
+          </a:p>
+        </p:txBody>
+      </p:sp>
+      <p:sp>
+        <p:nvSpPr>
+          <p:cNvPr name="TextBox 11" id="11"/>
+          <p:cNvSpPr txBox="true"/>
+          <p:nvPr/>
+        </p:nvSpPr>
+        <p:spPr>
+          <a:xfrm rot="0">
+            <a:off x="771545" y="4423292"/>
+            <a:ext cx="9175238" cy="905510"/>
+          </a:xfrm>
+          <a:prstGeom prst="rect">
+            <a:avLst/>
+          </a:prstGeom>
+        </p:spPr>
+        <p:txBody>
+          <a:bodyPr anchor="t" rtlCol="false" tIns="0" lIns="0" bIns="0" rIns="0">
+            <a:spAutoFit/>
+          </a:bodyPr>
+          <a:lstStyle/>
+          <a:p>
+            <a:pPr algn="l" marL="561337" indent="-280669" lvl="1">
+              <a:lnSpc>
+                <a:spcPts val="3639"/>
+              </a:lnSpc>
+              <a:buFont typeface="Arial"/>
+              <a:buChar char="•"/>
+            </a:pPr>
+            <a:r>
+              <a:rPr lang="en-US" sz="2599">
+                <a:solidFill>
+                  <a:srgbClr val="000000"/>
+                </a:solidFill>
+                <a:latin typeface="Canva Sans"/>
+                <a:ea typeface="Canva Sans"/>
+                <a:cs typeface="Canva Sans"/>
+                <a:sym typeface="Canva Sans"/>
+              </a:rPr>
+              <a:t>Fig 28 and 29 gives insight about the demand of Uber driver from airport and city.</a:t>
+            </a:r>
+          </a:p>
+        </p:txBody>
+      </p:sp>
+      <p:sp>
+        <p:nvSpPr>
+          <p:cNvPr name="TextBox 12" id="12"/>
+          <p:cNvSpPr txBox="true"/>
+          <p:nvPr/>
+        </p:nvSpPr>
+        <p:spPr>
+          <a:xfrm rot="0">
+            <a:off x="3066114" y="6990075"/>
+            <a:ext cx="777404" cy="372745"/>
+          </a:xfrm>
+          <a:prstGeom prst="rect">
+            <a:avLst/>
+          </a:prstGeom>
+        </p:spPr>
+        <p:txBody>
+          <a:bodyPr anchor="t" rtlCol="false" tIns="0" lIns="0" bIns="0" rIns="0">
+            <a:spAutoFit/>
+          </a:bodyPr>
+          <a:lstStyle/>
+          <a:p>
+            <a:pPr algn="ctr">
+              <a:lnSpc>
+                <a:spcPts val="3079"/>
+              </a:lnSpc>
+            </a:pPr>
+            <a:r>
+              <a:rPr lang="en-US" sz="2199">
+                <a:solidFill>
+                  <a:srgbClr val="000000"/>
+                </a:solidFill>
+                <a:latin typeface="Canva Sans"/>
+                <a:ea typeface="Canva Sans"/>
+                <a:cs typeface="Canva Sans"/>
+                <a:sym typeface="Canva Sans"/>
+              </a:rPr>
+              <a:t>Fig 28</a:t>
+            </a:r>
+          </a:p>
+        </p:txBody>
+      </p:sp>
+      <p:sp>
+        <p:nvSpPr>
+          <p:cNvPr name="TextBox 13" id="13"/>
+          <p:cNvSpPr txBox="true"/>
+          <p:nvPr/>
+        </p:nvSpPr>
+        <p:spPr>
+          <a:xfrm rot="0">
+            <a:off x="7730274" y="7026562"/>
+            <a:ext cx="788194" cy="372745"/>
+          </a:xfrm>
+          <a:prstGeom prst="rect">
+            <a:avLst/>
+          </a:prstGeom>
+        </p:spPr>
+        <p:txBody>
+          <a:bodyPr anchor="t" rtlCol="false" tIns="0" lIns="0" bIns="0" rIns="0">
+            <a:spAutoFit/>
+          </a:bodyPr>
+          <a:lstStyle/>
+          <a:p>
+            <a:pPr algn="ctr">
+              <a:lnSpc>
+                <a:spcPts val="3079"/>
+              </a:lnSpc>
+            </a:pPr>
+            <a:r>
+              <a:rPr lang="en-US" sz="2199">
+                <a:solidFill>
+                  <a:srgbClr val="000000"/>
+                </a:solidFill>
+                <a:latin typeface="Canva Sans"/>
+                <a:ea typeface="Canva Sans"/>
+                <a:cs typeface="Canva Sans"/>
+                <a:sym typeface="Canva Sans"/>
+              </a:rPr>
+              <a:t>Fig 29</a:t>
             </a:r>
           </a:p>
         </p:txBody>
@@ -4698,6 +7825,2051 @@
 </p:sld>
 </file>
 
+<file path=ppt/slides/slide20.xml><?xml version="1.0" encoding="utf-8"?>
+<p:sld xmlns:p="http://schemas.openxmlformats.org/presentationml/2006/main" xmlns:a="http://schemas.openxmlformats.org/drawingml/2006/main" xmlns:r="http://schemas.openxmlformats.org/officeDocument/2006/relationships">
+  <p:cSld>
+    <p:spTree>
+      <p:nvGrpSpPr>
+        <p:cNvPr id="1" name=""/>
+        <p:cNvGrpSpPr/>
+        <p:nvPr/>
+      </p:nvGrpSpPr>
+      <p:grpSpPr>
+        <a:xfrm>
+          <a:off x="0" y="0"/>
+          <a:ext cx="0" cy="0"/>
+          <a:chOff x="0" y="0"/>
+          <a:chExt cx="0" cy="0"/>
+        </a:xfrm>
+      </p:grpSpPr>
+      <p:sp>
+        <p:nvSpPr>
+          <p:cNvPr name="Freeform 2" id="2"/>
+          <p:cNvSpPr/>
+          <p:nvPr/>
+        </p:nvSpPr>
+        <p:spPr>
+          <a:xfrm flipH="false" flipV="false" rot="0">
+            <a:off x="3961623" y="812795"/>
+            <a:ext cx="667426" cy="546455"/>
+          </a:xfrm>
+          <a:custGeom>
+            <a:avLst/>
+            <a:gdLst/>
+            <a:ahLst/>
+            <a:cxnLst/>
+            <a:rect r="r" b="b" t="t" l="l"/>
+            <a:pathLst>
+              <a:path h="546455" w="667426">
+                <a:moveTo>
+                  <a:pt x="0" y="0"/>
+                </a:moveTo>
+                <a:lnTo>
+                  <a:pt x="667426" y="0"/>
+                </a:lnTo>
+                <a:lnTo>
+                  <a:pt x="667426" y="546455"/>
+                </a:lnTo>
+                <a:lnTo>
+                  <a:pt x="0" y="546455"/>
+                </a:lnTo>
+                <a:lnTo>
+                  <a:pt x="0" y="0"/>
+                </a:lnTo>
+                <a:close/>
+              </a:path>
+            </a:pathLst>
+          </a:custGeom>
+          <a:blipFill>
+            <a:blip r:embed="rId2"/>
+            <a:stretch>
+              <a:fillRect l="0" t="0" r="0" b="0"/>
+            </a:stretch>
+          </a:blipFill>
+        </p:spPr>
+      </p:sp>
+      <p:sp>
+        <p:nvSpPr>
+          <p:cNvPr name="Freeform 3" id="3"/>
+          <p:cNvSpPr/>
+          <p:nvPr/>
+        </p:nvSpPr>
+        <p:spPr>
+          <a:xfrm flipH="false" flipV="false" rot="0">
+            <a:off x="1189297" y="2629528"/>
+            <a:ext cx="4531038" cy="1207447"/>
+          </a:xfrm>
+          <a:custGeom>
+            <a:avLst/>
+            <a:gdLst/>
+            <a:ahLst/>
+            <a:cxnLst/>
+            <a:rect r="r" b="b" t="t" l="l"/>
+            <a:pathLst>
+              <a:path h="1207447" w="4531038">
+                <a:moveTo>
+                  <a:pt x="0" y="0"/>
+                </a:moveTo>
+                <a:lnTo>
+                  <a:pt x="4531038" y="0"/>
+                </a:lnTo>
+                <a:lnTo>
+                  <a:pt x="4531038" y="1207446"/>
+                </a:lnTo>
+                <a:lnTo>
+                  <a:pt x="0" y="1207446"/>
+                </a:lnTo>
+                <a:lnTo>
+                  <a:pt x="0" y="0"/>
+                </a:lnTo>
+                <a:close/>
+              </a:path>
+            </a:pathLst>
+          </a:custGeom>
+          <a:blipFill>
+            <a:blip r:embed="rId3"/>
+            <a:stretch>
+              <a:fillRect l="0" t="0" r="0" b="0"/>
+            </a:stretch>
+          </a:blipFill>
+        </p:spPr>
+      </p:sp>
+      <p:sp>
+        <p:nvSpPr>
+          <p:cNvPr name="Freeform 4" id="4"/>
+          <p:cNvSpPr/>
+          <p:nvPr/>
+        </p:nvSpPr>
+        <p:spPr>
+          <a:xfrm flipH="false" flipV="false" rot="0">
+            <a:off x="6620539" y="2480977"/>
+            <a:ext cx="3007664" cy="1355998"/>
+          </a:xfrm>
+          <a:custGeom>
+            <a:avLst/>
+            <a:gdLst/>
+            <a:ahLst/>
+            <a:cxnLst/>
+            <a:rect r="r" b="b" t="t" l="l"/>
+            <a:pathLst>
+              <a:path h="1355998" w="3007664">
+                <a:moveTo>
+                  <a:pt x="0" y="0"/>
+                </a:moveTo>
+                <a:lnTo>
+                  <a:pt x="3007664" y="0"/>
+                </a:lnTo>
+                <a:lnTo>
+                  <a:pt x="3007664" y="1355997"/>
+                </a:lnTo>
+                <a:lnTo>
+                  <a:pt x="0" y="1355997"/>
+                </a:lnTo>
+                <a:lnTo>
+                  <a:pt x="0" y="0"/>
+                </a:lnTo>
+                <a:close/>
+              </a:path>
+            </a:pathLst>
+          </a:custGeom>
+          <a:blipFill>
+            <a:blip r:embed="rId4"/>
+            <a:stretch>
+              <a:fillRect l="0" t="0" r="0" b="0"/>
+            </a:stretch>
+          </a:blipFill>
+        </p:spPr>
+      </p:sp>
+      <p:sp>
+        <p:nvSpPr>
+          <p:cNvPr name="Freeform 5" id="5"/>
+          <p:cNvSpPr/>
+          <p:nvPr/>
+        </p:nvSpPr>
+        <p:spPr>
+          <a:xfrm flipH="false" flipV="false" rot="0">
+            <a:off x="1046115" y="5633602"/>
+            <a:ext cx="4817402" cy="1089937"/>
+          </a:xfrm>
+          <a:custGeom>
+            <a:avLst/>
+            <a:gdLst/>
+            <a:ahLst/>
+            <a:cxnLst/>
+            <a:rect r="r" b="b" t="t" l="l"/>
+            <a:pathLst>
+              <a:path h="1089937" w="4817402">
+                <a:moveTo>
+                  <a:pt x="0" y="0"/>
+                </a:moveTo>
+                <a:lnTo>
+                  <a:pt x="4817402" y="0"/>
+                </a:lnTo>
+                <a:lnTo>
+                  <a:pt x="4817402" y="1089937"/>
+                </a:lnTo>
+                <a:lnTo>
+                  <a:pt x="0" y="1089937"/>
+                </a:lnTo>
+                <a:lnTo>
+                  <a:pt x="0" y="0"/>
+                </a:lnTo>
+                <a:close/>
+              </a:path>
+            </a:pathLst>
+          </a:custGeom>
+          <a:blipFill>
+            <a:blip r:embed="rId5"/>
+            <a:stretch>
+              <a:fillRect l="0" t="0" r="0" b="0"/>
+            </a:stretch>
+          </a:blipFill>
+        </p:spPr>
+      </p:sp>
+      <p:sp>
+        <p:nvSpPr>
+          <p:cNvPr name="Freeform 6" id="6"/>
+          <p:cNvSpPr/>
+          <p:nvPr/>
+        </p:nvSpPr>
+        <p:spPr>
+          <a:xfrm flipH="false" flipV="false" rot="0">
+            <a:off x="7119818" y="5220352"/>
+            <a:ext cx="2009106" cy="1583648"/>
+          </a:xfrm>
+          <a:custGeom>
+            <a:avLst/>
+            <a:gdLst/>
+            <a:ahLst/>
+            <a:cxnLst/>
+            <a:rect r="r" b="b" t="t" l="l"/>
+            <a:pathLst>
+              <a:path h="1583648" w="2009106">
+                <a:moveTo>
+                  <a:pt x="0" y="0"/>
+                </a:moveTo>
+                <a:lnTo>
+                  <a:pt x="2009106" y="0"/>
+                </a:lnTo>
+                <a:lnTo>
+                  <a:pt x="2009106" y="1583648"/>
+                </a:lnTo>
+                <a:lnTo>
+                  <a:pt x="0" y="1583648"/>
+                </a:lnTo>
+                <a:lnTo>
+                  <a:pt x="0" y="0"/>
+                </a:lnTo>
+                <a:close/>
+              </a:path>
+            </a:pathLst>
+          </a:custGeom>
+          <a:blipFill>
+            <a:blip r:embed="rId6"/>
+            <a:stretch>
+              <a:fillRect l="0" t="0" r="0" b="0"/>
+            </a:stretch>
+          </a:blipFill>
+        </p:spPr>
+      </p:sp>
+      <p:sp>
+        <p:nvSpPr>
+          <p:cNvPr name="TextBox 7" id="7"/>
+          <p:cNvSpPr txBox="true"/>
+          <p:nvPr/>
+        </p:nvSpPr>
+        <p:spPr>
+          <a:xfrm rot="0">
+            <a:off x="756000" y="679800"/>
+            <a:ext cx="3128861" cy="679450"/>
+          </a:xfrm>
+          <a:prstGeom prst="rect">
+            <a:avLst/>
+          </a:prstGeom>
+        </p:spPr>
+        <p:txBody>
+          <a:bodyPr anchor="t" rtlCol="false" tIns="0" lIns="0" bIns="0" rIns="0">
+            <a:spAutoFit/>
+          </a:bodyPr>
+          <a:lstStyle/>
+          <a:p>
+            <a:pPr algn="ctr">
+              <a:lnSpc>
+                <a:spcPts val="5599"/>
+              </a:lnSpc>
+            </a:pPr>
+            <a:r>
+              <a:rPr lang="en-US" sz="3999" b="true">
+                <a:solidFill>
+                  <a:srgbClr val="000000"/>
+                </a:solidFill>
+                <a:latin typeface="Canva Sans Bold"/>
+                <a:ea typeface="Canva Sans Bold"/>
+                <a:cs typeface="Canva Sans Bold"/>
+                <a:sym typeface="Canva Sans Bold"/>
+              </a:rPr>
+              <a:t>SQL Insights</a:t>
+            </a:r>
+          </a:p>
+        </p:txBody>
+      </p:sp>
+      <p:sp>
+        <p:nvSpPr>
+          <p:cNvPr name="TextBox 8" id="8"/>
+          <p:cNvSpPr txBox="true"/>
+          <p:nvPr/>
+        </p:nvSpPr>
+        <p:spPr>
+          <a:xfrm rot="0">
+            <a:off x="760763" y="1608064"/>
+            <a:ext cx="9175238" cy="905510"/>
+          </a:xfrm>
+          <a:prstGeom prst="rect">
+            <a:avLst/>
+          </a:prstGeom>
+        </p:spPr>
+        <p:txBody>
+          <a:bodyPr anchor="t" rtlCol="false" tIns="0" lIns="0" bIns="0" rIns="0">
+            <a:spAutoFit/>
+          </a:bodyPr>
+          <a:lstStyle/>
+          <a:p>
+            <a:pPr algn="l" marL="561337" indent="-280669" lvl="1">
+              <a:lnSpc>
+                <a:spcPts val="3639"/>
+              </a:lnSpc>
+              <a:buFont typeface="Arial"/>
+              <a:buChar char="•"/>
+            </a:pPr>
+            <a:r>
+              <a:rPr lang="en-US" sz="2599">
+                <a:solidFill>
+                  <a:srgbClr val="000000"/>
+                </a:solidFill>
+                <a:latin typeface="Canva Sans"/>
+                <a:ea typeface="Canva Sans"/>
+                <a:cs typeface="Canva Sans"/>
+                <a:sym typeface="Canva Sans"/>
+              </a:rPr>
+              <a:t>Fig 30 and 31 gives insight about the demand of Uber drivers at airport and city.</a:t>
+            </a:r>
+          </a:p>
+        </p:txBody>
+      </p:sp>
+      <p:sp>
+        <p:nvSpPr>
+          <p:cNvPr name="TextBox 9" id="9"/>
+          <p:cNvSpPr txBox="true"/>
+          <p:nvPr/>
+        </p:nvSpPr>
+        <p:spPr>
+          <a:xfrm rot="0">
+            <a:off x="3048032" y="3831472"/>
+            <a:ext cx="813569" cy="372745"/>
+          </a:xfrm>
+          <a:prstGeom prst="rect">
+            <a:avLst/>
+          </a:prstGeom>
+        </p:spPr>
+        <p:txBody>
+          <a:bodyPr anchor="t" rtlCol="false" tIns="0" lIns="0" bIns="0" rIns="0">
+            <a:spAutoFit/>
+          </a:bodyPr>
+          <a:lstStyle/>
+          <a:p>
+            <a:pPr algn="ctr">
+              <a:lnSpc>
+                <a:spcPts val="3079"/>
+              </a:lnSpc>
+            </a:pPr>
+            <a:r>
+              <a:rPr lang="en-US" sz="2199">
+                <a:solidFill>
+                  <a:srgbClr val="000000"/>
+                </a:solidFill>
+                <a:latin typeface="Canva Sans"/>
+                <a:ea typeface="Canva Sans"/>
+                <a:cs typeface="Canva Sans"/>
+                <a:sym typeface="Canva Sans"/>
+              </a:rPr>
+              <a:t>Fig 30</a:t>
+            </a:r>
+          </a:p>
+        </p:txBody>
+      </p:sp>
+      <p:sp>
+        <p:nvSpPr>
+          <p:cNvPr name="TextBox 10" id="10"/>
+          <p:cNvSpPr txBox="true"/>
+          <p:nvPr/>
+        </p:nvSpPr>
+        <p:spPr>
+          <a:xfrm rot="0">
+            <a:off x="7720451" y="3831472"/>
+            <a:ext cx="766093" cy="372745"/>
+          </a:xfrm>
+          <a:prstGeom prst="rect">
+            <a:avLst/>
+          </a:prstGeom>
+        </p:spPr>
+        <p:txBody>
+          <a:bodyPr anchor="t" rtlCol="false" tIns="0" lIns="0" bIns="0" rIns="0">
+            <a:spAutoFit/>
+          </a:bodyPr>
+          <a:lstStyle/>
+          <a:p>
+            <a:pPr algn="ctr">
+              <a:lnSpc>
+                <a:spcPts val="3079"/>
+              </a:lnSpc>
+            </a:pPr>
+            <a:r>
+              <a:rPr lang="en-US" sz="2199">
+                <a:solidFill>
+                  <a:srgbClr val="000000"/>
+                </a:solidFill>
+                <a:latin typeface="Canva Sans"/>
+                <a:ea typeface="Canva Sans"/>
+                <a:cs typeface="Canva Sans"/>
+                <a:sym typeface="Canva Sans"/>
+              </a:rPr>
+              <a:t>Fig 31</a:t>
+            </a:r>
+          </a:p>
+        </p:txBody>
+      </p:sp>
+      <p:sp>
+        <p:nvSpPr>
+          <p:cNvPr name="TextBox 11" id="11"/>
+          <p:cNvSpPr txBox="true"/>
+          <p:nvPr/>
+        </p:nvSpPr>
+        <p:spPr>
+          <a:xfrm rot="0">
+            <a:off x="771545" y="4423292"/>
+            <a:ext cx="9175238" cy="905510"/>
+          </a:xfrm>
+          <a:prstGeom prst="rect">
+            <a:avLst/>
+          </a:prstGeom>
+        </p:spPr>
+        <p:txBody>
+          <a:bodyPr anchor="t" rtlCol="false" tIns="0" lIns="0" bIns="0" rIns="0">
+            <a:spAutoFit/>
+          </a:bodyPr>
+          <a:lstStyle/>
+          <a:p>
+            <a:pPr algn="l" marL="561337" indent="-280669" lvl="1">
+              <a:lnSpc>
+                <a:spcPts val="3639"/>
+              </a:lnSpc>
+              <a:buFont typeface="Arial"/>
+              <a:buChar char="•"/>
+            </a:pPr>
+            <a:r>
+              <a:rPr lang="en-US" sz="2599">
+                <a:solidFill>
+                  <a:srgbClr val="000000"/>
+                </a:solidFill>
+                <a:latin typeface="Canva Sans"/>
+                <a:ea typeface="Canva Sans"/>
+                <a:cs typeface="Canva Sans"/>
+                <a:sym typeface="Canva Sans"/>
+              </a:rPr>
+              <a:t>Fig 32 and 33 gives insight about the demand of Uber driver wrt day category.</a:t>
+            </a:r>
+          </a:p>
+        </p:txBody>
+      </p:sp>
+      <p:sp>
+        <p:nvSpPr>
+          <p:cNvPr name="TextBox 12" id="12"/>
+          <p:cNvSpPr txBox="true"/>
+          <p:nvPr/>
+        </p:nvSpPr>
+        <p:spPr>
+          <a:xfrm rot="0">
+            <a:off x="3069426" y="6990075"/>
+            <a:ext cx="770781" cy="372745"/>
+          </a:xfrm>
+          <a:prstGeom prst="rect">
+            <a:avLst/>
+          </a:prstGeom>
+        </p:spPr>
+        <p:txBody>
+          <a:bodyPr anchor="t" rtlCol="false" tIns="0" lIns="0" bIns="0" rIns="0">
+            <a:spAutoFit/>
+          </a:bodyPr>
+          <a:lstStyle/>
+          <a:p>
+            <a:pPr algn="ctr">
+              <a:lnSpc>
+                <a:spcPts val="3079"/>
+              </a:lnSpc>
+            </a:pPr>
+            <a:r>
+              <a:rPr lang="en-US" sz="2199">
+                <a:solidFill>
+                  <a:srgbClr val="000000"/>
+                </a:solidFill>
+                <a:latin typeface="Canva Sans"/>
+                <a:ea typeface="Canva Sans"/>
+                <a:cs typeface="Canva Sans"/>
+                <a:sym typeface="Canva Sans"/>
+              </a:rPr>
+              <a:t>Fig 32</a:t>
+            </a:r>
+          </a:p>
+        </p:txBody>
+      </p:sp>
+      <p:sp>
+        <p:nvSpPr>
+          <p:cNvPr name="TextBox 13" id="13"/>
+          <p:cNvSpPr txBox="true"/>
+          <p:nvPr/>
+        </p:nvSpPr>
+        <p:spPr>
+          <a:xfrm rot="0">
+            <a:off x="7734627" y="7026562"/>
+            <a:ext cx="779487" cy="372745"/>
+          </a:xfrm>
+          <a:prstGeom prst="rect">
+            <a:avLst/>
+          </a:prstGeom>
+        </p:spPr>
+        <p:txBody>
+          <a:bodyPr anchor="t" rtlCol="false" tIns="0" lIns="0" bIns="0" rIns="0">
+            <a:spAutoFit/>
+          </a:bodyPr>
+          <a:lstStyle/>
+          <a:p>
+            <a:pPr algn="ctr">
+              <a:lnSpc>
+                <a:spcPts val="3079"/>
+              </a:lnSpc>
+            </a:pPr>
+            <a:r>
+              <a:rPr lang="en-US" sz="2199">
+                <a:solidFill>
+                  <a:srgbClr val="000000"/>
+                </a:solidFill>
+                <a:latin typeface="Canva Sans"/>
+                <a:ea typeface="Canva Sans"/>
+                <a:cs typeface="Canva Sans"/>
+                <a:sym typeface="Canva Sans"/>
+              </a:rPr>
+              <a:t>Fig 33</a:t>
+            </a:r>
+          </a:p>
+        </p:txBody>
+      </p:sp>
+    </p:spTree>
+  </p:cSld>
+  <p:clrMapOvr>
+    <a:masterClrMapping/>
+  </p:clrMapOvr>
+</p:sld>
+</file>
+
+<file path=ppt/slides/slide21.xml><?xml version="1.0" encoding="utf-8"?>
+<p:sld xmlns:p="http://schemas.openxmlformats.org/presentationml/2006/main" xmlns:a="http://schemas.openxmlformats.org/drawingml/2006/main" xmlns:r="http://schemas.openxmlformats.org/officeDocument/2006/relationships">
+  <p:cSld>
+    <p:spTree>
+      <p:nvGrpSpPr>
+        <p:cNvPr id="1" name=""/>
+        <p:cNvGrpSpPr/>
+        <p:nvPr/>
+      </p:nvGrpSpPr>
+      <p:grpSpPr>
+        <a:xfrm>
+          <a:off x="0" y="0"/>
+          <a:ext cx="0" cy="0"/>
+          <a:chOff x="0" y="0"/>
+          <a:chExt cx="0" cy="0"/>
+        </a:xfrm>
+      </p:grpSpPr>
+      <p:sp>
+        <p:nvSpPr>
+          <p:cNvPr name="Freeform 2" id="2"/>
+          <p:cNvSpPr/>
+          <p:nvPr/>
+        </p:nvSpPr>
+        <p:spPr>
+          <a:xfrm flipH="false" flipV="false" rot="0">
+            <a:off x="3961623" y="812795"/>
+            <a:ext cx="667426" cy="546455"/>
+          </a:xfrm>
+          <a:custGeom>
+            <a:avLst/>
+            <a:gdLst/>
+            <a:ahLst/>
+            <a:cxnLst/>
+            <a:rect r="r" b="b" t="t" l="l"/>
+            <a:pathLst>
+              <a:path h="546455" w="667426">
+                <a:moveTo>
+                  <a:pt x="0" y="0"/>
+                </a:moveTo>
+                <a:lnTo>
+                  <a:pt x="667426" y="0"/>
+                </a:lnTo>
+                <a:lnTo>
+                  <a:pt x="667426" y="546455"/>
+                </a:lnTo>
+                <a:lnTo>
+                  <a:pt x="0" y="546455"/>
+                </a:lnTo>
+                <a:lnTo>
+                  <a:pt x="0" y="0"/>
+                </a:lnTo>
+                <a:close/>
+              </a:path>
+            </a:pathLst>
+          </a:custGeom>
+          <a:blipFill>
+            <a:blip r:embed="rId2"/>
+            <a:stretch>
+              <a:fillRect l="0" t="0" r="0" b="0"/>
+            </a:stretch>
+          </a:blipFill>
+        </p:spPr>
+      </p:sp>
+      <p:sp>
+        <p:nvSpPr>
+          <p:cNvPr name="Freeform 3" id="3"/>
+          <p:cNvSpPr/>
+          <p:nvPr/>
+        </p:nvSpPr>
+        <p:spPr>
+          <a:xfrm flipH="false" flipV="false" rot="0">
+            <a:off x="6829735" y="2440376"/>
+            <a:ext cx="2589272" cy="1339624"/>
+          </a:xfrm>
+          <a:custGeom>
+            <a:avLst/>
+            <a:gdLst/>
+            <a:ahLst/>
+            <a:cxnLst/>
+            <a:rect r="r" b="b" t="t" l="l"/>
+            <a:pathLst>
+              <a:path h="1339624" w="2589272">
+                <a:moveTo>
+                  <a:pt x="0" y="0"/>
+                </a:moveTo>
+                <a:lnTo>
+                  <a:pt x="2589272" y="0"/>
+                </a:lnTo>
+                <a:lnTo>
+                  <a:pt x="2589272" y="1339624"/>
+                </a:lnTo>
+                <a:lnTo>
+                  <a:pt x="0" y="1339624"/>
+                </a:lnTo>
+                <a:lnTo>
+                  <a:pt x="0" y="0"/>
+                </a:lnTo>
+                <a:close/>
+              </a:path>
+            </a:pathLst>
+          </a:custGeom>
+          <a:blipFill>
+            <a:blip r:embed="rId3"/>
+            <a:stretch>
+              <a:fillRect l="0" t="0" r="0" b="0"/>
+            </a:stretch>
+          </a:blipFill>
+        </p:spPr>
+      </p:sp>
+      <p:sp>
+        <p:nvSpPr>
+          <p:cNvPr name="Freeform 4" id="4"/>
+          <p:cNvSpPr/>
+          <p:nvPr/>
+        </p:nvSpPr>
+        <p:spPr>
+          <a:xfrm flipH="false" flipV="false" rot="0">
+            <a:off x="7275535" y="5138723"/>
+            <a:ext cx="1938149" cy="1889452"/>
+          </a:xfrm>
+          <a:custGeom>
+            <a:avLst/>
+            <a:gdLst/>
+            <a:ahLst/>
+            <a:cxnLst/>
+            <a:rect r="r" b="b" t="t" l="l"/>
+            <a:pathLst>
+              <a:path h="1889452" w="1938149">
+                <a:moveTo>
+                  <a:pt x="0" y="0"/>
+                </a:moveTo>
+                <a:lnTo>
+                  <a:pt x="1938149" y="0"/>
+                </a:lnTo>
+                <a:lnTo>
+                  <a:pt x="1938149" y="1889452"/>
+                </a:lnTo>
+                <a:lnTo>
+                  <a:pt x="0" y="1889452"/>
+                </a:lnTo>
+                <a:lnTo>
+                  <a:pt x="0" y="0"/>
+                </a:lnTo>
+                <a:close/>
+              </a:path>
+            </a:pathLst>
+          </a:custGeom>
+          <a:blipFill>
+            <a:blip r:embed="rId4"/>
+            <a:stretch>
+              <a:fillRect l="0" t="0" r="0" b="0"/>
+            </a:stretch>
+          </a:blipFill>
+        </p:spPr>
+      </p:sp>
+      <p:sp>
+        <p:nvSpPr>
+          <p:cNvPr name="Freeform 5" id="5"/>
+          <p:cNvSpPr/>
+          <p:nvPr/>
+        </p:nvSpPr>
+        <p:spPr>
+          <a:xfrm flipH="false" flipV="false" rot="0">
+            <a:off x="2107815" y="2561957"/>
+            <a:ext cx="2694003" cy="1307615"/>
+          </a:xfrm>
+          <a:custGeom>
+            <a:avLst/>
+            <a:gdLst/>
+            <a:ahLst/>
+            <a:cxnLst/>
+            <a:rect r="r" b="b" t="t" l="l"/>
+            <a:pathLst>
+              <a:path h="1307615" w="2694003">
+                <a:moveTo>
+                  <a:pt x="0" y="0"/>
+                </a:moveTo>
+                <a:lnTo>
+                  <a:pt x="2694002" y="0"/>
+                </a:lnTo>
+                <a:lnTo>
+                  <a:pt x="2694002" y="1307615"/>
+                </a:lnTo>
+                <a:lnTo>
+                  <a:pt x="0" y="1307615"/>
+                </a:lnTo>
+                <a:lnTo>
+                  <a:pt x="0" y="0"/>
+                </a:lnTo>
+                <a:close/>
+              </a:path>
+            </a:pathLst>
+          </a:custGeom>
+          <a:blipFill>
+            <a:blip r:embed="rId5"/>
+            <a:stretch>
+              <a:fillRect l="0" t="0" r="0" b="0"/>
+            </a:stretch>
+          </a:blipFill>
+        </p:spPr>
+      </p:sp>
+      <p:sp>
+        <p:nvSpPr>
+          <p:cNvPr name="Freeform 6" id="6"/>
+          <p:cNvSpPr/>
+          <p:nvPr/>
+        </p:nvSpPr>
+        <p:spPr>
+          <a:xfrm flipH="false" flipV="false" rot="0">
+            <a:off x="1803008" y="5468211"/>
+            <a:ext cx="3303616" cy="1420555"/>
+          </a:xfrm>
+          <a:custGeom>
+            <a:avLst/>
+            <a:gdLst/>
+            <a:ahLst/>
+            <a:cxnLst/>
+            <a:rect r="r" b="b" t="t" l="l"/>
+            <a:pathLst>
+              <a:path h="1420555" w="3303616">
+                <a:moveTo>
+                  <a:pt x="0" y="0"/>
+                </a:moveTo>
+                <a:lnTo>
+                  <a:pt x="3303616" y="0"/>
+                </a:lnTo>
+                <a:lnTo>
+                  <a:pt x="3303616" y="1420555"/>
+                </a:lnTo>
+                <a:lnTo>
+                  <a:pt x="0" y="1420555"/>
+                </a:lnTo>
+                <a:lnTo>
+                  <a:pt x="0" y="0"/>
+                </a:lnTo>
+                <a:close/>
+              </a:path>
+            </a:pathLst>
+          </a:custGeom>
+          <a:blipFill>
+            <a:blip r:embed="rId6"/>
+            <a:stretch>
+              <a:fillRect l="0" t="0" r="0" b="0"/>
+            </a:stretch>
+          </a:blipFill>
+        </p:spPr>
+      </p:sp>
+      <p:sp>
+        <p:nvSpPr>
+          <p:cNvPr name="TextBox 7" id="7"/>
+          <p:cNvSpPr txBox="true"/>
+          <p:nvPr/>
+        </p:nvSpPr>
+        <p:spPr>
+          <a:xfrm rot="0">
+            <a:off x="756000" y="679800"/>
+            <a:ext cx="3128861" cy="679450"/>
+          </a:xfrm>
+          <a:prstGeom prst="rect">
+            <a:avLst/>
+          </a:prstGeom>
+        </p:spPr>
+        <p:txBody>
+          <a:bodyPr anchor="t" rtlCol="false" tIns="0" lIns="0" bIns="0" rIns="0">
+            <a:spAutoFit/>
+          </a:bodyPr>
+          <a:lstStyle/>
+          <a:p>
+            <a:pPr algn="ctr">
+              <a:lnSpc>
+                <a:spcPts val="5599"/>
+              </a:lnSpc>
+            </a:pPr>
+            <a:r>
+              <a:rPr lang="en-US" sz="3999" b="true">
+                <a:solidFill>
+                  <a:srgbClr val="000000"/>
+                </a:solidFill>
+                <a:latin typeface="Canva Sans Bold"/>
+                <a:ea typeface="Canva Sans Bold"/>
+                <a:cs typeface="Canva Sans Bold"/>
+                <a:sym typeface="Canva Sans Bold"/>
+              </a:rPr>
+              <a:t>SQL Insights</a:t>
+            </a:r>
+          </a:p>
+        </p:txBody>
+      </p:sp>
+      <p:sp>
+        <p:nvSpPr>
+          <p:cNvPr name="TextBox 8" id="8"/>
+          <p:cNvSpPr txBox="true"/>
+          <p:nvPr/>
+        </p:nvSpPr>
+        <p:spPr>
+          <a:xfrm rot="0">
+            <a:off x="760763" y="1608064"/>
+            <a:ext cx="9175238" cy="905510"/>
+          </a:xfrm>
+          <a:prstGeom prst="rect">
+            <a:avLst/>
+          </a:prstGeom>
+        </p:spPr>
+        <p:txBody>
+          <a:bodyPr anchor="t" rtlCol="false" tIns="0" lIns="0" bIns="0" rIns="0">
+            <a:spAutoFit/>
+          </a:bodyPr>
+          <a:lstStyle/>
+          <a:p>
+            <a:pPr algn="l" marL="561337" indent="-280669" lvl="1">
+              <a:lnSpc>
+                <a:spcPts val="3639"/>
+              </a:lnSpc>
+              <a:buFont typeface="Arial"/>
+              <a:buChar char="•"/>
+            </a:pPr>
+            <a:r>
+              <a:rPr lang="en-US" sz="2599">
+                <a:solidFill>
+                  <a:srgbClr val="000000"/>
+                </a:solidFill>
+                <a:latin typeface="Canva Sans"/>
+                <a:ea typeface="Canva Sans"/>
+                <a:cs typeface="Canva Sans"/>
+                <a:sym typeface="Canva Sans"/>
+              </a:rPr>
+              <a:t>Fig 34 and 35 gives insight about the demand of Uber drivers wrt travelling distances.</a:t>
+            </a:r>
+          </a:p>
+        </p:txBody>
+      </p:sp>
+      <p:sp>
+        <p:nvSpPr>
+          <p:cNvPr name="TextBox 9" id="9"/>
+          <p:cNvSpPr txBox="true"/>
+          <p:nvPr/>
+        </p:nvSpPr>
+        <p:spPr>
+          <a:xfrm rot="0">
+            <a:off x="3061612" y="3831472"/>
+            <a:ext cx="786408" cy="372745"/>
+          </a:xfrm>
+          <a:prstGeom prst="rect">
+            <a:avLst/>
+          </a:prstGeom>
+        </p:spPr>
+        <p:txBody>
+          <a:bodyPr anchor="t" rtlCol="false" tIns="0" lIns="0" bIns="0" rIns="0">
+            <a:spAutoFit/>
+          </a:bodyPr>
+          <a:lstStyle/>
+          <a:p>
+            <a:pPr algn="ctr">
+              <a:lnSpc>
+                <a:spcPts val="3079"/>
+              </a:lnSpc>
+            </a:pPr>
+            <a:r>
+              <a:rPr lang="en-US" sz="2199">
+                <a:solidFill>
+                  <a:srgbClr val="000000"/>
+                </a:solidFill>
+                <a:latin typeface="Canva Sans"/>
+                <a:ea typeface="Canva Sans"/>
+                <a:cs typeface="Canva Sans"/>
+                <a:sym typeface="Canva Sans"/>
+              </a:rPr>
+              <a:t>Fig 34</a:t>
+            </a:r>
+          </a:p>
+        </p:txBody>
+      </p:sp>
+      <p:sp>
+        <p:nvSpPr>
+          <p:cNvPr name="TextBox 10" id="10"/>
+          <p:cNvSpPr txBox="true"/>
+          <p:nvPr/>
+        </p:nvSpPr>
+        <p:spPr>
+          <a:xfrm rot="0">
+            <a:off x="7712266" y="3831472"/>
+            <a:ext cx="782464" cy="372745"/>
+          </a:xfrm>
+          <a:prstGeom prst="rect">
+            <a:avLst/>
+          </a:prstGeom>
+        </p:spPr>
+        <p:txBody>
+          <a:bodyPr anchor="t" rtlCol="false" tIns="0" lIns="0" bIns="0" rIns="0">
+            <a:spAutoFit/>
+          </a:bodyPr>
+          <a:lstStyle/>
+          <a:p>
+            <a:pPr algn="ctr">
+              <a:lnSpc>
+                <a:spcPts val="3079"/>
+              </a:lnSpc>
+            </a:pPr>
+            <a:r>
+              <a:rPr lang="en-US" sz="2199">
+                <a:solidFill>
+                  <a:srgbClr val="000000"/>
+                </a:solidFill>
+                <a:latin typeface="Canva Sans"/>
+                <a:ea typeface="Canva Sans"/>
+                <a:cs typeface="Canva Sans"/>
+                <a:sym typeface="Canva Sans"/>
+              </a:rPr>
+              <a:t>Fig 35</a:t>
+            </a:r>
+          </a:p>
+        </p:txBody>
+      </p:sp>
+      <p:sp>
+        <p:nvSpPr>
+          <p:cNvPr name="TextBox 11" id="11"/>
+          <p:cNvSpPr txBox="true"/>
+          <p:nvPr/>
+        </p:nvSpPr>
+        <p:spPr>
+          <a:xfrm rot="0">
+            <a:off x="771545" y="4423292"/>
+            <a:ext cx="9175238" cy="905510"/>
+          </a:xfrm>
+          <a:prstGeom prst="rect">
+            <a:avLst/>
+          </a:prstGeom>
+        </p:spPr>
+        <p:txBody>
+          <a:bodyPr anchor="t" rtlCol="false" tIns="0" lIns="0" bIns="0" rIns="0">
+            <a:spAutoFit/>
+          </a:bodyPr>
+          <a:lstStyle/>
+          <a:p>
+            <a:pPr algn="l" marL="561337" indent="-280669" lvl="1">
+              <a:lnSpc>
+                <a:spcPts val="3639"/>
+              </a:lnSpc>
+              <a:buFont typeface="Arial"/>
+              <a:buChar char="•"/>
+            </a:pPr>
+            <a:r>
+              <a:rPr lang="en-US" sz="2599">
+                <a:solidFill>
+                  <a:srgbClr val="000000"/>
+                </a:solidFill>
+                <a:latin typeface="Canva Sans"/>
+                <a:ea typeface="Canva Sans"/>
+                <a:cs typeface="Canva Sans"/>
+                <a:sym typeface="Canva Sans"/>
+              </a:rPr>
+              <a:t>Fig 36 and 37 gives insight about the demand of top 10 Uber drivers at pickup points.</a:t>
+            </a:r>
+          </a:p>
+        </p:txBody>
+      </p:sp>
+      <p:sp>
+        <p:nvSpPr>
+          <p:cNvPr name="TextBox 12" id="12"/>
+          <p:cNvSpPr txBox="true"/>
+          <p:nvPr/>
+        </p:nvSpPr>
+        <p:spPr>
+          <a:xfrm rot="0">
+            <a:off x="3056292" y="6990075"/>
+            <a:ext cx="797049" cy="372745"/>
+          </a:xfrm>
+          <a:prstGeom prst="rect">
+            <a:avLst/>
+          </a:prstGeom>
+        </p:spPr>
+        <p:txBody>
+          <a:bodyPr anchor="t" rtlCol="false" tIns="0" lIns="0" bIns="0" rIns="0">
+            <a:spAutoFit/>
+          </a:bodyPr>
+          <a:lstStyle/>
+          <a:p>
+            <a:pPr algn="ctr">
+              <a:lnSpc>
+                <a:spcPts val="3079"/>
+              </a:lnSpc>
+            </a:pPr>
+            <a:r>
+              <a:rPr lang="en-US" sz="2199">
+                <a:solidFill>
+                  <a:srgbClr val="000000"/>
+                </a:solidFill>
+                <a:latin typeface="Canva Sans"/>
+                <a:ea typeface="Canva Sans"/>
+                <a:cs typeface="Canva Sans"/>
+                <a:sym typeface="Canva Sans"/>
+              </a:rPr>
+              <a:t>Fig 36</a:t>
+            </a:r>
+          </a:p>
+        </p:txBody>
+      </p:sp>
+      <p:sp>
+        <p:nvSpPr>
+          <p:cNvPr name="TextBox 13" id="13"/>
+          <p:cNvSpPr txBox="true"/>
+          <p:nvPr/>
+        </p:nvSpPr>
+        <p:spPr>
+          <a:xfrm rot="0">
+            <a:off x="7748729" y="7026562"/>
+            <a:ext cx="751284" cy="372745"/>
+          </a:xfrm>
+          <a:prstGeom prst="rect">
+            <a:avLst/>
+          </a:prstGeom>
+        </p:spPr>
+        <p:txBody>
+          <a:bodyPr anchor="t" rtlCol="false" tIns="0" lIns="0" bIns="0" rIns="0">
+            <a:spAutoFit/>
+          </a:bodyPr>
+          <a:lstStyle/>
+          <a:p>
+            <a:pPr algn="ctr">
+              <a:lnSpc>
+                <a:spcPts val="3079"/>
+              </a:lnSpc>
+            </a:pPr>
+            <a:r>
+              <a:rPr lang="en-US" sz="2199">
+                <a:solidFill>
+                  <a:srgbClr val="000000"/>
+                </a:solidFill>
+                <a:latin typeface="Canva Sans"/>
+                <a:ea typeface="Canva Sans"/>
+                <a:cs typeface="Canva Sans"/>
+                <a:sym typeface="Canva Sans"/>
+              </a:rPr>
+              <a:t>Fig 37</a:t>
+            </a:r>
+          </a:p>
+        </p:txBody>
+      </p:sp>
+    </p:spTree>
+  </p:cSld>
+  <p:clrMapOvr>
+    <a:masterClrMapping/>
+  </p:clrMapOvr>
+</p:sld>
+</file>
+
+<file path=ppt/slides/slide22.xml><?xml version="1.0" encoding="utf-8"?>
+<p:sld xmlns:p="http://schemas.openxmlformats.org/presentationml/2006/main" xmlns:a="http://schemas.openxmlformats.org/drawingml/2006/main" xmlns:r="http://schemas.openxmlformats.org/officeDocument/2006/relationships">
+  <p:cSld>
+    <p:spTree>
+      <p:nvGrpSpPr>
+        <p:cNvPr id="1" name=""/>
+        <p:cNvGrpSpPr/>
+        <p:nvPr/>
+      </p:nvGrpSpPr>
+      <p:grpSpPr>
+        <a:xfrm>
+          <a:off x="0" y="0"/>
+          <a:ext cx="0" cy="0"/>
+          <a:chOff x="0" y="0"/>
+          <a:chExt cx="0" cy="0"/>
+        </a:xfrm>
+      </p:grpSpPr>
+      <p:sp>
+        <p:nvSpPr>
+          <p:cNvPr name="Freeform 2" id="2"/>
+          <p:cNvSpPr/>
+          <p:nvPr/>
+        </p:nvSpPr>
+        <p:spPr>
+          <a:xfrm flipH="false" flipV="false" rot="0">
+            <a:off x="3961623" y="812795"/>
+            <a:ext cx="667426" cy="546455"/>
+          </a:xfrm>
+          <a:custGeom>
+            <a:avLst/>
+            <a:gdLst/>
+            <a:ahLst/>
+            <a:cxnLst/>
+            <a:rect r="r" b="b" t="t" l="l"/>
+            <a:pathLst>
+              <a:path h="546455" w="667426">
+                <a:moveTo>
+                  <a:pt x="0" y="0"/>
+                </a:moveTo>
+                <a:lnTo>
+                  <a:pt x="667426" y="0"/>
+                </a:lnTo>
+                <a:lnTo>
+                  <a:pt x="667426" y="546455"/>
+                </a:lnTo>
+                <a:lnTo>
+                  <a:pt x="0" y="546455"/>
+                </a:lnTo>
+                <a:lnTo>
+                  <a:pt x="0" y="0"/>
+                </a:lnTo>
+                <a:close/>
+              </a:path>
+            </a:pathLst>
+          </a:custGeom>
+          <a:blipFill>
+            <a:blip r:embed="rId2"/>
+            <a:stretch>
+              <a:fillRect l="0" t="0" r="0" b="0"/>
+            </a:stretch>
+          </a:blipFill>
+        </p:spPr>
+      </p:sp>
+      <p:sp>
+        <p:nvSpPr>
+          <p:cNvPr name="Freeform 3" id="3"/>
+          <p:cNvSpPr/>
+          <p:nvPr/>
+        </p:nvSpPr>
+        <p:spPr>
+          <a:xfrm flipH="false" flipV="false" rot="0">
+            <a:off x="6247184" y="2972541"/>
+            <a:ext cx="4130064" cy="521421"/>
+          </a:xfrm>
+          <a:custGeom>
+            <a:avLst/>
+            <a:gdLst/>
+            <a:ahLst/>
+            <a:cxnLst/>
+            <a:rect r="r" b="b" t="t" l="l"/>
+            <a:pathLst>
+              <a:path h="521421" w="4130064">
+                <a:moveTo>
+                  <a:pt x="0" y="0"/>
+                </a:moveTo>
+                <a:lnTo>
+                  <a:pt x="4130064" y="0"/>
+                </a:lnTo>
+                <a:lnTo>
+                  <a:pt x="4130064" y="521420"/>
+                </a:lnTo>
+                <a:lnTo>
+                  <a:pt x="0" y="521420"/>
+                </a:lnTo>
+                <a:lnTo>
+                  <a:pt x="0" y="0"/>
+                </a:lnTo>
+                <a:close/>
+              </a:path>
+            </a:pathLst>
+          </a:custGeom>
+          <a:blipFill>
+            <a:blip r:embed="rId3"/>
+            <a:stretch>
+              <a:fillRect l="0" t="0" r="0" b="0"/>
+            </a:stretch>
+          </a:blipFill>
+        </p:spPr>
+      </p:sp>
+      <p:sp>
+        <p:nvSpPr>
+          <p:cNvPr name="Freeform 4" id="4"/>
+          <p:cNvSpPr/>
+          <p:nvPr/>
+        </p:nvSpPr>
+        <p:spPr>
+          <a:xfrm flipH="false" flipV="false" rot="0">
+            <a:off x="7008727" y="5786002"/>
+            <a:ext cx="2606978" cy="812702"/>
+          </a:xfrm>
+          <a:custGeom>
+            <a:avLst/>
+            <a:gdLst/>
+            <a:ahLst/>
+            <a:cxnLst/>
+            <a:rect r="r" b="b" t="t" l="l"/>
+            <a:pathLst>
+              <a:path h="812702" w="2606978">
+                <a:moveTo>
+                  <a:pt x="0" y="0"/>
+                </a:moveTo>
+                <a:lnTo>
+                  <a:pt x="2606978" y="0"/>
+                </a:lnTo>
+                <a:lnTo>
+                  <a:pt x="2606978" y="812702"/>
+                </a:lnTo>
+                <a:lnTo>
+                  <a:pt x="0" y="812702"/>
+                </a:lnTo>
+                <a:lnTo>
+                  <a:pt x="0" y="0"/>
+                </a:lnTo>
+                <a:close/>
+              </a:path>
+            </a:pathLst>
+          </a:custGeom>
+          <a:blipFill>
+            <a:blip r:embed="rId4"/>
+            <a:stretch>
+              <a:fillRect l="0" t="0" r="0" b="0"/>
+            </a:stretch>
+          </a:blipFill>
+        </p:spPr>
+      </p:sp>
+      <p:sp>
+        <p:nvSpPr>
+          <p:cNvPr name="Freeform 5" id="5"/>
+          <p:cNvSpPr/>
+          <p:nvPr/>
+        </p:nvSpPr>
+        <p:spPr>
+          <a:xfrm flipH="false" flipV="false" rot="0">
+            <a:off x="1046115" y="2784735"/>
+            <a:ext cx="4784166" cy="897031"/>
+          </a:xfrm>
+          <a:custGeom>
+            <a:avLst/>
+            <a:gdLst/>
+            <a:ahLst/>
+            <a:cxnLst/>
+            <a:rect r="r" b="b" t="t" l="l"/>
+            <a:pathLst>
+              <a:path h="897031" w="4784166">
+                <a:moveTo>
+                  <a:pt x="0" y="0"/>
+                </a:moveTo>
+                <a:lnTo>
+                  <a:pt x="4784166" y="0"/>
+                </a:lnTo>
+                <a:lnTo>
+                  <a:pt x="4784166" y="897032"/>
+                </a:lnTo>
+                <a:lnTo>
+                  <a:pt x="0" y="897032"/>
+                </a:lnTo>
+                <a:lnTo>
+                  <a:pt x="0" y="0"/>
+                </a:lnTo>
+                <a:close/>
+              </a:path>
+            </a:pathLst>
+          </a:custGeom>
+          <a:blipFill>
+            <a:blip r:embed="rId5"/>
+            <a:stretch>
+              <a:fillRect l="0" t="0" r="0" b="0"/>
+            </a:stretch>
+          </a:blipFill>
+        </p:spPr>
+      </p:sp>
+      <p:sp>
+        <p:nvSpPr>
+          <p:cNvPr name="Freeform 6" id="6"/>
+          <p:cNvSpPr/>
+          <p:nvPr/>
+        </p:nvSpPr>
+        <p:spPr>
+          <a:xfrm flipH="false" flipV="false" rot="0">
+            <a:off x="1711184" y="5434774"/>
+            <a:ext cx="3787897" cy="1515159"/>
+          </a:xfrm>
+          <a:custGeom>
+            <a:avLst/>
+            <a:gdLst/>
+            <a:ahLst/>
+            <a:cxnLst/>
+            <a:rect r="r" b="b" t="t" l="l"/>
+            <a:pathLst>
+              <a:path h="1515159" w="3787897">
+                <a:moveTo>
+                  <a:pt x="0" y="0"/>
+                </a:moveTo>
+                <a:lnTo>
+                  <a:pt x="3787897" y="0"/>
+                </a:lnTo>
+                <a:lnTo>
+                  <a:pt x="3787897" y="1515159"/>
+                </a:lnTo>
+                <a:lnTo>
+                  <a:pt x="0" y="1515159"/>
+                </a:lnTo>
+                <a:lnTo>
+                  <a:pt x="0" y="0"/>
+                </a:lnTo>
+                <a:close/>
+              </a:path>
+            </a:pathLst>
+          </a:custGeom>
+          <a:blipFill>
+            <a:blip r:embed="rId6"/>
+            <a:stretch>
+              <a:fillRect l="0" t="0" r="0" b="0"/>
+            </a:stretch>
+          </a:blipFill>
+        </p:spPr>
+      </p:sp>
+      <p:sp>
+        <p:nvSpPr>
+          <p:cNvPr name="TextBox 7" id="7"/>
+          <p:cNvSpPr txBox="true"/>
+          <p:nvPr/>
+        </p:nvSpPr>
+        <p:spPr>
+          <a:xfrm rot="0">
+            <a:off x="756000" y="679800"/>
+            <a:ext cx="3128861" cy="679450"/>
+          </a:xfrm>
+          <a:prstGeom prst="rect">
+            <a:avLst/>
+          </a:prstGeom>
+        </p:spPr>
+        <p:txBody>
+          <a:bodyPr anchor="t" rtlCol="false" tIns="0" lIns="0" bIns="0" rIns="0">
+            <a:spAutoFit/>
+          </a:bodyPr>
+          <a:lstStyle/>
+          <a:p>
+            <a:pPr algn="ctr">
+              <a:lnSpc>
+                <a:spcPts val="5599"/>
+              </a:lnSpc>
+            </a:pPr>
+            <a:r>
+              <a:rPr lang="en-US" sz="3999" b="true">
+                <a:solidFill>
+                  <a:srgbClr val="000000"/>
+                </a:solidFill>
+                <a:latin typeface="Canva Sans Bold"/>
+                <a:ea typeface="Canva Sans Bold"/>
+                <a:cs typeface="Canva Sans Bold"/>
+                <a:sym typeface="Canva Sans Bold"/>
+              </a:rPr>
+              <a:t>SQL Insights</a:t>
+            </a:r>
+          </a:p>
+        </p:txBody>
+      </p:sp>
+      <p:sp>
+        <p:nvSpPr>
+          <p:cNvPr name="TextBox 8" id="8"/>
+          <p:cNvSpPr txBox="true"/>
+          <p:nvPr/>
+        </p:nvSpPr>
+        <p:spPr>
+          <a:xfrm rot="0">
+            <a:off x="760763" y="1608064"/>
+            <a:ext cx="9175238" cy="905510"/>
+          </a:xfrm>
+          <a:prstGeom prst="rect">
+            <a:avLst/>
+          </a:prstGeom>
+        </p:spPr>
+        <p:txBody>
+          <a:bodyPr anchor="t" rtlCol="false" tIns="0" lIns="0" bIns="0" rIns="0">
+            <a:spAutoFit/>
+          </a:bodyPr>
+          <a:lstStyle/>
+          <a:p>
+            <a:pPr algn="l" marL="561337" indent="-280669" lvl="1">
+              <a:lnSpc>
+                <a:spcPts val="3639"/>
+              </a:lnSpc>
+              <a:buFont typeface="Arial"/>
+              <a:buChar char="•"/>
+            </a:pPr>
+            <a:r>
+              <a:rPr lang="en-US" sz="2599">
+                <a:solidFill>
+                  <a:srgbClr val="000000"/>
+                </a:solidFill>
+                <a:latin typeface="Canva Sans"/>
+                <a:ea typeface="Canva Sans"/>
+                <a:cs typeface="Canva Sans"/>
+                <a:sym typeface="Canva Sans"/>
+              </a:rPr>
+              <a:t>Fig 38 and 39 gives insight about the supply and demand of Uber drivers at airport and city.</a:t>
+            </a:r>
+          </a:p>
+        </p:txBody>
+      </p:sp>
+      <p:sp>
+        <p:nvSpPr>
+          <p:cNvPr name="TextBox 9" id="9"/>
+          <p:cNvSpPr txBox="true"/>
+          <p:nvPr/>
+        </p:nvSpPr>
+        <p:spPr>
+          <a:xfrm rot="0">
+            <a:off x="3061724" y="3831472"/>
+            <a:ext cx="786185" cy="372745"/>
+          </a:xfrm>
+          <a:prstGeom prst="rect">
+            <a:avLst/>
+          </a:prstGeom>
+        </p:spPr>
+        <p:txBody>
+          <a:bodyPr anchor="t" rtlCol="false" tIns="0" lIns="0" bIns="0" rIns="0">
+            <a:spAutoFit/>
+          </a:bodyPr>
+          <a:lstStyle/>
+          <a:p>
+            <a:pPr algn="ctr">
+              <a:lnSpc>
+                <a:spcPts val="3079"/>
+              </a:lnSpc>
+            </a:pPr>
+            <a:r>
+              <a:rPr lang="en-US" sz="2199">
+                <a:solidFill>
+                  <a:srgbClr val="000000"/>
+                </a:solidFill>
+                <a:latin typeface="Canva Sans"/>
+                <a:ea typeface="Canva Sans"/>
+                <a:cs typeface="Canva Sans"/>
+                <a:sym typeface="Canva Sans"/>
+              </a:rPr>
+              <a:t>Fig 38</a:t>
+            </a:r>
+          </a:p>
+        </p:txBody>
+      </p:sp>
+      <p:sp>
+        <p:nvSpPr>
+          <p:cNvPr name="TextBox 10" id="10"/>
+          <p:cNvSpPr txBox="true"/>
+          <p:nvPr/>
+        </p:nvSpPr>
+        <p:spPr>
+          <a:xfrm rot="0">
+            <a:off x="7705011" y="3831472"/>
+            <a:ext cx="796975" cy="372745"/>
+          </a:xfrm>
+          <a:prstGeom prst="rect">
+            <a:avLst/>
+          </a:prstGeom>
+        </p:spPr>
+        <p:txBody>
+          <a:bodyPr anchor="t" rtlCol="false" tIns="0" lIns="0" bIns="0" rIns="0">
+            <a:spAutoFit/>
+          </a:bodyPr>
+          <a:lstStyle/>
+          <a:p>
+            <a:pPr algn="ctr">
+              <a:lnSpc>
+                <a:spcPts val="3079"/>
+              </a:lnSpc>
+            </a:pPr>
+            <a:r>
+              <a:rPr lang="en-US" sz="2199">
+                <a:solidFill>
+                  <a:srgbClr val="000000"/>
+                </a:solidFill>
+                <a:latin typeface="Canva Sans"/>
+                <a:ea typeface="Canva Sans"/>
+                <a:cs typeface="Canva Sans"/>
+                <a:sym typeface="Canva Sans"/>
+              </a:rPr>
+              <a:t>Fig 39</a:t>
+            </a:r>
+          </a:p>
+        </p:txBody>
+      </p:sp>
+      <p:sp>
+        <p:nvSpPr>
+          <p:cNvPr name="TextBox 11" id="11"/>
+          <p:cNvSpPr txBox="true"/>
+          <p:nvPr/>
+        </p:nvSpPr>
+        <p:spPr>
+          <a:xfrm rot="0">
+            <a:off x="771545" y="4423292"/>
+            <a:ext cx="9175238" cy="905510"/>
+          </a:xfrm>
+          <a:prstGeom prst="rect">
+            <a:avLst/>
+          </a:prstGeom>
+        </p:spPr>
+        <p:txBody>
+          <a:bodyPr anchor="t" rtlCol="false" tIns="0" lIns="0" bIns="0" rIns="0">
+            <a:spAutoFit/>
+          </a:bodyPr>
+          <a:lstStyle/>
+          <a:p>
+            <a:pPr algn="l" marL="561337" indent="-280669" lvl="1">
+              <a:lnSpc>
+                <a:spcPts val="3639"/>
+              </a:lnSpc>
+              <a:buFont typeface="Arial"/>
+              <a:buChar char="•"/>
+            </a:pPr>
+            <a:r>
+              <a:rPr lang="en-US" sz="2599">
+                <a:solidFill>
+                  <a:srgbClr val="000000"/>
+                </a:solidFill>
+                <a:latin typeface="Canva Sans"/>
+                <a:ea typeface="Canva Sans"/>
+                <a:cs typeface="Canva Sans"/>
+                <a:sym typeface="Canva Sans"/>
+              </a:rPr>
+              <a:t>Fig 40 and 41 gives insight about the demand of Uber drivers wrt distance travelled.</a:t>
+            </a:r>
+          </a:p>
+        </p:txBody>
+      </p:sp>
+      <p:sp>
+        <p:nvSpPr>
+          <p:cNvPr name="TextBox 12" id="12"/>
+          <p:cNvSpPr txBox="true"/>
+          <p:nvPr/>
+        </p:nvSpPr>
+        <p:spPr>
+          <a:xfrm rot="0">
+            <a:off x="3044534" y="6990075"/>
+            <a:ext cx="820564" cy="372745"/>
+          </a:xfrm>
+          <a:prstGeom prst="rect">
+            <a:avLst/>
+          </a:prstGeom>
+        </p:spPr>
+        <p:txBody>
+          <a:bodyPr anchor="t" rtlCol="false" tIns="0" lIns="0" bIns="0" rIns="0">
+            <a:spAutoFit/>
+          </a:bodyPr>
+          <a:lstStyle/>
+          <a:p>
+            <a:pPr algn="ctr">
+              <a:lnSpc>
+                <a:spcPts val="3079"/>
+              </a:lnSpc>
+            </a:pPr>
+            <a:r>
+              <a:rPr lang="en-US" sz="2199">
+                <a:solidFill>
+                  <a:srgbClr val="000000"/>
+                </a:solidFill>
+                <a:latin typeface="Canva Sans"/>
+                <a:ea typeface="Canva Sans"/>
+                <a:cs typeface="Canva Sans"/>
+                <a:sym typeface="Canva Sans"/>
+              </a:rPr>
+              <a:t>Fig 40</a:t>
+            </a:r>
+          </a:p>
+        </p:txBody>
+      </p:sp>
+      <p:sp>
+        <p:nvSpPr>
+          <p:cNvPr name="TextBox 13" id="13"/>
+          <p:cNvSpPr txBox="true"/>
+          <p:nvPr/>
+        </p:nvSpPr>
+        <p:spPr>
+          <a:xfrm rot="0">
+            <a:off x="7739539" y="7026562"/>
+            <a:ext cx="769665" cy="372745"/>
+          </a:xfrm>
+          <a:prstGeom prst="rect">
+            <a:avLst/>
+          </a:prstGeom>
+        </p:spPr>
+        <p:txBody>
+          <a:bodyPr anchor="t" rtlCol="false" tIns="0" lIns="0" bIns="0" rIns="0">
+            <a:spAutoFit/>
+          </a:bodyPr>
+          <a:lstStyle/>
+          <a:p>
+            <a:pPr algn="ctr">
+              <a:lnSpc>
+                <a:spcPts val="3079"/>
+              </a:lnSpc>
+            </a:pPr>
+            <a:r>
+              <a:rPr lang="en-US" sz="2199">
+                <a:solidFill>
+                  <a:srgbClr val="000000"/>
+                </a:solidFill>
+                <a:latin typeface="Canva Sans"/>
+                <a:ea typeface="Canva Sans"/>
+                <a:cs typeface="Canva Sans"/>
+                <a:sym typeface="Canva Sans"/>
+              </a:rPr>
+              <a:t>Fig 41</a:t>
+            </a:r>
+          </a:p>
+        </p:txBody>
+      </p:sp>
+    </p:spTree>
+  </p:cSld>
+  <p:clrMapOvr>
+    <a:masterClrMapping/>
+  </p:clrMapOvr>
+</p:sld>
+</file>
+
+<file path=ppt/slides/slide23.xml><?xml version="1.0" encoding="utf-8"?>
+<p:sld xmlns:p="http://schemas.openxmlformats.org/presentationml/2006/main" xmlns:a="http://schemas.openxmlformats.org/drawingml/2006/main">
+  <p:cSld>
+    <p:spTree>
+      <p:nvGrpSpPr>
+        <p:cNvPr id="1" name=""/>
+        <p:cNvGrpSpPr/>
+        <p:nvPr/>
+      </p:nvGrpSpPr>
+      <p:grpSpPr>
+        <a:xfrm>
+          <a:off x="0" y="0"/>
+          <a:ext cx="0" cy="0"/>
+          <a:chOff x="0" y="0"/>
+          <a:chExt cx="0" cy="0"/>
+        </a:xfrm>
+      </p:grpSpPr>
+      <p:sp>
+        <p:nvSpPr>
+          <p:cNvPr name="TextBox 2" id="2"/>
+          <p:cNvSpPr txBox="true"/>
+          <p:nvPr/>
+        </p:nvSpPr>
+        <p:spPr>
+          <a:xfrm rot="0">
+            <a:off x="756000" y="679800"/>
+            <a:ext cx="2101602" cy="679450"/>
+          </a:xfrm>
+          <a:prstGeom prst="rect">
+            <a:avLst/>
+          </a:prstGeom>
+        </p:spPr>
+        <p:txBody>
+          <a:bodyPr anchor="t" rtlCol="false" tIns="0" lIns="0" bIns="0" rIns="0">
+            <a:spAutoFit/>
+          </a:bodyPr>
+          <a:lstStyle/>
+          <a:p>
+            <a:pPr algn="ctr">
+              <a:lnSpc>
+                <a:spcPts val="5599"/>
+              </a:lnSpc>
+            </a:pPr>
+            <a:r>
+              <a:rPr lang="en-US" sz="3999" b="true">
+                <a:solidFill>
+                  <a:srgbClr val="000000"/>
+                </a:solidFill>
+                <a:latin typeface="Canva Sans Bold"/>
+                <a:ea typeface="Canva Sans Bold"/>
+                <a:cs typeface="Canva Sans Bold"/>
+                <a:sym typeface="Canva Sans Bold"/>
+              </a:rPr>
+              <a:t>Solution</a:t>
+            </a:r>
+          </a:p>
+        </p:txBody>
+      </p:sp>
+      <p:sp>
+        <p:nvSpPr>
+          <p:cNvPr name="TextBox 3" id="3"/>
+          <p:cNvSpPr txBox="true"/>
+          <p:nvPr/>
+        </p:nvSpPr>
+        <p:spPr>
+          <a:xfrm rot="0">
+            <a:off x="760763" y="1608064"/>
+            <a:ext cx="9180000" cy="4563110"/>
+          </a:xfrm>
+          <a:prstGeom prst="rect">
+            <a:avLst/>
+          </a:prstGeom>
+        </p:spPr>
+        <p:txBody>
+          <a:bodyPr anchor="t" rtlCol="false" tIns="0" lIns="0" bIns="0" rIns="0">
+            <a:spAutoFit/>
+          </a:bodyPr>
+          <a:lstStyle/>
+          <a:p>
+            <a:pPr algn="l" marL="561337" indent="-280669" lvl="1">
+              <a:lnSpc>
+                <a:spcPts val="3639"/>
+              </a:lnSpc>
+              <a:buFont typeface="Arial"/>
+              <a:buChar char="•"/>
+            </a:pPr>
+            <a:r>
+              <a:rPr lang="en-US" sz="2599">
+                <a:solidFill>
+                  <a:srgbClr val="000000"/>
+                </a:solidFill>
+                <a:latin typeface="Canva Sans"/>
+                <a:ea typeface="Canva Sans"/>
+                <a:cs typeface="Canva Sans"/>
+                <a:sym typeface="Canva Sans"/>
+              </a:rPr>
+              <a:t>Deploying more drivers at airport can reduce trip cancellation and increase the availability of cars.</a:t>
+            </a:r>
+          </a:p>
+          <a:p>
+            <a:pPr algn="l" marL="561337" indent="-280669" lvl="1">
+              <a:lnSpc>
+                <a:spcPts val="3639"/>
+              </a:lnSpc>
+              <a:buFont typeface="Arial"/>
+              <a:buChar char="•"/>
+            </a:pPr>
+            <a:r>
+              <a:rPr lang="en-US" sz="2599">
+                <a:solidFill>
+                  <a:srgbClr val="000000"/>
+                </a:solidFill>
+                <a:latin typeface="Canva Sans"/>
+                <a:ea typeface="Canva Sans"/>
+                <a:cs typeface="Canva Sans"/>
+                <a:sym typeface="Canva Sans"/>
+              </a:rPr>
+              <a:t>Provide coupons for clients who travel more often and median of travel time.</a:t>
+            </a:r>
+          </a:p>
+          <a:p>
+            <a:pPr algn="l" marL="561337" indent="-280669" lvl="1">
+              <a:lnSpc>
+                <a:spcPts val="3639"/>
+              </a:lnSpc>
+              <a:buFont typeface="Arial"/>
+              <a:buChar char="•"/>
+            </a:pPr>
+            <a:r>
+              <a:rPr lang="en-US" sz="2599">
+                <a:solidFill>
+                  <a:srgbClr val="000000"/>
+                </a:solidFill>
+                <a:latin typeface="Canva Sans"/>
+                <a:ea typeface="Canva Sans"/>
+                <a:cs typeface="Canva Sans"/>
+                <a:sym typeface="Canva Sans"/>
+              </a:rPr>
+              <a:t>Give incentive for drivers who are working during the peak hours.</a:t>
+            </a:r>
+          </a:p>
+          <a:p>
+            <a:pPr algn="l" marL="561337" indent="-280669" lvl="1">
+              <a:lnSpc>
+                <a:spcPts val="3639"/>
+              </a:lnSpc>
+              <a:buFont typeface="Arial"/>
+              <a:buChar char="•"/>
+            </a:pPr>
+            <a:r>
+              <a:rPr lang="en-US" sz="2599">
+                <a:solidFill>
+                  <a:srgbClr val="000000"/>
+                </a:solidFill>
+                <a:latin typeface="Canva Sans"/>
+                <a:ea typeface="Canva Sans"/>
+                <a:cs typeface="Canva Sans"/>
+                <a:sym typeface="Canva Sans"/>
+              </a:rPr>
+              <a:t>Implement cancellation charges(during peak hours) to reduce the number of cancellations.</a:t>
+            </a:r>
+          </a:p>
+          <a:p>
+            <a:pPr algn="l" marL="561337" indent="-280669" lvl="1">
+              <a:lnSpc>
+                <a:spcPts val="3639"/>
+              </a:lnSpc>
+              <a:buFont typeface="Arial"/>
+              <a:buChar char="•"/>
+            </a:pPr>
+            <a:r>
+              <a:rPr lang="en-US" sz="2599">
+                <a:solidFill>
+                  <a:srgbClr val="000000"/>
+                </a:solidFill>
+                <a:latin typeface="Canva Sans"/>
+                <a:ea typeface="Canva Sans"/>
+                <a:cs typeface="Canva Sans"/>
+                <a:sym typeface="Canva Sans"/>
+              </a:rPr>
+              <a:t>Providing incentive for night rides can likely increase number of drivers. </a:t>
+            </a:r>
+          </a:p>
+        </p:txBody>
+      </p:sp>
+    </p:spTree>
+  </p:cSld>
+  <p:clrMapOvr>
+    <a:masterClrMapping/>
+  </p:clrMapOvr>
+</p:sld>
+</file>
+
+<file path=ppt/slides/slide24.xml><?xml version="1.0" encoding="utf-8"?>
+<p:sld xmlns:p="http://schemas.openxmlformats.org/presentationml/2006/main" xmlns:a="http://schemas.openxmlformats.org/drawingml/2006/main">
+  <p:cSld>
+    <p:spTree>
+      <p:nvGrpSpPr>
+        <p:cNvPr id="1" name=""/>
+        <p:cNvGrpSpPr/>
+        <p:nvPr/>
+      </p:nvGrpSpPr>
+      <p:grpSpPr>
+        <a:xfrm>
+          <a:off x="0" y="0"/>
+          <a:ext cx="0" cy="0"/>
+          <a:chOff x="0" y="0"/>
+          <a:chExt cx="0" cy="0"/>
+        </a:xfrm>
+      </p:grpSpPr>
+      <p:sp>
+        <p:nvSpPr>
+          <p:cNvPr name="TextBox 2" id="2"/>
+          <p:cNvSpPr txBox="true"/>
+          <p:nvPr/>
+        </p:nvSpPr>
+        <p:spPr>
+          <a:xfrm rot="0">
+            <a:off x="760763" y="679800"/>
+            <a:ext cx="2787923" cy="679450"/>
+          </a:xfrm>
+          <a:prstGeom prst="rect">
+            <a:avLst/>
+          </a:prstGeom>
+        </p:spPr>
+        <p:txBody>
+          <a:bodyPr anchor="t" rtlCol="false" tIns="0" lIns="0" bIns="0" rIns="0">
+            <a:spAutoFit/>
+          </a:bodyPr>
+          <a:lstStyle/>
+          <a:p>
+            <a:pPr algn="ctr">
+              <a:lnSpc>
+                <a:spcPts val="5599"/>
+              </a:lnSpc>
+            </a:pPr>
+            <a:r>
+              <a:rPr lang="en-US" sz="3999" b="true">
+                <a:solidFill>
+                  <a:srgbClr val="000000"/>
+                </a:solidFill>
+                <a:latin typeface="Canva Sans Bold"/>
+                <a:ea typeface="Canva Sans Bold"/>
+                <a:cs typeface="Canva Sans Bold"/>
+                <a:sym typeface="Canva Sans Bold"/>
+              </a:rPr>
+              <a:t>Conclusion</a:t>
+            </a:r>
+          </a:p>
+        </p:txBody>
+      </p:sp>
+      <p:sp>
+        <p:nvSpPr>
+          <p:cNvPr name="TextBox 3" id="3"/>
+          <p:cNvSpPr txBox="true"/>
+          <p:nvPr/>
+        </p:nvSpPr>
+        <p:spPr>
+          <a:xfrm rot="0">
+            <a:off x="760763" y="1608064"/>
+            <a:ext cx="9180000" cy="4105910"/>
+          </a:xfrm>
+          <a:prstGeom prst="rect">
+            <a:avLst/>
+          </a:prstGeom>
+        </p:spPr>
+        <p:txBody>
+          <a:bodyPr anchor="t" rtlCol="false" tIns="0" lIns="0" bIns="0" rIns="0">
+            <a:spAutoFit/>
+          </a:bodyPr>
+          <a:lstStyle/>
+          <a:p>
+            <a:pPr algn="l" marL="561337" indent="-280669" lvl="1">
+              <a:lnSpc>
+                <a:spcPts val="3639"/>
+              </a:lnSpc>
+              <a:buFont typeface="Arial"/>
+              <a:buChar char="•"/>
+            </a:pPr>
+            <a:r>
+              <a:rPr lang="en-US" sz="2599">
+                <a:solidFill>
+                  <a:srgbClr val="000000"/>
+                </a:solidFill>
+                <a:latin typeface="Canva Sans"/>
+                <a:ea typeface="Canva Sans"/>
+                <a:cs typeface="Canva Sans"/>
+                <a:sym typeface="Canva Sans"/>
+              </a:rPr>
+              <a:t>The goal was to understand Uber ride pattern using real time data.</a:t>
+            </a:r>
+          </a:p>
+          <a:p>
+            <a:pPr algn="l" marL="561337" indent="-280669" lvl="1">
+              <a:lnSpc>
+                <a:spcPts val="3639"/>
+              </a:lnSpc>
+              <a:buFont typeface="Arial"/>
+              <a:buChar char="•"/>
+            </a:pPr>
+            <a:r>
+              <a:rPr lang="en-US" sz="2599">
+                <a:solidFill>
+                  <a:srgbClr val="000000"/>
+                </a:solidFill>
+                <a:latin typeface="Canva Sans"/>
+                <a:ea typeface="Canva Sans"/>
+                <a:cs typeface="Canva Sans"/>
+                <a:sym typeface="Canva Sans"/>
+              </a:rPr>
+              <a:t>Cleaned and transformed data using Excel.</a:t>
+            </a:r>
+          </a:p>
+          <a:p>
+            <a:pPr algn="l" marL="561337" indent="-280669" lvl="1">
+              <a:lnSpc>
+                <a:spcPts val="3639"/>
+              </a:lnSpc>
+              <a:buFont typeface="Arial"/>
+              <a:buChar char="•"/>
+            </a:pPr>
+            <a:r>
+              <a:rPr lang="en-US" sz="2599">
+                <a:solidFill>
+                  <a:srgbClr val="000000"/>
+                </a:solidFill>
+                <a:latin typeface="Canva Sans"/>
+                <a:ea typeface="Canva Sans"/>
+                <a:cs typeface="Canva Sans"/>
+                <a:sym typeface="Canva Sans"/>
+              </a:rPr>
+              <a:t>Performed EDA in Colab.</a:t>
+            </a:r>
+          </a:p>
+          <a:p>
+            <a:pPr algn="l" marL="561337" indent="-280669" lvl="1">
+              <a:lnSpc>
+                <a:spcPts val="3639"/>
+              </a:lnSpc>
+              <a:buFont typeface="Arial"/>
+              <a:buChar char="•"/>
+            </a:pPr>
+            <a:r>
+              <a:rPr lang="en-US" sz="2599">
+                <a:solidFill>
+                  <a:srgbClr val="000000"/>
+                </a:solidFill>
+                <a:latin typeface="Canva Sans"/>
+                <a:ea typeface="Canva Sans"/>
+                <a:cs typeface="Canva Sans"/>
+                <a:sym typeface="Canva Sans"/>
+              </a:rPr>
+              <a:t>Found insights using SQL via VS Code.</a:t>
+            </a:r>
+          </a:p>
+          <a:p>
+            <a:pPr algn="l" marL="561337" indent="-280669" lvl="1">
+              <a:lnSpc>
+                <a:spcPts val="3639"/>
+              </a:lnSpc>
+              <a:buFont typeface="Arial"/>
+              <a:buChar char="•"/>
+            </a:pPr>
+            <a:r>
+              <a:rPr lang="en-US" sz="2599">
+                <a:solidFill>
+                  <a:srgbClr val="000000"/>
+                </a:solidFill>
+                <a:latin typeface="Canva Sans"/>
+                <a:ea typeface="Canva Sans"/>
+                <a:cs typeface="Canva Sans"/>
+                <a:sym typeface="Canva Sans"/>
+              </a:rPr>
+              <a:t>Built pivot tables, dashboards in Excel and visualizations in Colab.</a:t>
+            </a:r>
+          </a:p>
+          <a:p>
+            <a:pPr algn="l" marL="561337" indent="-280669" lvl="1">
+              <a:lnSpc>
+                <a:spcPts val="3639"/>
+              </a:lnSpc>
+              <a:buFont typeface="Arial"/>
+              <a:buChar char="•"/>
+            </a:pPr>
+            <a:r>
+              <a:rPr lang="en-US" sz="2599">
+                <a:solidFill>
+                  <a:srgbClr val="000000"/>
+                </a:solidFill>
+                <a:latin typeface="Canva Sans"/>
+                <a:ea typeface="Canva Sans"/>
+                <a:cs typeface="Canva Sans"/>
+                <a:sym typeface="Canva Sans"/>
+              </a:rPr>
+              <a:t>Delivered key solutions which will help Uber to increase business.</a:t>
+            </a:r>
+          </a:p>
+        </p:txBody>
+      </p:sp>
+    </p:spTree>
+  </p:cSld>
+  <p:clrMapOvr>
+    <a:masterClrMapping/>
+  </p:clrMapOvr>
+</p:sld>
+</file>
+
 <file path=ppt/slides/slide3.xml><?xml version="1.0" encoding="utf-8"?>
 <p:sld xmlns:p="http://schemas.openxmlformats.org/presentationml/2006/main" xmlns:a="http://schemas.openxmlformats.org/drawingml/2006/main">
   <p:cSld>
@@ -5385,7 +10557,7 @@
                 <a:cs typeface="Canva Sans"/>
                 <a:sym typeface="Canva Sans"/>
               </a:rPr>
-              <a:t>Fig 1 shows the count of types of distance travelled.</a:t>
+              <a:t>Fig 1 shows the supply of uber for the distance travelled.</a:t>
             </a:r>
           </a:p>
         </p:txBody>
@@ -5469,7 +10641,7 @@
                 <a:cs typeface="Canva Sans"/>
                 <a:sym typeface="Canva Sans"/>
               </a:rPr>
-              <a:t>Fig 2 shows count of bookings per the time of day.</a:t>
+              <a:t>Fig 2 shows demand of uber at pickup points by day category.</a:t>
             </a:r>
           </a:p>
         </p:txBody>
@@ -5763,7 +10935,7 @@
                 <a:cs typeface="Canva Sans"/>
                 <a:sym typeface="Canva Sans"/>
               </a:rPr>
-              <a:t>Fig 3 shows count of total bookings per the type of day.</a:t>
+              <a:t>Fig 3 shows the demand of total bookings per the type of day.</a:t>
             </a:r>
           </a:p>
         </p:txBody>
@@ -5847,7 +11019,7 @@
                 <a:cs typeface="Canva Sans"/>
                 <a:sym typeface="Canva Sans"/>
               </a:rPr>
-              <a:t>Fig 4 shows count of booking status from pickup location.</a:t>
+              <a:t>Fig 4 shows supply of booking status from pickup location.</a:t>
             </a:r>
           </a:p>
         </p:txBody>
@@ -6019,8 +11191,8 @@
         </p:nvSpPr>
         <p:spPr>
           <a:xfrm flipH="false" flipV="false" rot="0">
-            <a:off x="1346549" y="2875524"/>
-            <a:ext cx="8008428" cy="3775499"/>
+            <a:off x="756000" y="3351058"/>
+            <a:ext cx="4360646" cy="2618280"/>
           </a:xfrm>
           <a:custGeom>
             <a:avLst/>
@@ -6029,18 +11201,18 @@
             <a:cxnLst/>
             <a:rect r="r" b="b" t="t" l="l"/>
             <a:pathLst>
-              <a:path h="3775499" w="8008428">
+              <a:path h="2618280" w="4360646">
                 <a:moveTo>
                   <a:pt x="0" y="0"/>
                 </a:moveTo>
                 <a:lnTo>
-                  <a:pt x="8008427" y="0"/>
-                </a:lnTo>
-                <a:lnTo>
-                  <a:pt x="8008427" y="3775499"/>
-                </a:lnTo>
-                <a:lnTo>
-                  <a:pt x="0" y="3775499"/>
+                  <a:pt x="4360646" y="0"/>
+                </a:lnTo>
+                <a:lnTo>
+                  <a:pt x="4360646" y="2618280"/>
+                </a:lnTo>
+                <a:lnTo>
+                  <a:pt x="0" y="2618280"/>
                 </a:lnTo>
                 <a:lnTo>
                   <a:pt x="0" y="0"/>
@@ -6052,21 +11224,67 @@
           <a:blipFill>
             <a:blip r:embed="rId4"/>
             <a:stretch>
-              <a:fillRect l="0" t="0" r="0" b="0"/>
+              <a:fillRect l="0" t="-1780" r="0" b="-1780"/>
             </a:stretch>
           </a:blipFill>
         </p:spPr>
       </p:sp>
       <p:sp>
         <p:nvSpPr>
-          <p:cNvPr name="TextBox 4" id="4"/>
+          <p:cNvPr name="Freeform 4" id="4"/>
+          <p:cNvSpPr/>
+          <p:nvPr/>
+        </p:nvSpPr>
+        <p:spPr>
+          <a:xfrm flipH="false" flipV="false" rot="0">
+            <a:off x="5720921" y="3351058"/>
+            <a:ext cx="4215079" cy="2618280"/>
+          </a:xfrm>
+          <a:custGeom>
+            <a:avLst/>
+            <a:gdLst/>
+            <a:ahLst/>
+            <a:cxnLst/>
+            <a:rect r="r" b="b" t="t" l="l"/>
+            <a:pathLst>
+              <a:path h="2618280" w="4215079">
+                <a:moveTo>
+                  <a:pt x="0" y="0"/>
+                </a:moveTo>
+                <a:lnTo>
+                  <a:pt x="4215079" y="0"/>
+                </a:lnTo>
+                <a:lnTo>
+                  <a:pt x="4215079" y="2618280"/>
+                </a:lnTo>
+                <a:lnTo>
+                  <a:pt x="0" y="2618280"/>
+                </a:lnTo>
+                <a:lnTo>
+                  <a:pt x="0" y="0"/>
+                </a:lnTo>
+                <a:close/>
+              </a:path>
+            </a:pathLst>
+          </a:custGeom>
+          <a:blipFill>
+            <a:blip r:embed="rId5"/>
+            <a:stretch>
+              <a:fillRect l="0" t="-52" r="0" b="-52"/>
+            </a:stretch>
+          </a:blipFill>
+        </p:spPr>
+      </p:sp>
+      <p:sp>
+        <p:nvSpPr>
+          <p:cNvPr name="TextBox 5" id="5"/>
           <p:cNvSpPr txBox="true"/>
           <p:nvPr/>
         </p:nvSpPr>
         <p:spPr>
           <a:xfrm rot="0">
             <a:off x="760763" y="1608064"/>
-            <a:ext cx="9175238" cy="905510"/>
+            <a:ext cx="4585237" cy="1362710"/>
           </a:xfrm>
           <a:prstGeom prst="rect">
             <a:avLst/>
@@ -6095,14 +11313,14 @@
                 <a:cs typeface="Canva Sans"/>
                 <a:sym typeface="Canva Sans"/>
               </a:rPr>
-              <a:t>Fig 5 shows the total no. of rides by the drivers assigned with the driver id.</a:t>
-            </a:r>
-          </a:p>
-        </p:txBody>
-      </p:sp>
-      <p:sp>
-        <p:nvSpPr>
-          <p:cNvPr name="TextBox 5" id="5"/>
+              <a:t>Fig 5 shows supply percentage of drivers from pickup point.</a:t>
+            </a:r>
+          </a:p>
+        </p:txBody>
+      </p:sp>
+      <p:sp>
+        <p:nvSpPr>
+          <p:cNvPr name="TextBox 6" id="6"/>
           <p:cNvSpPr txBox="true"/>
           <p:nvPr/>
         </p:nvSpPr>
@@ -6143,14 +11361,14 @@
       </p:sp>
       <p:sp>
         <p:nvSpPr>
-          <p:cNvPr name="TextBox 6" id="6"/>
+          <p:cNvPr name="TextBox 7" id="7"/>
           <p:cNvSpPr txBox="true"/>
           <p:nvPr/>
         </p:nvSpPr>
         <p:spPr>
           <a:xfrm rot="0">
-            <a:off x="5035768" y="6765900"/>
-            <a:ext cx="620464" cy="372745"/>
+            <a:off x="5350763" y="1608064"/>
+            <a:ext cx="4585237" cy="1362710"/>
           </a:xfrm>
           <a:prstGeom prst="rect">
             <a:avLst/>
@@ -6162,13 +11380,15 @@
           </a:bodyPr>
           <a:lstStyle/>
           <a:p>
-            <a:pPr algn="ctr">
-              <a:lnSpc>
-                <a:spcPts val="3079"/>
-              </a:lnSpc>
-            </a:pPr>
-            <a:r>
-              <a:rPr lang="en-US" sz="2199">
+            <a:pPr algn="l" marL="561337" indent="-280669" lvl="1">
+              <a:lnSpc>
+                <a:spcPts val="3639"/>
+              </a:lnSpc>
+              <a:buFont typeface="Arial"/>
+              <a:buChar char="•"/>
+            </a:pPr>
+            <a:r>
+              <a:rPr lang="en-US" sz="2599">
                 <a:solidFill>
                   <a:srgbClr val="000000"/>
                 </a:solidFill>
@@ -6177,7 +11397,89 @@
                 <a:cs typeface="Canva Sans"/>
                 <a:sym typeface="Canva Sans"/>
               </a:rPr>
+              <a:t>Fig 6 shows count of supply of drivers from pickup point</a:t>
+            </a:r>
+          </a:p>
+        </p:txBody>
+      </p:sp>
+      <p:sp>
+        <p:nvSpPr>
+          <p:cNvPr name="TextBox 8" id="8"/>
+          <p:cNvSpPr txBox="true"/>
+          <p:nvPr/>
+        </p:nvSpPr>
+        <p:spPr>
+          <a:xfrm rot="0">
+            <a:off x="2743149" y="6312238"/>
+            <a:ext cx="620464" cy="372745"/>
+          </a:xfrm>
+          <a:prstGeom prst="rect">
+            <a:avLst/>
+          </a:prstGeom>
+        </p:spPr>
+        <p:txBody>
+          <a:bodyPr anchor="t" rtlCol="false" tIns="0" lIns="0" bIns="0" rIns="0">
+            <a:spAutoFit/>
+          </a:bodyPr>
+          <a:lstStyle/>
+          <a:p>
+            <a:pPr algn="ctr">
+              <a:lnSpc>
+                <a:spcPts val="3079"/>
+              </a:lnSpc>
+            </a:pPr>
+            <a:r>
+              <a:rPr lang="en-US" sz="2199">
+                <a:solidFill>
+                  <a:srgbClr val="000000"/>
+                </a:solidFill>
+                <a:latin typeface="Canva Sans"/>
+                <a:ea typeface="Canva Sans"/>
+                <a:cs typeface="Canva Sans"/>
+                <a:sym typeface="Canva Sans"/>
+              </a:rPr>
               <a:t>Fig 5</a:t>
+            </a:r>
+          </a:p>
+        </p:txBody>
+      </p:sp>
+      <p:sp>
+        <p:nvSpPr>
+          <p:cNvPr name="TextBox 9" id="9"/>
+          <p:cNvSpPr txBox="true"/>
+          <p:nvPr/>
+        </p:nvSpPr>
+        <p:spPr>
+          <a:xfrm rot="0">
+            <a:off x="7510936" y="6312238"/>
+            <a:ext cx="635050" cy="372745"/>
+          </a:xfrm>
+          <a:prstGeom prst="rect">
+            <a:avLst/>
+          </a:prstGeom>
+        </p:spPr>
+        <p:txBody>
+          <a:bodyPr anchor="t" rtlCol="false" tIns="0" lIns="0" bIns="0" rIns="0">
+            <a:spAutoFit/>
+          </a:bodyPr>
+          <a:lstStyle/>
+          <a:p>
+            <a:pPr algn="ctr">
+              <a:lnSpc>
+                <a:spcPts val="3079"/>
+              </a:lnSpc>
+            </a:pPr>
+            <a:r>
+              <a:rPr lang="en-US" sz="2199">
+                <a:solidFill>
+                  <a:srgbClr val="000000"/>
+                </a:solidFill>
+                <a:latin typeface="Canva Sans"/>
+                <a:ea typeface="Canva Sans"/>
+                <a:cs typeface="Canva Sans"/>
+                <a:sym typeface="Canva Sans"/>
+              </a:rPr>
+              <a:t>Fig 6</a:t>
             </a:r>
           </a:p>
         </p:txBody>
@@ -6215,8 +11517,8 @@
         </p:nvSpPr>
         <p:spPr>
           <a:xfrm flipH="false" flipV="false" rot="0">
-            <a:off x="760763" y="3150983"/>
-            <a:ext cx="3977190" cy="3653783"/>
+            <a:off x="3863665" y="825581"/>
+            <a:ext cx="459935" cy="568460"/>
           </a:xfrm>
           <a:custGeom>
             <a:avLst/>
@@ -6225,18 +11527,18 @@
             <a:cxnLst/>
             <a:rect r="r" b="b" t="t" l="l"/>
             <a:pathLst>
-              <a:path h="3653783" w="3977190">
+              <a:path h="568460" w="459935">
                 <a:moveTo>
                   <a:pt x="0" y="0"/>
                 </a:moveTo>
                 <a:lnTo>
-                  <a:pt x="3977189" y="0"/>
-                </a:lnTo>
-                <a:lnTo>
-                  <a:pt x="3977189" y="3653783"/>
-                </a:lnTo>
-                <a:lnTo>
-                  <a:pt x="0" y="3653783"/>
+                  <a:pt x="459935" y="0"/>
+                </a:lnTo>
+                <a:lnTo>
+                  <a:pt x="459935" y="568460"/>
+                </a:lnTo>
+                <a:lnTo>
+                  <a:pt x="0" y="568460"/>
                 </a:lnTo>
                 <a:lnTo>
                   <a:pt x="0" y="0"/>
@@ -6246,265 +11548,10 @@
             </a:pathLst>
           </a:custGeom>
           <a:blipFill>
-            <a:blip r:embed="rId2"/>
-            <a:stretch>
-              <a:fillRect l="-284" t="0" r="-284" b="-713"/>
-            </a:stretch>
-          </a:blipFill>
-        </p:spPr>
-      </p:sp>
-      <p:sp>
-        <p:nvSpPr>
-          <p:cNvPr name="TextBox 3" id="3"/>
-          <p:cNvSpPr txBox="true"/>
-          <p:nvPr/>
-        </p:nvSpPr>
-        <p:spPr>
-          <a:xfrm rot="0">
-            <a:off x="760763" y="1608064"/>
-            <a:ext cx="4585237" cy="1362710"/>
-          </a:xfrm>
-          <a:prstGeom prst="rect">
-            <a:avLst/>
-          </a:prstGeom>
-        </p:spPr>
-        <p:txBody>
-          <a:bodyPr anchor="t" rtlCol="false" tIns="0" lIns="0" bIns="0" rIns="0">
-            <a:spAutoFit/>
-          </a:bodyPr>
-          <a:lstStyle/>
-          <a:p>
-            <a:pPr algn="l" marL="561337" indent="-280669" lvl="1">
-              <a:lnSpc>
-                <a:spcPts val="3639"/>
-              </a:lnSpc>
-              <a:buFont typeface="Arial"/>
-              <a:buChar char="•"/>
-            </a:pPr>
-            <a:r>
-              <a:rPr lang="en-US" sz="2599">
-                <a:solidFill>
-                  <a:srgbClr val="000000"/>
-                </a:solidFill>
-                <a:latin typeface="Canva Sans"/>
-                <a:ea typeface="Canva Sans"/>
-                <a:cs typeface="Canva Sans"/>
-                <a:sym typeface="Canva Sans"/>
-              </a:rPr>
-              <a:t>Fig 6 shows average travel time segregated by day category.</a:t>
-            </a:r>
-          </a:p>
-        </p:txBody>
-      </p:sp>
-      <p:sp>
-        <p:nvSpPr>
-          <p:cNvPr name="TextBox 4" id="4"/>
-          <p:cNvSpPr txBox="true"/>
-          <p:nvPr/>
-        </p:nvSpPr>
-        <p:spPr>
-          <a:xfrm rot="0">
-            <a:off x="756000" y="679800"/>
-            <a:ext cx="8546400" cy="679450"/>
-          </a:xfrm>
-          <a:prstGeom prst="rect">
-            <a:avLst/>
-          </a:prstGeom>
-        </p:spPr>
-        <p:txBody>
-          <a:bodyPr anchor="t" rtlCol="false" tIns="0" lIns="0" bIns="0" rIns="0">
-            <a:spAutoFit/>
-          </a:bodyPr>
-          <a:lstStyle/>
-          <a:p>
-            <a:pPr algn="ctr">
-              <a:lnSpc>
-                <a:spcPts val="5599"/>
-              </a:lnSpc>
-            </a:pPr>
-            <a:r>
-              <a:rPr lang="en-US" sz="3999" b="true">
-                <a:solidFill>
-                  <a:srgbClr val="000000"/>
-                </a:solidFill>
-                <a:latin typeface="Canva Sans Bold"/>
-                <a:ea typeface="Canva Sans Bold"/>
-                <a:cs typeface="Canva Sans Bold"/>
-                <a:sym typeface="Canva Sans Bold"/>
-              </a:rPr>
-              <a:t>Exploratory Data Analysis in Colab</a:t>
-            </a:r>
-          </a:p>
-        </p:txBody>
-      </p:sp>
-      <p:sp>
-        <p:nvSpPr>
-          <p:cNvPr name="TextBox 5" id="5"/>
-          <p:cNvSpPr txBox="true"/>
-          <p:nvPr/>
-        </p:nvSpPr>
-        <p:spPr>
-          <a:xfrm rot="0">
-            <a:off x="5350763" y="1608064"/>
-            <a:ext cx="4585237" cy="1362710"/>
-          </a:xfrm>
-          <a:prstGeom prst="rect">
-            <a:avLst/>
-          </a:prstGeom>
-        </p:spPr>
-        <p:txBody>
-          <a:bodyPr anchor="t" rtlCol="false" tIns="0" lIns="0" bIns="0" rIns="0">
-            <a:spAutoFit/>
-          </a:bodyPr>
-          <a:lstStyle/>
-          <a:p>
-            <a:pPr algn="l" marL="561337" indent="-280669" lvl="1">
-              <a:lnSpc>
-                <a:spcPts val="3639"/>
-              </a:lnSpc>
-              <a:buFont typeface="Arial"/>
-              <a:buChar char="•"/>
-            </a:pPr>
-            <a:r>
-              <a:rPr lang="en-US" sz="2599">
-                <a:solidFill>
-                  <a:srgbClr val="000000"/>
-                </a:solidFill>
-                <a:latin typeface="Canva Sans"/>
-                <a:ea typeface="Canva Sans"/>
-                <a:cs typeface="Canva Sans"/>
-                <a:sym typeface="Canva Sans"/>
-              </a:rPr>
-              <a:t>Fig 7 shows heatmap values for pickup point and day category.</a:t>
-            </a:r>
-          </a:p>
-        </p:txBody>
-      </p:sp>
-      <p:sp>
-        <p:nvSpPr>
-          <p:cNvPr name="TextBox 6" id="6"/>
-          <p:cNvSpPr txBox="true"/>
-          <p:nvPr/>
-        </p:nvSpPr>
-        <p:spPr>
-          <a:xfrm rot="0">
-            <a:off x="2723080" y="6946875"/>
-            <a:ext cx="635050" cy="372745"/>
-          </a:xfrm>
-          <a:prstGeom prst="rect">
-            <a:avLst/>
-          </a:prstGeom>
-        </p:spPr>
-        <p:txBody>
-          <a:bodyPr anchor="t" rtlCol="false" tIns="0" lIns="0" bIns="0" rIns="0">
-            <a:spAutoFit/>
-          </a:bodyPr>
-          <a:lstStyle/>
-          <a:p>
-            <a:pPr algn="ctr">
-              <a:lnSpc>
-                <a:spcPts val="3079"/>
-              </a:lnSpc>
-            </a:pPr>
-            <a:r>
-              <a:rPr lang="en-US" sz="2199">
-                <a:solidFill>
-                  <a:srgbClr val="000000"/>
-                </a:solidFill>
-                <a:latin typeface="Canva Sans"/>
-                <a:ea typeface="Canva Sans"/>
-                <a:cs typeface="Canva Sans"/>
-                <a:sym typeface="Canva Sans"/>
-              </a:rPr>
-              <a:t>Fig 6</a:t>
-            </a:r>
-          </a:p>
-        </p:txBody>
-      </p:sp>
-      <p:sp>
-        <p:nvSpPr>
-          <p:cNvPr name="TextBox 7" id="7"/>
-          <p:cNvSpPr txBox="true"/>
-          <p:nvPr/>
-        </p:nvSpPr>
-        <p:spPr>
-          <a:xfrm rot="0">
-            <a:off x="7516256" y="6312238"/>
-            <a:ext cx="624408" cy="372745"/>
-          </a:xfrm>
-          <a:prstGeom prst="rect">
-            <a:avLst/>
-          </a:prstGeom>
-        </p:spPr>
-        <p:txBody>
-          <a:bodyPr anchor="t" rtlCol="false" tIns="0" lIns="0" bIns="0" rIns="0">
-            <a:spAutoFit/>
-          </a:bodyPr>
-          <a:lstStyle/>
-          <a:p>
-            <a:pPr algn="ctr">
-              <a:lnSpc>
-                <a:spcPts val="3079"/>
-              </a:lnSpc>
-            </a:pPr>
-            <a:r>
-              <a:rPr lang="en-US" sz="2199">
-                <a:solidFill>
-                  <a:srgbClr val="000000"/>
-                </a:solidFill>
-                <a:latin typeface="Canva Sans"/>
-                <a:ea typeface="Canva Sans"/>
-                <a:cs typeface="Canva Sans"/>
-                <a:sym typeface="Canva Sans"/>
-              </a:rPr>
-              <a:t>Fig 4</a:t>
-            </a:r>
-          </a:p>
-        </p:txBody>
-      </p:sp>
-      <p:sp>
-        <p:nvSpPr>
-          <p:cNvPr name="Freeform 8" id="8"/>
-          <p:cNvSpPr/>
-          <p:nvPr/>
-        </p:nvSpPr>
-        <p:spPr>
-          <a:xfrm flipH="false" flipV="false" rot="0">
-            <a:off x="9394011" y="788109"/>
-            <a:ext cx="541989" cy="539033"/>
-          </a:xfrm>
-          <a:custGeom>
-            <a:avLst/>
-            <a:gdLst/>
-            <a:ahLst/>
-            <a:cxnLst/>
-            <a:rect r="r" b="b" t="t" l="l"/>
-            <a:pathLst>
-              <a:path h="539033" w="541989">
-                <a:moveTo>
-                  <a:pt x="0" y="0"/>
-                </a:moveTo>
-                <a:lnTo>
-                  <a:pt x="541989" y="0"/>
-                </a:lnTo>
-                <a:lnTo>
-                  <a:pt x="541989" y="539032"/>
-                </a:lnTo>
-                <a:lnTo>
-                  <a:pt x="0" y="539032"/>
-                </a:lnTo>
-                <a:lnTo>
-                  <a:pt x="0" y="0"/>
-                </a:lnTo>
-                <a:close/>
-              </a:path>
-            </a:pathLst>
-          </a:custGeom>
-          <a:blipFill>
-            <a:blip r:embed="rId3">
+            <a:blip r:embed="rId2">
               <a:extLst>
                 <a:ext uri="{96DAC541-7B7A-43D3-8B79-37D633B846F1}">
-                  <asvg:svgBlip xmlns:asvg="http://schemas.microsoft.com/office/drawing/2016/SVG/main" r:embed="rId4"/>
+                  <asvg:svgBlip xmlns:asvg="http://schemas.microsoft.com/office/drawing/2016/SVG/main" r:embed="rId3"/>
                 </a:ext>
               </a:extLst>
             </a:blip>
@@ -6516,14 +11563,14 @@
       </p:sp>
       <p:sp>
         <p:nvSpPr>
-          <p:cNvPr name="Freeform 9" id="9"/>
+          <p:cNvPr name="Freeform 3" id="3"/>
           <p:cNvSpPr/>
           <p:nvPr/>
         </p:nvSpPr>
         <p:spPr>
           <a:xfrm flipH="false" flipV="false" rot="0">
-            <a:off x="4878810" y="3150983"/>
-            <a:ext cx="5057190" cy="3653783"/>
+            <a:off x="149523" y="3780000"/>
+            <a:ext cx="4994877" cy="2354789"/>
           </a:xfrm>
           <a:custGeom>
             <a:avLst/>
@@ -6532,18 +11579,64 @@
             <a:cxnLst/>
             <a:rect r="r" b="b" t="t" l="l"/>
             <a:pathLst>
-              <a:path h="3653783" w="5057190">
+              <a:path h="2354789" w="4994877">
                 <a:moveTo>
                   <a:pt x="0" y="0"/>
                 </a:moveTo>
                 <a:lnTo>
-                  <a:pt x="5057190" y="0"/>
-                </a:lnTo>
-                <a:lnTo>
-                  <a:pt x="5057190" y="3653783"/>
-                </a:lnTo>
-                <a:lnTo>
-                  <a:pt x="0" y="3653783"/>
+                  <a:pt x="4994877" y="0"/>
+                </a:lnTo>
+                <a:lnTo>
+                  <a:pt x="4994877" y="2354789"/>
+                </a:lnTo>
+                <a:lnTo>
+                  <a:pt x="0" y="2354789"/>
+                </a:lnTo>
+                <a:lnTo>
+                  <a:pt x="0" y="0"/>
+                </a:lnTo>
+                <a:close/>
+              </a:path>
+            </a:pathLst>
+          </a:custGeom>
+          <a:blipFill>
+            <a:blip r:embed="rId4"/>
+            <a:stretch>
+              <a:fillRect l="0" t="0" r="0" b="0"/>
+            </a:stretch>
+          </a:blipFill>
+        </p:spPr>
+      </p:sp>
+      <p:sp>
+        <p:nvSpPr>
+          <p:cNvPr name="Freeform 4" id="4"/>
+          <p:cNvSpPr/>
+          <p:nvPr/>
+        </p:nvSpPr>
+        <p:spPr>
+          <a:xfrm flipH="false" flipV="false" rot="0">
+            <a:off x="5346000" y="3431121"/>
+            <a:ext cx="4945277" cy="2703668"/>
+          </a:xfrm>
+          <a:custGeom>
+            <a:avLst/>
+            <a:gdLst/>
+            <a:ahLst/>
+            <a:cxnLst/>
+            <a:rect r="r" b="b" t="t" l="l"/>
+            <a:pathLst>
+              <a:path h="2703668" w="4945277">
+                <a:moveTo>
+                  <a:pt x="0" y="0"/>
+                </a:moveTo>
+                <a:lnTo>
+                  <a:pt x="4945277" y="0"/>
+                </a:lnTo>
+                <a:lnTo>
+                  <a:pt x="4945277" y="2703668"/>
+                </a:lnTo>
+                <a:lnTo>
+                  <a:pt x="0" y="2703668"/>
                 </a:lnTo>
                 <a:lnTo>
                   <a:pt x="0" y="0"/>
@@ -6555,21 +11648,21 @@
           <a:blipFill>
             <a:blip r:embed="rId5"/>
             <a:stretch>
-              <a:fillRect l="-763" t="-334" r="0" b="-334"/>
+              <a:fillRect l="0" t="0" r="0" b="0"/>
             </a:stretch>
           </a:blipFill>
         </p:spPr>
       </p:sp>
       <p:sp>
         <p:nvSpPr>
-          <p:cNvPr name="TextBox 10" id="10"/>
+          <p:cNvPr name="TextBox 5" id="5"/>
           <p:cNvSpPr txBox="true"/>
           <p:nvPr/>
         </p:nvSpPr>
         <p:spPr>
           <a:xfrm rot="0">
-            <a:off x="7219679" y="6946875"/>
-            <a:ext cx="593154" cy="372745"/>
+            <a:off x="760763" y="714591"/>
+            <a:ext cx="2970461" cy="679450"/>
           </a:xfrm>
           <a:prstGeom prst="rect">
             <a:avLst/>
@@ -6583,11 +11676,54 @@
           <a:p>
             <a:pPr algn="ctr">
               <a:lnSpc>
-                <a:spcPts val="3079"/>
-              </a:lnSpc>
-            </a:pPr>
-            <a:r>
-              <a:rPr lang="en-US" sz="2199">
+                <a:spcPts val="5599"/>
+              </a:lnSpc>
+            </a:pPr>
+            <a:r>
+              <a:rPr lang="en-US" sz="3999" b="true">
+                <a:solidFill>
+                  <a:srgbClr val="000000"/>
+                </a:solidFill>
+                <a:latin typeface="Canva Sans Bold"/>
+                <a:ea typeface="Canva Sans Bold"/>
+                <a:cs typeface="Canva Sans Bold"/>
+                <a:sym typeface="Canva Sans Bold"/>
+              </a:rPr>
+              <a:t>Dashboards</a:t>
+            </a:r>
+          </a:p>
+        </p:txBody>
+      </p:sp>
+      <p:sp>
+        <p:nvSpPr>
+          <p:cNvPr name="TextBox 6" id="6"/>
+          <p:cNvSpPr txBox="true"/>
+          <p:nvPr/>
+        </p:nvSpPr>
+        <p:spPr>
+          <a:xfrm rot="0">
+            <a:off x="760763" y="1608064"/>
+            <a:ext cx="4585237" cy="905510"/>
+          </a:xfrm>
+          <a:prstGeom prst="rect">
+            <a:avLst/>
+          </a:prstGeom>
+        </p:spPr>
+        <p:txBody>
+          <a:bodyPr anchor="t" rtlCol="false" tIns="0" lIns="0" bIns="0" rIns="0">
+            <a:spAutoFit/>
+          </a:bodyPr>
+          <a:lstStyle/>
+          <a:p>
+            <a:pPr algn="l" marL="561337" indent="-280669" lvl="1">
+              <a:lnSpc>
+                <a:spcPts val="3639"/>
+              </a:lnSpc>
+              <a:buFont typeface="Arial"/>
+              <a:buChar char="•"/>
+            </a:pPr>
+            <a:r>
+              <a:rPr lang="en-US" sz="2599">
                 <a:solidFill>
                   <a:srgbClr val="000000"/>
                 </a:solidFill>
@@ -6596,7 +11732,132 @@
                 <a:cs typeface="Canva Sans"/>
                 <a:sym typeface="Canva Sans"/>
               </a:rPr>
+              <a:t>Fig 7 shows supply of rides wrt driver id.</a:t>
+            </a:r>
+          </a:p>
+        </p:txBody>
+      </p:sp>
+      <p:sp>
+        <p:nvSpPr>
+          <p:cNvPr name="TextBox 7" id="7"/>
+          <p:cNvSpPr txBox="true"/>
+          <p:nvPr/>
+        </p:nvSpPr>
+        <p:spPr>
+          <a:xfrm rot="0">
+            <a:off x="5350763" y="1608064"/>
+            <a:ext cx="4585237" cy="1362710"/>
+          </a:xfrm>
+          <a:prstGeom prst="rect">
+            <a:avLst/>
+          </a:prstGeom>
+        </p:spPr>
+        <p:txBody>
+          <a:bodyPr anchor="t" rtlCol="false" tIns="0" lIns="0" bIns="0" rIns="0">
+            <a:spAutoFit/>
+          </a:bodyPr>
+          <a:lstStyle/>
+          <a:p>
+            <a:pPr algn="l" marL="561337" indent="-280669" lvl="1">
+              <a:lnSpc>
+                <a:spcPts val="3639"/>
+              </a:lnSpc>
+              <a:buFont typeface="Arial"/>
+              <a:buChar char="•"/>
+            </a:pPr>
+            <a:r>
+              <a:rPr lang="en-US" sz="2599">
+                <a:solidFill>
+                  <a:srgbClr val="000000"/>
+                </a:solidFill>
+                <a:latin typeface="Canva Sans"/>
+                <a:ea typeface="Canva Sans"/>
+                <a:cs typeface="Canva Sans"/>
+                <a:sym typeface="Canva Sans"/>
+              </a:rPr>
+              <a:t>Fig 8 shows supply of booking status from pickup location.</a:t>
+            </a:r>
+          </a:p>
+        </p:txBody>
+      </p:sp>
+      <p:sp>
+        <p:nvSpPr>
+          <p:cNvPr name="TextBox 8" id="8"/>
+          <p:cNvSpPr txBox="true"/>
+          <p:nvPr/>
+        </p:nvSpPr>
+        <p:spPr>
+          <a:xfrm rot="0">
+            <a:off x="2756804" y="6312238"/>
+            <a:ext cx="593154" cy="372745"/>
+          </a:xfrm>
+          <a:prstGeom prst="rect">
+            <a:avLst/>
+          </a:prstGeom>
+        </p:spPr>
+        <p:txBody>
+          <a:bodyPr anchor="t" rtlCol="false" tIns="0" lIns="0" bIns="0" rIns="0">
+            <a:spAutoFit/>
+          </a:bodyPr>
+          <a:lstStyle/>
+          <a:p>
+            <a:pPr algn="ctr">
+              <a:lnSpc>
+                <a:spcPts val="3079"/>
+              </a:lnSpc>
+            </a:pPr>
+            <a:r>
+              <a:rPr lang="en-US" sz="2199">
+                <a:solidFill>
+                  <a:srgbClr val="000000"/>
+                </a:solidFill>
+                <a:latin typeface="Canva Sans"/>
+                <a:ea typeface="Canva Sans"/>
+                <a:cs typeface="Canva Sans"/>
+                <a:sym typeface="Canva Sans"/>
+              </a:rPr>
               <a:t>Fig 7</a:t>
+            </a:r>
+          </a:p>
+        </p:txBody>
+      </p:sp>
+      <p:sp>
+        <p:nvSpPr>
+          <p:cNvPr name="TextBox 9" id="9"/>
+          <p:cNvSpPr txBox="true"/>
+          <p:nvPr/>
+        </p:nvSpPr>
+        <p:spPr>
+          <a:xfrm rot="0">
+            <a:off x="7516405" y="6312238"/>
+            <a:ext cx="624111" cy="372745"/>
+          </a:xfrm>
+          <a:prstGeom prst="rect">
+            <a:avLst/>
+          </a:prstGeom>
+        </p:spPr>
+        <p:txBody>
+          <a:bodyPr anchor="t" rtlCol="false" tIns="0" lIns="0" bIns="0" rIns="0">
+            <a:spAutoFit/>
+          </a:bodyPr>
+          <a:lstStyle/>
+          <a:p>
+            <a:pPr algn="ctr">
+              <a:lnSpc>
+                <a:spcPts val="3079"/>
+              </a:lnSpc>
+            </a:pPr>
+            <a:r>
+              <a:rPr lang="en-US" sz="2199">
+                <a:solidFill>
+                  <a:srgbClr val="000000"/>
+                </a:solidFill>
+                <a:latin typeface="Canva Sans"/>
+                <a:ea typeface="Canva Sans"/>
+                <a:cs typeface="Canva Sans"/>
+                <a:sym typeface="Canva Sans"/>
+              </a:rPr>
+              <a:t>Fig 8</a:t>
             </a:r>
           </a:p>
         </p:txBody>
@@ -6628,55 +11889,14 @@
       </p:grpSpPr>
       <p:sp>
         <p:nvSpPr>
-          <p:cNvPr name="TextBox 2" id="2"/>
-          <p:cNvSpPr txBox="true"/>
-          <p:nvPr/>
-        </p:nvSpPr>
-        <p:spPr>
-          <a:xfrm rot="0">
-            <a:off x="756000" y="679800"/>
-            <a:ext cx="8546400" cy="679450"/>
-          </a:xfrm>
-          <a:prstGeom prst="rect">
-            <a:avLst/>
-          </a:prstGeom>
-        </p:spPr>
-        <p:txBody>
-          <a:bodyPr anchor="t" rtlCol="false" tIns="0" lIns="0" bIns="0" rIns="0">
-            <a:spAutoFit/>
-          </a:bodyPr>
-          <a:lstStyle/>
-          <a:p>
-            <a:pPr algn="ctr">
-              <a:lnSpc>
-                <a:spcPts val="5599"/>
-              </a:lnSpc>
-            </a:pPr>
-            <a:r>
-              <a:rPr lang="en-US" sz="3999" b="true">
-                <a:solidFill>
-                  <a:srgbClr val="000000"/>
-                </a:solidFill>
-                <a:latin typeface="Canva Sans Bold"/>
-                <a:ea typeface="Canva Sans Bold"/>
-                <a:cs typeface="Canva Sans Bold"/>
-                <a:sym typeface="Canva Sans Bold"/>
-              </a:rPr>
-              <a:t>Exploratory Data Analysis in Colab</a:t>
-            </a:r>
-          </a:p>
-        </p:txBody>
-      </p:sp>
-      <p:sp>
-        <p:nvSpPr>
-          <p:cNvPr name="Freeform 3" id="3"/>
+          <p:cNvPr name="Freeform 2" id="2"/>
           <p:cNvSpPr/>
           <p:nvPr/>
         </p:nvSpPr>
         <p:spPr>
           <a:xfrm flipH="false" flipV="false" rot="0">
-            <a:off x="9394011" y="788109"/>
-            <a:ext cx="541989" cy="539033"/>
+            <a:off x="3863665" y="825581"/>
+            <a:ext cx="459935" cy="568460"/>
           </a:xfrm>
           <a:custGeom>
             <a:avLst/>
@@ -6685,18 +11905,18 @@
             <a:cxnLst/>
             <a:rect r="r" b="b" t="t" l="l"/>
             <a:pathLst>
-              <a:path h="539033" w="541989">
+              <a:path h="568460" w="459935">
                 <a:moveTo>
                   <a:pt x="0" y="0"/>
                 </a:moveTo>
                 <a:lnTo>
-                  <a:pt x="541989" y="0"/>
-                </a:lnTo>
-                <a:lnTo>
-                  <a:pt x="541989" y="539032"/>
-                </a:lnTo>
-                <a:lnTo>
-                  <a:pt x="0" y="539032"/>
+                  <a:pt x="459935" y="0"/>
+                </a:lnTo>
+                <a:lnTo>
+                  <a:pt x="459935" y="568460"/>
+                </a:lnTo>
+                <a:lnTo>
+                  <a:pt x="0" y="568460"/>
                 </a:lnTo>
                 <a:lnTo>
                   <a:pt x="0" y="0"/>
@@ -6721,14 +11941,14 @@
       </p:sp>
       <p:sp>
         <p:nvSpPr>
-          <p:cNvPr name="Freeform 4" id="4"/>
+          <p:cNvPr name="Freeform 3" id="3"/>
           <p:cNvSpPr/>
           <p:nvPr/>
         </p:nvSpPr>
         <p:spPr>
           <a:xfrm flipH="false" flipV="false" rot="0">
-            <a:off x="0" y="1813515"/>
-            <a:ext cx="10692000" cy="5746245"/>
+            <a:off x="3281088" y="2718166"/>
+            <a:ext cx="3894926" cy="3632173"/>
           </a:xfrm>
           <a:custGeom>
             <a:avLst/>
@@ -6737,18 +11957,18 @@
             <a:cxnLst/>
             <a:rect r="r" b="b" t="t" l="l"/>
             <a:pathLst>
-              <a:path h="5746245" w="10692000">
+              <a:path h="3632173" w="3894926">
                 <a:moveTo>
                   <a:pt x="0" y="0"/>
                 </a:moveTo>
                 <a:lnTo>
-                  <a:pt x="10692000" y="0"/>
-                </a:lnTo>
-                <a:lnTo>
-                  <a:pt x="10692000" y="5746244"/>
-                </a:lnTo>
-                <a:lnTo>
-                  <a:pt x="0" y="5746244"/>
+                  <a:pt x="3894926" y="0"/>
+                </a:lnTo>
+                <a:lnTo>
+                  <a:pt x="3894926" y="3632172"/>
+                </a:lnTo>
+                <a:lnTo>
+                  <a:pt x="0" y="3632172"/>
                 </a:lnTo>
                 <a:lnTo>
                   <a:pt x="0" y="0"/>
@@ -6760,13 +11980,54 @@
           <a:blipFill>
             <a:blip r:embed="rId4"/>
             <a:stretch>
-              <a:fillRect l="-5220" t="0" r="-5220" b="-3121"/>
+              <a:fillRect l="0" t="0" r="0" b="0"/>
             </a:stretch>
           </a:blipFill>
         </p:spPr>
       </p:sp>
       <p:sp>
         <p:nvSpPr>
+          <p:cNvPr name="TextBox 4" id="4"/>
+          <p:cNvSpPr txBox="true"/>
+          <p:nvPr/>
+        </p:nvSpPr>
+        <p:spPr>
+          <a:xfrm rot="0">
+            <a:off x="760763" y="714591"/>
+            <a:ext cx="2970461" cy="679450"/>
+          </a:xfrm>
+          <a:prstGeom prst="rect">
+            <a:avLst/>
+          </a:prstGeom>
+        </p:spPr>
+        <p:txBody>
+          <a:bodyPr anchor="t" rtlCol="false" tIns="0" lIns="0" bIns="0" rIns="0">
+            <a:spAutoFit/>
+          </a:bodyPr>
+          <a:lstStyle/>
+          <a:p>
+            <a:pPr algn="ctr">
+              <a:lnSpc>
+                <a:spcPts val="5599"/>
+              </a:lnSpc>
+            </a:pPr>
+            <a:r>
+              <a:rPr lang="en-US" sz="3999" b="true">
+                <a:solidFill>
+                  <a:srgbClr val="000000"/>
+                </a:solidFill>
+                <a:latin typeface="Canva Sans Bold"/>
+                <a:ea typeface="Canva Sans Bold"/>
+                <a:cs typeface="Canva Sans Bold"/>
+                <a:sym typeface="Canva Sans Bold"/>
+              </a:rPr>
+              <a:t>Dashboards</a:t>
+            </a:r>
+          </a:p>
+        </p:txBody>
+      </p:sp>
+      <p:sp>
+        <p:nvSpPr>
           <p:cNvPr name="TextBox 5" id="5"/>
           <p:cNvSpPr txBox="true"/>
           <p:nvPr/>
@@ -6774,7 +12035,7 @@
         <p:spPr>
           <a:xfrm rot="0">
             <a:off x="760763" y="1608064"/>
-            <a:ext cx="9175238" cy="905510"/>
+            <a:ext cx="9175237" cy="905510"/>
           </a:xfrm>
           <a:prstGeom prst="rect">
             <a:avLst/>
@@ -6803,7 +12064,7 @@
                 <a:cs typeface="Canva Sans"/>
                 <a:sym typeface="Canva Sans"/>
               </a:rPr>
-              <a:t>Fig 8 shows the treemap of the relationship between the bookings from pickup location wrt each other.</a:t>
+              <a:t>Fig 9 shows the demand for drivers at both the airport and the city.</a:t>
             </a:r>
           </a:p>
         </p:txBody>
@@ -6816,8 +12077,8 @@
         </p:nvSpPr>
         <p:spPr>
           <a:xfrm rot="0">
-            <a:off x="5036326" y="6924300"/>
-            <a:ext cx="624111" cy="372745"/>
+            <a:off x="5028550" y="6598577"/>
+            <a:ext cx="634901" cy="372745"/>
           </a:xfrm>
           <a:prstGeom prst="rect">
             <a:avLst/>
@@ -6844,7 +12105,7 @@
                 <a:cs typeface="Canva Sans"/>
                 <a:sym typeface="Canva Sans"/>
               </a:rPr>
-              <a:t>Fig 8</a:t>
+              <a:t>Fig 9</a:t>
             </a:r>
           </a:p>
         </p:txBody>
